--- a/Hotel_Reservations.pptx
+++ b/Hotel_Reservations.pptx
@@ -23,28 +23,39 @@
     <p:sldId id="268" r:id="rId18"/>
     <p:sldId id="269" r:id="rId19"/>
     <p:sldId id="270" r:id="rId20"/>
+    <p:sldId id="271" r:id="rId21"/>
+    <p:sldId id="272" r:id="rId22"/>
+    <p:sldId id="273" r:id="rId23"/>
+    <p:sldId id="274" r:id="rId24"/>
+    <p:sldId id="275" r:id="rId25"/>
+    <p:sldId id="276" r:id="rId26"/>
+    <p:sldId id="277" r:id="rId27"/>
+    <p:sldId id="278" r:id="rId28"/>
+    <p:sldId id="279" r:id="rId29"/>
+    <p:sldId id="280" r:id="rId30"/>
+    <p:sldId id="281" r:id="rId31"/>
   </p:sldIdLst>
   <p:sldSz cy="5143500" cx="9144000"/>
   <p:notesSz cx="6858000" cy="9144000"/>
   <p:embeddedFontLst>
     <p:embeddedFont>
       <p:font typeface="Playfair Display"/>
-      <p:regular r:id="rId21"/>
-      <p:bold r:id="rId22"/>
-      <p:italic r:id="rId23"/>
-      <p:boldItalic r:id="rId24"/>
+      <p:regular r:id="rId32"/>
+      <p:bold r:id="rId33"/>
+      <p:italic r:id="rId34"/>
+      <p:boldItalic r:id="rId35"/>
     </p:embeddedFont>
     <p:embeddedFont>
       <p:font typeface="Montserrat"/>
-      <p:regular r:id="rId25"/>
-      <p:bold r:id="rId26"/>
-      <p:italic r:id="rId27"/>
-      <p:boldItalic r:id="rId28"/>
+      <p:regular r:id="rId36"/>
+      <p:bold r:id="rId37"/>
+      <p:italic r:id="rId38"/>
+      <p:boldItalic r:id="rId39"/>
     </p:embeddedFont>
     <p:embeddedFont>
       <p:font typeface="Oswald"/>
-      <p:regular r:id="rId29"/>
-      <p:bold r:id="rId30"/>
+      <p:regular r:id="rId40"/>
+      <p:bold r:id="rId41"/>
     </p:embeddedFont>
   </p:embeddedFontLst>
   <p:defaultTextStyle>
@@ -1414,6 +1425,402 @@
 </p:notes>
 </file>
 
+<file path=ppt/notesSlides/notesSlide16.xml><?xml version="1.0" encoding="utf-8"?>
+<p:notes xmlns:a="http://schemas.openxmlformats.org/drawingml/2006/main" xmlns:r="http://schemas.openxmlformats.org/officeDocument/2006/relationships" xmlns:mc="http://schemas.openxmlformats.org/markup-compatibility/2006" xmlns:mv="urn:schemas-microsoft-com:mac:vml" xmlns:p="http://schemas.openxmlformats.org/presentationml/2006/main" xmlns:c="http://schemas.openxmlformats.org/drawingml/2006/chart" xmlns:dgm="http://schemas.openxmlformats.org/drawingml/2006/diagram" xmlns:o="urn:schemas-microsoft-com:office:office" xmlns:v="urn:schemas-microsoft-com:vml" xmlns:pvml="urn:schemas-microsoft-com:office:powerpoint" xmlns:com="http://schemas.openxmlformats.org/drawingml/2006/compatibility" xmlns:p14="http://schemas.microsoft.com/office/powerpoint/2010/main" xmlns:p15="http://schemas.microsoft.com/office/powerpoint/2012/main" xmlns:ahyp="http://schemas.microsoft.com/office/drawing/2018/hyperlinkcolor" showMasterPhAnim="0" showMasterSp="0">
+  <p:cSld>
+    <p:spTree>
+      <p:nvGrpSpPr>
+        <p:cNvPr id="151" name="Shape 151"/>
+        <p:cNvGrpSpPr/>
+        <p:nvPr/>
+      </p:nvGrpSpPr>
+      <p:grpSpPr>
+        <a:xfrm>
+          <a:off x="0" y="0"/>
+          <a:ext cx="0" cy="0"/>
+          <a:chOff x="0" y="0"/>
+          <a:chExt cx="0" cy="0"/>
+        </a:xfrm>
+      </p:grpSpPr>
+      <p:sp>
+        <p:nvSpPr>
+          <p:cNvPr id="152" name="Google Shape;152;g1dde93d9a7b_1_0:notes"/>
+          <p:cNvSpPr/>
+          <p:nvPr>
+            <p:ph idx="2" type="sldImg"/>
+          </p:nvPr>
+        </p:nvSpPr>
+        <p:spPr>
+          <a:xfrm>
+            <a:off x="381300" y="685800"/>
+            <a:ext cx="6096000" cy="3429000"/>
+          </a:xfrm>
+          <a:custGeom>
+            <a:rect b="b" l="l" r="r" t="t"/>
+            <a:pathLst>
+              <a:path extrusionOk="0" h="120000" w="120000">
+                <a:moveTo>
+                  <a:pt x="0" y="0"/>
+                </a:moveTo>
+                <a:lnTo>
+                  <a:pt x="120000" y="0"/>
+                </a:lnTo>
+                <a:lnTo>
+                  <a:pt x="120000" y="120000"/>
+                </a:lnTo>
+                <a:lnTo>
+                  <a:pt x="0" y="120000"/>
+                </a:lnTo>
+                <a:close/>
+              </a:path>
+            </a:pathLst>
+          </a:custGeom>
+        </p:spPr>
+      </p:sp>
+      <p:sp>
+        <p:nvSpPr>
+          <p:cNvPr id="153" name="Google Shape;153;g1dde93d9a7b_1_0:notes"/>
+          <p:cNvSpPr txBox="1"/>
+          <p:nvPr>
+            <p:ph idx="1" type="body"/>
+          </p:nvPr>
+        </p:nvSpPr>
+        <p:spPr>
+          <a:xfrm>
+            <a:off x="685800" y="4343400"/>
+            <a:ext cx="5486400" cy="4114800"/>
+          </a:xfrm>
+          <a:prstGeom prst="rect">
+            <a:avLst/>
+          </a:prstGeom>
+        </p:spPr>
+        <p:txBody>
+          <a:bodyPr anchorCtr="0" anchor="t" bIns="91425" lIns="91425" spcFirstLastPara="1" rIns="91425" wrap="square" tIns="91425">
+            <a:noAutofit/>
+          </a:bodyPr>
+          <a:lstStyle/>
+          <a:p>
+            <a:pPr indent="0" lvl="0" marL="0" rtl="0" algn="l">
+              <a:spcBef>
+                <a:spcPts val="0"/>
+              </a:spcBef>
+              <a:spcAft>
+                <a:spcPts val="0"/>
+              </a:spcAft>
+              <a:buNone/>
+            </a:pPr>
+            <a:r>
+              <a:t/>
+            </a:r>
+            <a:endParaRPr/>
+          </a:p>
+        </p:txBody>
+      </p:sp>
+    </p:spTree>
+  </p:cSld>
+  <p:clrMapOvr>
+    <a:masterClrMapping/>
+  </p:clrMapOvr>
+</p:notes>
+</file>
+
+<file path=ppt/notesSlides/notesSlide17.xml><?xml version="1.0" encoding="utf-8"?>
+<p:notes xmlns:a="http://schemas.openxmlformats.org/drawingml/2006/main" xmlns:r="http://schemas.openxmlformats.org/officeDocument/2006/relationships" xmlns:mc="http://schemas.openxmlformats.org/markup-compatibility/2006" xmlns:mv="urn:schemas-microsoft-com:mac:vml" xmlns:p="http://schemas.openxmlformats.org/presentationml/2006/main" xmlns:c="http://schemas.openxmlformats.org/drawingml/2006/chart" xmlns:dgm="http://schemas.openxmlformats.org/drawingml/2006/diagram" xmlns:o="urn:schemas-microsoft-com:office:office" xmlns:v="urn:schemas-microsoft-com:vml" xmlns:pvml="urn:schemas-microsoft-com:office:powerpoint" xmlns:com="http://schemas.openxmlformats.org/drawingml/2006/compatibility" xmlns:p14="http://schemas.microsoft.com/office/powerpoint/2010/main" xmlns:p15="http://schemas.microsoft.com/office/powerpoint/2012/main" xmlns:ahyp="http://schemas.microsoft.com/office/drawing/2018/hyperlinkcolor" showMasterPhAnim="0" showMasterSp="0">
+  <p:cSld>
+    <p:spTree>
+      <p:nvGrpSpPr>
+        <p:cNvPr id="157" name="Shape 157"/>
+        <p:cNvGrpSpPr/>
+        <p:nvPr/>
+      </p:nvGrpSpPr>
+      <p:grpSpPr>
+        <a:xfrm>
+          <a:off x="0" y="0"/>
+          <a:ext cx="0" cy="0"/>
+          <a:chOff x="0" y="0"/>
+          <a:chExt cx="0" cy="0"/>
+        </a:xfrm>
+      </p:grpSpPr>
+      <p:sp>
+        <p:nvSpPr>
+          <p:cNvPr id="158" name="Google Shape;158;g1dde93d9a7b_1_6:notes"/>
+          <p:cNvSpPr/>
+          <p:nvPr>
+            <p:ph idx="2" type="sldImg"/>
+          </p:nvPr>
+        </p:nvSpPr>
+        <p:spPr>
+          <a:xfrm>
+            <a:off x="381300" y="685800"/>
+            <a:ext cx="6096000" cy="3429000"/>
+          </a:xfrm>
+          <a:custGeom>
+            <a:rect b="b" l="l" r="r" t="t"/>
+            <a:pathLst>
+              <a:path extrusionOk="0" h="120000" w="120000">
+                <a:moveTo>
+                  <a:pt x="0" y="0"/>
+                </a:moveTo>
+                <a:lnTo>
+                  <a:pt x="120000" y="0"/>
+                </a:lnTo>
+                <a:lnTo>
+                  <a:pt x="120000" y="120000"/>
+                </a:lnTo>
+                <a:lnTo>
+                  <a:pt x="0" y="120000"/>
+                </a:lnTo>
+                <a:close/>
+              </a:path>
+            </a:pathLst>
+          </a:custGeom>
+        </p:spPr>
+      </p:sp>
+      <p:sp>
+        <p:nvSpPr>
+          <p:cNvPr id="159" name="Google Shape;159;g1dde93d9a7b_1_6:notes"/>
+          <p:cNvSpPr txBox="1"/>
+          <p:nvPr>
+            <p:ph idx="1" type="body"/>
+          </p:nvPr>
+        </p:nvSpPr>
+        <p:spPr>
+          <a:xfrm>
+            <a:off x="685800" y="4343400"/>
+            <a:ext cx="5486400" cy="4114800"/>
+          </a:xfrm>
+          <a:prstGeom prst="rect">
+            <a:avLst/>
+          </a:prstGeom>
+        </p:spPr>
+        <p:txBody>
+          <a:bodyPr anchorCtr="0" anchor="t" bIns="91425" lIns="91425" spcFirstLastPara="1" rIns="91425" wrap="square" tIns="91425">
+            <a:noAutofit/>
+          </a:bodyPr>
+          <a:lstStyle/>
+          <a:p>
+            <a:pPr indent="0" lvl="0" marL="0" rtl="0" algn="l">
+              <a:spcBef>
+                <a:spcPts val="0"/>
+              </a:spcBef>
+              <a:spcAft>
+                <a:spcPts val="0"/>
+              </a:spcAft>
+              <a:buNone/>
+            </a:pPr>
+            <a:r>
+              <a:t/>
+            </a:r>
+            <a:endParaRPr/>
+          </a:p>
+        </p:txBody>
+      </p:sp>
+    </p:spTree>
+  </p:cSld>
+  <p:clrMapOvr>
+    <a:masterClrMapping/>
+  </p:clrMapOvr>
+</p:notes>
+</file>
+
+<file path=ppt/notesSlides/notesSlide18.xml><?xml version="1.0" encoding="utf-8"?>
+<p:notes xmlns:a="http://schemas.openxmlformats.org/drawingml/2006/main" xmlns:r="http://schemas.openxmlformats.org/officeDocument/2006/relationships" xmlns:mc="http://schemas.openxmlformats.org/markup-compatibility/2006" xmlns:mv="urn:schemas-microsoft-com:mac:vml" xmlns:p="http://schemas.openxmlformats.org/presentationml/2006/main" xmlns:c="http://schemas.openxmlformats.org/drawingml/2006/chart" xmlns:dgm="http://schemas.openxmlformats.org/drawingml/2006/diagram" xmlns:o="urn:schemas-microsoft-com:office:office" xmlns:v="urn:schemas-microsoft-com:vml" xmlns:pvml="urn:schemas-microsoft-com:office:powerpoint" xmlns:com="http://schemas.openxmlformats.org/drawingml/2006/compatibility" xmlns:p14="http://schemas.microsoft.com/office/powerpoint/2010/main" xmlns:p15="http://schemas.microsoft.com/office/powerpoint/2012/main" xmlns:ahyp="http://schemas.microsoft.com/office/drawing/2018/hyperlinkcolor" showMasterPhAnim="0" showMasterSp="0">
+  <p:cSld>
+    <p:spTree>
+      <p:nvGrpSpPr>
+        <p:cNvPr id="164" name="Shape 164"/>
+        <p:cNvGrpSpPr/>
+        <p:nvPr/>
+      </p:nvGrpSpPr>
+      <p:grpSpPr>
+        <a:xfrm>
+          <a:off x="0" y="0"/>
+          <a:ext cx="0" cy="0"/>
+          <a:chOff x="0" y="0"/>
+          <a:chExt cx="0" cy="0"/>
+        </a:xfrm>
+      </p:grpSpPr>
+      <p:sp>
+        <p:nvSpPr>
+          <p:cNvPr id="165" name="Google Shape;165;g1dde93d9a7b_1_13:notes"/>
+          <p:cNvSpPr/>
+          <p:nvPr>
+            <p:ph idx="2" type="sldImg"/>
+          </p:nvPr>
+        </p:nvSpPr>
+        <p:spPr>
+          <a:xfrm>
+            <a:off x="381300" y="685800"/>
+            <a:ext cx="6096000" cy="3429000"/>
+          </a:xfrm>
+          <a:custGeom>
+            <a:rect b="b" l="l" r="r" t="t"/>
+            <a:pathLst>
+              <a:path extrusionOk="0" h="120000" w="120000">
+                <a:moveTo>
+                  <a:pt x="0" y="0"/>
+                </a:moveTo>
+                <a:lnTo>
+                  <a:pt x="120000" y="0"/>
+                </a:lnTo>
+                <a:lnTo>
+                  <a:pt x="120000" y="120000"/>
+                </a:lnTo>
+                <a:lnTo>
+                  <a:pt x="0" y="120000"/>
+                </a:lnTo>
+                <a:close/>
+              </a:path>
+            </a:pathLst>
+          </a:custGeom>
+        </p:spPr>
+      </p:sp>
+      <p:sp>
+        <p:nvSpPr>
+          <p:cNvPr id="166" name="Google Shape;166;g1dde93d9a7b_1_13:notes"/>
+          <p:cNvSpPr txBox="1"/>
+          <p:nvPr>
+            <p:ph idx="1" type="body"/>
+          </p:nvPr>
+        </p:nvSpPr>
+        <p:spPr>
+          <a:xfrm>
+            <a:off x="685800" y="4343400"/>
+            <a:ext cx="5486400" cy="4114800"/>
+          </a:xfrm>
+          <a:prstGeom prst="rect">
+            <a:avLst/>
+          </a:prstGeom>
+        </p:spPr>
+        <p:txBody>
+          <a:bodyPr anchorCtr="0" anchor="t" bIns="91425" lIns="91425" spcFirstLastPara="1" rIns="91425" wrap="square" tIns="91425">
+            <a:noAutofit/>
+          </a:bodyPr>
+          <a:lstStyle/>
+          <a:p>
+            <a:pPr indent="0" lvl="0" marL="0" rtl="0" algn="l">
+              <a:spcBef>
+                <a:spcPts val="0"/>
+              </a:spcBef>
+              <a:spcAft>
+                <a:spcPts val="0"/>
+              </a:spcAft>
+              <a:buNone/>
+            </a:pPr>
+            <a:r>
+              <a:t/>
+            </a:r>
+            <a:endParaRPr/>
+          </a:p>
+        </p:txBody>
+      </p:sp>
+    </p:spTree>
+  </p:cSld>
+  <p:clrMapOvr>
+    <a:masterClrMapping/>
+  </p:clrMapOvr>
+</p:notes>
+</file>
+
+<file path=ppt/notesSlides/notesSlide19.xml><?xml version="1.0" encoding="utf-8"?>
+<p:notes xmlns:a="http://schemas.openxmlformats.org/drawingml/2006/main" xmlns:r="http://schemas.openxmlformats.org/officeDocument/2006/relationships" xmlns:mc="http://schemas.openxmlformats.org/markup-compatibility/2006" xmlns:mv="urn:schemas-microsoft-com:mac:vml" xmlns:p="http://schemas.openxmlformats.org/presentationml/2006/main" xmlns:c="http://schemas.openxmlformats.org/drawingml/2006/chart" xmlns:dgm="http://schemas.openxmlformats.org/drawingml/2006/diagram" xmlns:o="urn:schemas-microsoft-com:office:office" xmlns:v="urn:schemas-microsoft-com:vml" xmlns:pvml="urn:schemas-microsoft-com:office:powerpoint" xmlns:com="http://schemas.openxmlformats.org/drawingml/2006/compatibility" xmlns:p14="http://schemas.microsoft.com/office/powerpoint/2010/main" xmlns:p15="http://schemas.microsoft.com/office/powerpoint/2012/main" xmlns:ahyp="http://schemas.microsoft.com/office/drawing/2018/hyperlinkcolor" showMasterPhAnim="0" showMasterSp="0">
+  <p:cSld>
+    <p:spTree>
+      <p:nvGrpSpPr>
+        <p:cNvPr id="170" name="Shape 170"/>
+        <p:cNvGrpSpPr/>
+        <p:nvPr/>
+      </p:nvGrpSpPr>
+      <p:grpSpPr>
+        <a:xfrm>
+          <a:off x="0" y="0"/>
+          <a:ext cx="0" cy="0"/>
+          <a:chOff x="0" y="0"/>
+          <a:chExt cx="0" cy="0"/>
+        </a:xfrm>
+      </p:grpSpPr>
+      <p:sp>
+        <p:nvSpPr>
+          <p:cNvPr id="171" name="Google Shape;171;g1dde93d9a7b_1_21:notes"/>
+          <p:cNvSpPr/>
+          <p:nvPr>
+            <p:ph idx="2" type="sldImg"/>
+          </p:nvPr>
+        </p:nvSpPr>
+        <p:spPr>
+          <a:xfrm>
+            <a:off x="381300" y="685800"/>
+            <a:ext cx="6096000" cy="3429000"/>
+          </a:xfrm>
+          <a:custGeom>
+            <a:rect b="b" l="l" r="r" t="t"/>
+            <a:pathLst>
+              <a:path extrusionOk="0" h="120000" w="120000">
+                <a:moveTo>
+                  <a:pt x="0" y="0"/>
+                </a:moveTo>
+                <a:lnTo>
+                  <a:pt x="120000" y="0"/>
+                </a:lnTo>
+                <a:lnTo>
+                  <a:pt x="120000" y="120000"/>
+                </a:lnTo>
+                <a:lnTo>
+                  <a:pt x="0" y="120000"/>
+                </a:lnTo>
+                <a:close/>
+              </a:path>
+            </a:pathLst>
+          </a:custGeom>
+        </p:spPr>
+      </p:sp>
+      <p:sp>
+        <p:nvSpPr>
+          <p:cNvPr id="172" name="Google Shape;172;g1dde93d9a7b_1_21:notes"/>
+          <p:cNvSpPr txBox="1"/>
+          <p:nvPr>
+            <p:ph idx="1" type="body"/>
+          </p:nvPr>
+        </p:nvSpPr>
+        <p:spPr>
+          <a:xfrm>
+            <a:off x="685800" y="4343400"/>
+            <a:ext cx="5486400" cy="4114800"/>
+          </a:xfrm>
+          <a:prstGeom prst="rect">
+            <a:avLst/>
+          </a:prstGeom>
+        </p:spPr>
+        <p:txBody>
+          <a:bodyPr anchorCtr="0" anchor="t" bIns="91425" lIns="91425" spcFirstLastPara="1" rIns="91425" wrap="square" tIns="91425">
+            <a:noAutofit/>
+          </a:bodyPr>
+          <a:lstStyle/>
+          <a:p>
+            <a:pPr indent="0" lvl="0" marL="0" rtl="0" algn="l">
+              <a:spcBef>
+                <a:spcPts val="0"/>
+              </a:spcBef>
+              <a:spcAft>
+                <a:spcPts val="0"/>
+              </a:spcAft>
+              <a:buNone/>
+            </a:pPr>
+            <a:r>
+              <a:t/>
+            </a:r>
+            <a:endParaRPr/>
+          </a:p>
+        </p:txBody>
+      </p:sp>
+    </p:spTree>
+  </p:cSld>
+  <p:clrMapOvr>
+    <a:masterClrMapping/>
+  </p:clrMapOvr>
+</p:notes>
+</file>
+
 <file path=ppt/notesSlides/notesSlide2.xml><?xml version="1.0" encoding="utf-8"?>
 <p:notes xmlns:a="http://schemas.openxmlformats.org/drawingml/2006/main" xmlns:r="http://schemas.openxmlformats.org/officeDocument/2006/relationships" xmlns:mc="http://schemas.openxmlformats.org/markup-compatibility/2006" xmlns:mv="urn:schemas-microsoft-com:mac:vml" xmlns:p="http://schemas.openxmlformats.org/presentationml/2006/main" xmlns:c="http://schemas.openxmlformats.org/drawingml/2006/chart" xmlns:dgm="http://schemas.openxmlformats.org/drawingml/2006/diagram" xmlns:o="urn:schemas-microsoft-com:office:office" xmlns:v="urn:schemas-microsoft-com:vml" xmlns:pvml="urn:schemas-microsoft-com:office:powerpoint" xmlns:com="http://schemas.openxmlformats.org/drawingml/2006/compatibility" xmlns:p14="http://schemas.microsoft.com/office/powerpoint/2010/main" xmlns:p15="http://schemas.microsoft.com/office/powerpoint/2012/main" xmlns:ahyp="http://schemas.microsoft.com/office/drawing/2018/hyperlinkcolor" showMasterPhAnim="0" showMasterSp="0">
   <p:cSld>
@@ -1469,6 +1876,699 @@
       <p:sp>
         <p:nvSpPr>
           <p:cNvPr id="62" name="Google Shape;62;g213aaa1a5db_0_93:notes"/>
+          <p:cNvSpPr txBox="1"/>
+          <p:nvPr>
+            <p:ph idx="1" type="body"/>
+          </p:nvPr>
+        </p:nvSpPr>
+        <p:spPr>
+          <a:xfrm>
+            <a:off x="685800" y="4343400"/>
+            <a:ext cx="5486400" cy="4114800"/>
+          </a:xfrm>
+          <a:prstGeom prst="rect">
+            <a:avLst/>
+          </a:prstGeom>
+        </p:spPr>
+        <p:txBody>
+          <a:bodyPr anchorCtr="0" anchor="t" bIns="91425" lIns="91425" spcFirstLastPara="1" rIns="91425" wrap="square" tIns="91425">
+            <a:noAutofit/>
+          </a:bodyPr>
+          <a:lstStyle/>
+          <a:p>
+            <a:pPr indent="0" lvl="0" marL="0" rtl="0" algn="l">
+              <a:spcBef>
+                <a:spcPts val="0"/>
+              </a:spcBef>
+              <a:spcAft>
+                <a:spcPts val="0"/>
+              </a:spcAft>
+              <a:buNone/>
+            </a:pPr>
+            <a:r>
+              <a:t/>
+            </a:r>
+            <a:endParaRPr/>
+          </a:p>
+        </p:txBody>
+      </p:sp>
+    </p:spTree>
+  </p:cSld>
+  <p:clrMapOvr>
+    <a:masterClrMapping/>
+  </p:clrMapOvr>
+</p:notes>
+</file>
+
+<file path=ppt/notesSlides/notesSlide20.xml><?xml version="1.0" encoding="utf-8"?>
+<p:notes xmlns:a="http://schemas.openxmlformats.org/drawingml/2006/main" xmlns:r="http://schemas.openxmlformats.org/officeDocument/2006/relationships" xmlns:mc="http://schemas.openxmlformats.org/markup-compatibility/2006" xmlns:mv="urn:schemas-microsoft-com:mac:vml" xmlns:p="http://schemas.openxmlformats.org/presentationml/2006/main" xmlns:c="http://schemas.openxmlformats.org/drawingml/2006/chart" xmlns:dgm="http://schemas.openxmlformats.org/drawingml/2006/diagram" xmlns:o="urn:schemas-microsoft-com:office:office" xmlns:v="urn:schemas-microsoft-com:vml" xmlns:pvml="urn:schemas-microsoft-com:office:powerpoint" xmlns:com="http://schemas.openxmlformats.org/drawingml/2006/compatibility" xmlns:p14="http://schemas.microsoft.com/office/powerpoint/2010/main" xmlns:p15="http://schemas.microsoft.com/office/powerpoint/2012/main" xmlns:ahyp="http://schemas.microsoft.com/office/drawing/2018/hyperlinkcolor" showMasterPhAnim="0" showMasterSp="0">
+  <p:cSld>
+    <p:spTree>
+      <p:nvGrpSpPr>
+        <p:cNvPr id="177" name="Shape 177"/>
+        <p:cNvGrpSpPr/>
+        <p:nvPr/>
+      </p:nvGrpSpPr>
+      <p:grpSpPr>
+        <a:xfrm>
+          <a:off x="0" y="0"/>
+          <a:ext cx="0" cy="0"/>
+          <a:chOff x="0" y="0"/>
+          <a:chExt cx="0" cy="0"/>
+        </a:xfrm>
+      </p:grpSpPr>
+      <p:sp>
+        <p:nvSpPr>
+          <p:cNvPr id="178" name="Google Shape;178;g1dde93d9a7b_1_27:notes"/>
+          <p:cNvSpPr/>
+          <p:nvPr>
+            <p:ph idx="2" type="sldImg"/>
+          </p:nvPr>
+        </p:nvSpPr>
+        <p:spPr>
+          <a:xfrm>
+            <a:off x="381300" y="685800"/>
+            <a:ext cx="6096000" cy="3429000"/>
+          </a:xfrm>
+          <a:custGeom>
+            <a:rect b="b" l="l" r="r" t="t"/>
+            <a:pathLst>
+              <a:path extrusionOk="0" h="120000" w="120000">
+                <a:moveTo>
+                  <a:pt x="0" y="0"/>
+                </a:moveTo>
+                <a:lnTo>
+                  <a:pt x="120000" y="0"/>
+                </a:lnTo>
+                <a:lnTo>
+                  <a:pt x="120000" y="120000"/>
+                </a:lnTo>
+                <a:lnTo>
+                  <a:pt x="0" y="120000"/>
+                </a:lnTo>
+                <a:close/>
+              </a:path>
+            </a:pathLst>
+          </a:custGeom>
+        </p:spPr>
+      </p:sp>
+      <p:sp>
+        <p:nvSpPr>
+          <p:cNvPr id="179" name="Google Shape;179;g1dde93d9a7b_1_27:notes"/>
+          <p:cNvSpPr txBox="1"/>
+          <p:nvPr>
+            <p:ph idx="1" type="body"/>
+          </p:nvPr>
+        </p:nvSpPr>
+        <p:spPr>
+          <a:xfrm>
+            <a:off x="685800" y="4343400"/>
+            <a:ext cx="5486400" cy="4114800"/>
+          </a:xfrm>
+          <a:prstGeom prst="rect">
+            <a:avLst/>
+          </a:prstGeom>
+        </p:spPr>
+        <p:txBody>
+          <a:bodyPr anchorCtr="0" anchor="t" bIns="91425" lIns="91425" spcFirstLastPara="1" rIns="91425" wrap="square" tIns="91425">
+            <a:noAutofit/>
+          </a:bodyPr>
+          <a:lstStyle/>
+          <a:p>
+            <a:pPr indent="0" lvl="0" marL="0" rtl="0" algn="l">
+              <a:spcBef>
+                <a:spcPts val="0"/>
+              </a:spcBef>
+              <a:spcAft>
+                <a:spcPts val="0"/>
+              </a:spcAft>
+              <a:buNone/>
+            </a:pPr>
+            <a:r>
+              <a:t/>
+            </a:r>
+            <a:endParaRPr/>
+          </a:p>
+        </p:txBody>
+      </p:sp>
+    </p:spTree>
+  </p:cSld>
+  <p:clrMapOvr>
+    <a:masterClrMapping/>
+  </p:clrMapOvr>
+</p:notes>
+</file>
+
+<file path=ppt/notesSlides/notesSlide21.xml><?xml version="1.0" encoding="utf-8"?>
+<p:notes xmlns:a="http://schemas.openxmlformats.org/drawingml/2006/main" xmlns:r="http://schemas.openxmlformats.org/officeDocument/2006/relationships" xmlns:mc="http://schemas.openxmlformats.org/markup-compatibility/2006" xmlns:mv="urn:schemas-microsoft-com:mac:vml" xmlns:p="http://schemas.openxmlformats.org/presentationml/2006/main" xmlns:c="http://schemas.openxmlformats.org/drawingml/2006/chart" xmlns:dgm="http://schemas.openxmlformats.org/drawingml/2006/diagram" xmlns:o="urn:schemas-microsoft-com:office:office" xmlns:v="urn:schemas-microsoft-com:vml" xmlns:pvml="urn:schemas-microsoft-com:office:powerpoint" xmlns:com="http://schemas.openxmlformats.org/drawingml/2006/compatibility" xmlns:p14="http://schemas.microsoft.com/office/powerpoint/2010/main" xmlns:p15="http://schemas.microsoft.com/office/powerpoint/2012/main" xmlns:ahyp="http://schemas.microsoft.com/office/drawing/2018/hyperlinkcolor" showMasterPhAnim="0" showMasterSp="0">
+  <p:cSld>
+    <p:spTree>
+      <p:nvGrpSpPr>
+        <p:cNvPr id="184" name="Shape 184"/>
+        <p:cNvGrpSpPr/>
+        <p:nvPr/>
+      </p:nvGrpSpPr>
+      <p:grpSpPr>
+        <a:xfrm>
+          <a:off x="0" y="0"/>
+          <a:ext cx="0" cy="0"/>
+          <a:chOff x="0" y="0"/>
+          <a:chExt cx="0" cy="0"/>
+        </a:xfrm>
+      </p:grpSpPr>
+      <p:sp>
+        <p:nvSpPr>
+          <p:cNvPr id="185" name="Google Shape;185;g215b7c2e4a6_0_11:notes"/>
+          <p:cNvSpPr/>
+          <p:nvPr>
+            <p:ph idx="2" type="sldImg"/>
+          </p:nvPr>
+        </p:nvSpPr>
+        <p:spPr>
+          <a:xfrm>
+            <a:off x="381300" y="685800"/>
+            <a:ext cx="6096000" cy="3429000"/>
+          </a:xfrm>
+          <a:custGeom>
+            <a:rect b="b" l="l" r="r" t="t"/>
+            <a:pathLst>
+              <a:path extrusionOk="0" h="120000" w="120000">
+                <a:moveTo>
+                  <a:pt x="0" y="0"/>
+                </a:moveTo>
+                <a:lnTo>
+                  <a:pt x="120000" y="0"/>
+                </a:lnTo>
+                <a:lnTo>
+                  <a:pt x="120000" y="120000"/>
+                </a:lnTo>
+                <a:lnTo>
+                  <a:pt x="0" y="120000"/>
+                </a:lnTo>
+                <a:close/>
+              </a:path>
+            </a:pathLst>
+          </a:custGeom>
+        </p:spPr>
+      </p:sp>
+      <p:sp>
+        <p:nvSpPr>
+          <p:cNvPr id="186" name="Google Shape;186;g215b7c2e4a6_0_11:notes"/>
+          <p:cNvSpPr txBox="1"/>
+          <p:nvPr>
+            <p:ph idx="1" type="body"/>
+          </p:nvPr>
+        </p:nvSpPr>
+        <p:spPr>
+          <a:xfrm>
+            <a:off x="685800" y="4343400"/>
+            <a:ext cx="5486400" cy="4114800"/>
+          </a:xfrm>
+          <a:prstGeom prst="rect">
+            <a:avLst/>
+          </a:prstGeom>
+        </p:spPr>
+        <p:txBody>
+          <a:bodyPr anchorCtr="0" anchor="t" bIns="91425" lIns="91425" spcFirstLastPara="1" rIns="91425" wrap="square" tIns="91425">
+            <a:noAutofit/>
+          </a:bodyPr>
+          <a:lstStyle/>
+          <a:p>
+            <a:pPr indent="0" lvl="0" marL="0" rtl="0" algn="l">
+              <a:spcBef>
+                <a:spcPts val="0"/>
+              </a:spcBef>
+              <a:spcAft>
+                <a:spcPts val="0"/>
+              </a:spcAft>
+              <a:buNone/>
+            </a:pPr>
+            <a:r>
+              <a:t/>
+            </a:r>
+            <a:endParaRPr/>
+          </a:p>
+        </p:txBody>
+      </p:sp>
+    </p:spTree>
+  </p:cSld>
+  <p:clrMapOvr>
+    <a:masterClrMapping/>
+  </p:clrMapOvr>
+</p:notes>
+</file>
+
+<file path=ppt/notesSlides/notesSlide22.xml><?xml version="1.0" encoding="utf-8"?>
+<p:notes xmlns:a="http://schemas.openxmlformats.org/drawingml/2006/main" xmlns:r="http://schemas.openxmlformats.org/officeDocument/2006/relationships" xmlns:mc="http://schemas.openxmlformats.org/markup-compatibility/2006" xmlns:mv="urn:schemas-microsoft-com:mac:vml" xmlns:p="http://schemas.openxmlformats.org/presentationml/2006/main" xmlns:c="http://schemas.openxmlformats.org/drawingml/2006/chart" xmlns:dgm="http://schemas.openxmlformats.org/drawingml/2006/diagram" xmlns:o="urn:schemas-microsoft-com:office:office" xmlns:v="urn:schemas-microsoft-com:vml" xmlns:pvml="urn:schemas-microsoft-com:office:powerpoint" xmlns:com="http://schemas.openxmlformats.org/drawingml/2006/compatibility" xmlns:p14="http://schemas.microsoft.com/office/powerpoint/2010/main" xmlns:p15="http://schemas.microsoft.com/office/powerpoint/2012/main" xmlns:ahyp="http://schemas.microsoft.com/office/drawing/2018/hyperlinkcolor" showMasterPhAnim="0" showMasterSp="0">
+  <p:cSld>
+    <p:spTree>
+      <p:nvGrpSpPr>
+        <p:cNvPr id="190" name="Shape 190"/>
+        <p:cNvGrpSpPr/>
+        <p:nvPr/>
+      </p:nvGrpSpPr>
+      <p:grpSpPr>
+        <a:xfrm>
+          <a:off x="0" y="0"/>
+          <a:ext cx="0" cy="0"/>
+          <a:chOff x="0" y="0"/>
+          <a:chExt cx="0" cy="0"/>
+        </a:xfrm>
+      </p:grpSpPr>
+      <p:sp>
+        <p:nvSpPr>
+          <p:cNvPr id="191" name="Google Shape;191;g215b7c2e4a6_0_16:notes"/>
+          <p:cNvSpPr/>
+          <p:nvPr>
+            <p:ph idx="2" type="sldImg"/>
+          </p:nvPr>
+        </p:nvSpPr>
+        <p:spPr>
+          <a:xfrm>
+            <a:off x="381300" y="685800"/>
+            <a:ext cx="6096000" cy="3429000"/>
+          </a:xfrm>
+          <a:custGeom>
+            <a:rect b="b" l="l" r="r" t="t"/>
+            <a:pathLst>
+              <a:path extrusionOk="0" h="120000" w="120000">
+                <a:moveTo>
+                  <a:pt x="0" y="0"/>
+                </a:moveTo>
+                <a:lnTo>
+                  <a:pt x="120000" y="0"/>
+                </a:lnTo>
+                <a:lnTo>
+                  <a:pt x="120000" y="120000"/>
+                </a:lnTo>
+                <a:lnTo>
+                  <a:pt x="0" y="120000"/>
+                </a:lnTo>
+                <a:close/>
+              </a:path>
+            </a:pathLst>
+          </a:custGeom>
+        </p:spPr>
+      </p:sp>
+      <p:sp>
+        <p:nvSpPr>
+          <p:cNvPr id="192" name="Google Shape;192;g215b7c2e4a6_0_16:notes"/>
+          <p:cNvSpPr txBox="1"/>
+          <p:nvPr>
+            <p:ph idx="1" type="body"/>
+          </p:nvPr>
+        </p:nvSpPr>
+        <p:spPr>
+          <a:xfrm>
+            <a:off x="685800" y="4343400"/>
+            <a:ext cx="5486400" cy="4114800"/>
+          </a:xfrm>
+          <a:prstGeom prst="rect">
+            <a:avLst/>
+          </a:prstGeom>
+        </p:spPr>
+        <p:txBody>
+          <a:bodyPr anchorCtr="0" anchor="t" bIns="91425" lIns="91425" spcFirstLastPara="1" rIns="91425" wrap="square" tIns="91425">
+            <a:noAutofit/>
+          </a:bodyPr>
+          <a:lstStyle/>
+          <a:p>
+            <a:pPr indent="0" lvl="0" marL="0" rtl="0" algn="l">
+              <a:spcBef>
+                <a:spcPts val="0"/>
+              </a:spcBef>
+              <a:spcAft>
+                <a:spcPts val="0"/>
+              </a:spcAft>
+              <a:buNone/>
+            </a:pPr>
+            <a:r>
+              <a:t/>
+            </a:r>
+            <a:endParaRPr/>
+          </a:p>
+        </p:txBody>
+      </p:sp>
+    </p:spTree>
+  </p:cSld>
+  <p:clrMapOvr>
+    <a:masterClrMapping/>
+  </p:clrMapOvr>
+</p:notes>
+</file>
+
+<file path=ppt/notesSlides/notesSlide23.xml><?xml version="1.0" encoding="utf-8"?>
+<p:notes xmlns:a="http://schemas.openxmlformats.org/drawingml/2006/main" xmlns:r="http://schemas.openxmlformats.org/officeDocument/2006/relationships" xmlns:mc="http://schemas.openxmlformats.org/markup-compatibility/2006" xmlns:mv="urn:schemas-microsoft-com:mac:vml" xmlns:p="http://schemas.openxmlformats.org/presentationml/2006/main" xmlns:c="http://schemas.openxmlformats.org/drawingml/2006/chart" xmlns:dgm="http://schemas.openxmlformats.org/drawingml/2006/diagram" xmlns:o="urn:schemas-microsoft-com:office:office" xmlns:v="urn:schemas-microsoft-com:vml" xmlns:pvml="urn:schemas-microsoft-com:office:powerpoint" xmlns:com="http://schemas.openxmlformats.org/drawingml/2006/compatibility" xmlns:p14="http://schemas.microsoft.com/office/powerpoint/2010/main" xmlns:p15="http://schemas.microsoft.com/office/powerpoint/2012/main" xmlns:ahyp="http://schemas.microsoft.com/office/drawing/2018/hyperlinkcolor" showMasterPhAnim="0" showMasterSp="0">
+  <p:cSld>
+    <p:spTree>
+      <p:nvGrpSpPr>
+        <p:cNvPr id="196" name="Shape 196"/>
+        <p:cNvGrpSpPr/>
+        <p:nvPr/>
+      </p:nvGrpSpPr>
+      <p:grpSpPr>
+        <a:xfrm>
+          <a:off x="0" y="0"/>
+          <a:ext cx="0" cy="0"/>
+          <a:chOff x="0" y="0"/>
+          <a:chExt cx="0" cy="0"/>
+        </a:xfrm>
+      </p:grpSpPr>
+      <p:sp>
+        <p:nvSpPr>
+          <p:cNvPr id="197" name="Google Shape;197;g215b7c2e4a6_0_21:notes"/>
+          <p:cNvSpPr/>
+          <p:nvPr>
+            <p:ph idx="2" type="sldImg"/>
+          </p:nvPr>
+        </p:nvSpPr>
+        <p:spPr>
+          <a:xfrm>
+            <a:off x="381300" y="685800"/>
+            <a:ext cx="6096000" cy="3429000"/>
+          </a:xfrm>
+          <a:custGeom>
+            <a:rect b="b" l="l" r="r" t="t"/>
+            <a:pathLst>
+              <a:path extrusionOk="0" h="120000" w="120000">
+                <a:moveTo>
+                  <a:pt x="0" y="0"/>
+                </a:moveTo>
+                <a:lnTo>
+                  <a:pt x="120000" y="0"/>
+                </a:lnTo>
+                <a:lnTo>
+                  <a:pt x="120000" y="120000"/>
+                </a:lnTo>
+                <a:lnTo>
+                  <a:pt x="0" y="120000"/>
+                </a:lnTo>
+                <a:close/>
+              </a:path>
+            </a:pathLst>
+          </a:custGeom>
+        </p:spPr>
+      </p:sp>
+      <p:sp>
+        <p:nvSpPr>
+          <p:cNvPr id="198" name="Google Shape;198;g215b7c2e4a6_0_21:notes"/>
+          <p:cNvSpPr txBox="1"/>
+          <p:nvPr>
+            <p:ph idx="1" type="body"/>
+          </p:nvPr>
+        </p:nvSpPr>
+        <p:spPr>
+          <a:xfrm>
+            <a:off x="685800" y="4343400"/>
+            <a:ext cx="5486400" cy="4114800"/>
+          </a:xfrm>
+          <a:prstGeom prst="rect">
+            <a:avLst/>
+          </a:prstGeom>
+        </p:spPr>
+        <p:txBody>
+          <a:bodyPr anchorCtr="0" anchor="t" bIns="91425" lIns="91425" spcFirstLastPara="1" rIns="91425" wrap="square" tIns="91425">
+            <a:noAutofit/>
+          </a:bodyPr>
+          <a:lstStyle/>
+          <a:p>
+            <a:pPr indent="0" lvl="0" marL="0" rtl="0" algn="l">
+              <a:spcBef>
+                <a:spcPts val="0"/>
+              </a:spcBef>
+              <a:spcAft>
+                <a:spcPts val="0"/>
+              </a:spcAft>
+              <a:buNone/>
+            </a:pPr>
+            <a:r>
+              <a:t/>
+            </a:r>
+            <a:endParaRPr/>
+          </a:p>
+        </p:txBody>
+      </p:sp>
+    </p:spTree>
+  </p:cSld>
+  <p:clrMapOvr>
+    <a:masterClrMapping/>
+  </p:clrMapOvr>
+</p:notes>
+</file>
+
+<file path=ppt/notesSlides/notesSlide24.xml><?xml version="1.0" encoding="utf-8"?>
+<p:notes xmlns:a="http://schemas.openxmlformats.org/drawingml/2006/main" xmlns:r="http://schemas.openxmlformats.org/officeDocument/2006/relationships" xmlns:mc="http://schemas.openxmlformats.org/markup-compatibility/2006" xmlns:mv="urn:schemas-microsoft-com:mac:vml" xmlns:p="http://schemas.openxmlformats.org/presentationml/2006/main" xmlns:c="http://schemas.openxmlformats.org/drawingml/2006/chart" xmlns:dgm="http://schemas.openxmlformats.org/drawingml/2006/diagram" xmlns:o="urn:schemas-microsoft-com:office:office" xmlns:v="urn:schemas-microsoft-com:vml" xmlns:pvml="urn:schemas-microsoft-com:office:powerpoint" xmlns:com="http://schemas.openxmlformats.org/drawingml/2006/compatibility" xmlns:p14="http://schemas.microsoft.com/office/powerpoint/2010/main" xmlns:p15="http://schemas.microsoft.com/office/powerpoint/2012/main" xmlns:ahyp="http://schemas.microsoft.com/office/drawing/2018/hyperlinkcolor" showMasterPhAnim="0" showMasterSp="0">
+  <p:cSld>
+    <p:spTree>
+      <p:nvGrpSpPr>
+        <p:cNvPr id="204" name="Shape 204"/>
+        <p:cNvGrpSpPr/>
+        <p:nvPr/>
+      </p:nvGrpSpPr>
+      <p:grpSpPr>
+        <a:xfrm>
+          <a:off x="0" y="0"/>
+          <a:ext cx="0" cy="0"/>
+          <a:chOff x="0" y="0"/>
+          <a:chExt cx="0" cy="0"/>
+        </a:xfrm>
+      </p:grpSpPr>
+      <p:sp>
+        <p:nvSpPr>
+          <p:cNvPr id="205" name="Google Shape;205;g1dde93d9a7b_1_33:notes"/>
+          <p:cNvSpPr/>
+          <p:nvPr>
+            <p:ph idx="2" type="sldImg"/>
+          </p:nvPr>
+        </p:nvSpPr>
+        <p:spPr>
+          <a:xfrm>
+            <a:off x="381300" y="685800"/>
+            <a:ext cx="6096000" cy="3429000"/>
+          </a:xfrm>
+          <a:custGeom>
+            <a:rect b="b" l="l" r="r" t="t"/>
+            <a:pathLst>
+              <a:path extrusionOk="0" h="120000" w="120000">
+                <a:moveTo>
+                  <a:pt x="0" y="0"/>
+                </a:moveTo>
+                <a:lnTo>
+                  <a:pt x="120000" y="0"/>
+                </a:lnTo>
+                <a:lnTo>
+                  <a:pt x="120000" y="120000"/>
+                </a:lnTo>
+                <a:lnTo>
+                  <a:pt x="0" y="120000"/>
+                </a:lnTo>
+                <a:close/>
+              </a:path>
+            </a:pathLst>
+          </a:custGeom>
+        </p:spPr>
+      </p:sp>
+      <p:sp>
+        <p:nvSpPr>
+          <p:cNvPr id="206" name="Google Shape;206;g1dde93d9a7b_1_33:notes"/>
+          <p:cNvSpPr txBox="1"/>
+          <p:nvPr>
+            <p:ph idx="1" type="body"/>
+          </p:nvPr>
+        </p:nvSpPr>
+        <p:spPr>
+          <a:xfrm>
+            <a:off x="685800" y="4343400"/>
+            <a:ext cx="5486400" cy="4114800"/>
+          </a:xfrm>
+          <a:prstGeom prst="rect">
+            <a:avLst/>
+          </a:prstGeom>
+        </p:spPr>
+        <p:txBody>
+          <a:bodyPr anchorCtr="0" anchor="t" bIns="91425" lIns="91425" spcFirstLastPara="1" rIns="91425" wrap="square" tIns="91425">
+            <a:noAutofit/>
+          </a:bodyPr>
+          <a:lstStyle/>
+          <a:p>
+            <a:pPr indent="0" lvl="0" marL="0" rtl="0" algn="l">
+              <a:spcBef>
+                <a:spcPts val="0"/>
+              </a:spcBef>
+              <a:spcAft>
+                <a:spcPts val="0"/>
+              </a:spcAft>
+              <a:buNone/>
+            </a:pPr>
+            <a:r>
+              <a:t/>
+            </a:r>
+            <a:endParaRPr/>
+          </a:p>
+        </p:txBody>
+      </p:sp>
+    </p:spTree>
+  </p:cSld>
+  <p:clrMapOvr>
+    <a:masterClrMapping/>
+  </p:clrMapOvr>
+</p:notes>
+</file>
+
+<file path=ppt/notesSlides/notesSlide25.xml><?xml version="1.0" encoding="utf-8"?>
+<p:notes xmlns:a="http://schemas.openxmlformats.org/drawingml/2006/main" xmlns:r="http://schemas.openxmlformats.org/officeDocument/2006/relationships" xmlns:mc="http://schemas.openxmlformats.org/markup-compatibility/2006" xmlns:mv="urn:schemas-microsoft-com:mac:vml" xmlns:p="http://schemas.openxmlformats.org/presentationml/2006/main" xmlns:c="http://schemas.openxmlformats.org/drawingml/2006/chart" xmlns:dgm="http://schemas.openxmlformats.org/drawingml/2006/diagram" xmlns:o="urn:schemas-microsoft-com:office:office" xmlns:v="urn:schemas-microsoft-com:vml" xmlns:pvml="urn:schemas-microsoft-com:office:powerpoint" xmlns:com="http://schemas.openxmlformats.org/drawingml/2006/compatibility" xmlns:p14="http://schemas.microsoft.com/office/powerpoint/2010/main" xmlns:p15="http://schemas.microsoft.com/office/powerpoint/2012/main" xmlns:ahyp="http://schemas.microsoft.com/office/drawing/2018/hyperlinkcolor" showMasterPhAnim="0" showMasterSp="0">
+  <p:cSld>
+    <p:spTree>
+      <p:nvGrpSpPr>
+        <p:cNvPr id="210" name="Shape 210"/>
+        <p:cNvGrpSpPr/>
+        <p:nvPr/>
+      </p:nvGrpSpPr>
+      <p:grpSpPr>
+        <a:xfrm>
+          <a:off x="0" y="0"/>
+          <a:ext cx="0" cy="0"/>
+          <a:chOff x="0" y="0"/>
+          <a:chExt cx="0" cy="0"/>
+        </a:xfrm>
+      </p:grpSpPr>
+      <p:sp>
+        <p:nvSpPr>
+          <p:cNvPr id="211" name="Google Shape;211;g1ddc6402fbf_0_0:notes"/>
+          <p:cNvSpPr/>
+          <p:nvPr>
+            <p:ph idx="2" type="sldImg"/>
+          </p:nvPr>
+        </p:nvSpPr>
+        <p:spPr>
+          <a:xfrm>
+            <a:off x="381300" y="685800"/>
+            <a:ext cx="6096000" cy="3429000"/>
+          </a:xfrm>
+          <a:custGeom>
+            <a:rect b="b" l="l" r="r" t="t"/>
+            <a:pathLst>
+              <a:path extrusionOk="0" h="120000" w="120000">
+                <a:moveTo>
+                  <a:pt x="0" y="0"/>
+                </a:moveTo>
+                <a:lnTo>
+                  <a:pt x="120000" y="0"/>
+                </a:lnTo>
+                <a:lnTo>
+                  <a:pt x="120000" y="120000"/>
+                </a:lnTo>
+                <a:lnTo>
+                  <a:pt x="0" y="120000"/>
+                </a:lnTo>
+                <a:close/>
+              </a:path>
+            </a:pathLst>
+          </a:custGeom>
+        </p:spPr>
+      </p:sp>
+      <p:sp>
+        <p:nvSpPr>
+          <p:cNvPr id="212" name="Google Shape;212;g1ddc6402fbf_0_0:notes"/>
+          <p:cNvSpPr txBox="1"/>
+          <p:nvPr>
+            <p:ph idx="1" type="body"/>
+          </p:nvPr>
+        </p:nvSpPr>
+        <p:spPr>
+          <a:xfrm>
+            <a:off x="685800" y="4343400"/>
+            <a:ext cx="5486400" cy="4114800"/>
+          </a:xfrm>
+          <a:prstGeom prst="rect">
+            <a:avLst/>
+          </a:prstGeom>
+        </p:spPr>
+        <p:txBody>
+          <a:bodyPr anchorCtr="0" anchor="t" bIns="91425" lIns="91425" spcFirstLastPara="1" rIns="91425" wrap="square" tIns="91425">
+            <a:noAutofit/>
+          </a:bodyPr>
+          <a:lstStyle/>
+          <a:p>
+            <a:pPr indent="0" lvl="0" marL="0" rtl="0" algn="l">
+              <a:spcBef>
+                <a:spcPts val="0"/>
+              </a:spcBef>
+              <a:spcAft>
+                <a:spcPts val="0"/>
+              </a:spcAft>
+              <a:buNone/>
+            </a:pPr>
+            <a:r>
+              <a:t/>
+            </a:r>
+            <a:endParaRPr/>
+          </a:p>
+        </p:txBody>
+      </p:sp>
+    </p:spTree>
+  </p:cSld>
+  <p:clrMapOvr>
+    <a:masterClrMapping/>
+  </p:clrMapOvr>
+</p:notes>
+</file>
+
+<file path=ppt/notesSlides/notesSlide26.xml><?xml version="1.0" encoding="utf-8"?>
+<p:notes xmlns:a="http://schemas.openxmlformats.org/drawingml/2006/main" xmlns:r="http://schemas.openxmlformats.org/officeDocument/2006/relationships" xmlns:mc="http://schemas.openxmlformats.org/markup-compatibility/2006" xmlns:mv="urn:schemas-microsoft-com:mac:vml" xmlns:p="http://schemas.openxmlformats.org/presentationml/2006/main" xmlns:c="http://schemas.openxmlformats.org/drawingml/2006/chart" xmlns:dgm="http://schemas.openxmlformats.org/drawingml/2006/diagram" xmlns:o="urn:schemas-microsoft-com:office:office" xmlns:v="urn:schemas-microsoft-com:vml" xmlns:pvml="urn:schemas-microsoft-com:office:powerpoint" xmlns:com="http://schemas.openxmlformats.org/drawingml/2006/compatibility" xmlns:p14="http://schemas.microsoft.com/office/powerpoint/2010/main" xmlns:p15="http://schemas.microsoft.com/office/powerpoint/2012/main" xmlns:ahyp="http://schemas.microsoft.com/office/drawing/2018/hyperlinkcolor" showMasterPhAnim="0" showMasterSp="0">
+  <p:cSld>
+    <p:spTree>
+      <p:nvGrpSpPr>
+        <p:cNvPr id="216" name="Shape 216"/>
+        <p:cNvGrpSpPr/>
+        <p:nvPr/>
+      </p:nvGrpSpPr>
+      <p:grpSpPr>
+        <a:xfrm>
+          <a:off x="0" y="0"/>
+          <a:ext cx="0" cy="0"/>
+          <a:chOff x="0" y="0"/>
+          <a:chExt cx="0" cy="0"/>
+        </a:xfrm>
+      </p:grpSpPr>
+      <p:sp>
+        <p:nvSpPr>
+          <p:cNvPr id="217" name="Google Shape;217;g215b7c2e4a6_0_5:notes"/>
+          <p:cNvSpPr/>
+          <p:nvPr>
+            <p:ph idx="2" type="sldImg"/>
+          </p:nvPr>
+        </p:nvSpPr>
+        <p:spPr>
+          <a:xfrm>
+            <a:off x="381300" y="685800"/>
+            <a:ext cx="6096000" cy="3429000"/>
+          </a:xfrm>
+          <a:custGeom>
+            <a:rect b="b" l="l" r="r" t="t"/>
+            <a:pathLst>
+              <a:path extrusionOk="0" h="120000" w="120000">
+                <a:moveTo>
+                  <a:pt x="0" y="0"/>
+                </a:moveTo>
+                <a:lnTo>
+                  <a:pt x="120000" y="0"/>
+                </a:lnTo>
+                <a:lnTo>
+                  <a:pt x="120000" y="120000"/>
+                </a:lnTo>
+                <a:lnTo>
+                  <a:pt x="0" y="120000"/>
+                </a:lnTo>
+                <a:close/>
+              </a:path>
+            </a:pathLst>
+          </a:custGeom>
+        </p:spPr>
+      </p:sp>
+      <p:sp>
+        <p:nvSpPr>
+          <p:cNvPr id="218" name="Google Shape;218;g215b7c2e4a6_0_5:notes"/>
           <p:cNvSpPr txBox="1"/>
           <p:nvPr>
             <p:ph idx="1" type="body"/>
@@ -7795,7 +8895,7 @@
         </p:spPr>
         <p:txBody>
           <a:bodyPr anchorCtr="0" anchor="ctr" bIns="91425" lIns="91425" spcFirstLastPara="1" rIns="91425" wrap="square" tIns="91425">
-            <a:normAutofit fontScale="92500"/>
+            <a:normAutofit fontScale="77500"/>
           </a:bodyPr>
           <a:lstStyle/>
           <a:p>
@@ -7815,7 +8915,7 @@
                 <a:cs typeface="Arial"/>
                 <a:sym typeface="Arial"/>
               </a:rPr>
-              <a:t>An Analysis of Hotel Reservations</a:t>
+              <a:t>An Analysis of Hotel Reservation trends</a:t>
             </a:r>
             <a:endParaRPr i="1">
               <a:latin typeface="Arial"/>
@@ -9116,7 +10216,7 @@
             </a:pPr>
             <a:r>
               <a:rPr lang="en"/>
-              <a:t>longer lead time does not lead to </a:t>
+              <a:t>longer lead time does lead to </a:t>
             </a:r>
             <a:endParaRPr/>
           </a:p>
@@ -9156,6 +10256,609 @@
           <a:xfrm>
             <a:off x="4214800" y="1234075"/>
             <a:ext cx="4201925" cy="3334800"/>
+          </a:xfrm>
+          <a:prstGeom prst="rect">
+            <a:avLst/>
+          </a:prstGeom>
+          <a:noFill/>
+          <a:ln>
+            <a:noFill/>
+          </a:ln>
+        </p:spPr>
+      </p:pic>
+    </p:spTree>
+  </p:cSld>
+  <p:clrMapOvr>
+    <a:masterClrMapping/>
+  </p:clrMapOvr>
+</p:sld>
+</file>
+
+<file path=ppt/slides/slide16.xml><?xml version="1.0" encoding="utf-8"?>
+<p:sld xmlns:a="http://schemas.openxmlformats.org/drawingml/2006/main" xmlns:r="http://schemas.openxmlformats.org/officeDocument/2006/relationships" xmlns:mc="http://schemas.openxmlformats.org/markup-compatibility/2006" xmlns:mv="urn:schemas-microsoft-com:mac:vml" xmlns:p="http://schemas.openxmlformats.org/presentationml/2006/main" xmlns:c="http://schemas.openxmlformats.org/drawingml/2006/chart" xmlns:dgm="http://schemas.openxmlformats.org/drawingml/2006/diagram" xmlns:o="urn:schemas-microsoft-com:office:office" xmlns:v="urn:schemas-microsoft-com:vml" xmlns:pvml="urn:schemas-microsoft-com:office:powerpoint" xmlns:com="http://schemas.openxmlformats.org/drawingml/2006/compatibility" xmlns:p14="http://schemas.microsoft.com/office/powerpoint/2010/main" xmlns:p15="http://schemas.microsoft.com/office/powerpoint/2012/main" xmlns:ahyp="http://schemas.microsoft.com/office/drawing/2018/hyperlinkcolor">
+  <p:cSld>
+    <p:spTree>
+      <p:nvGrpSpPr>
+        <p:cNvPr id="154" name="Shape 154"/>
+        <p:cNvGrpSpPr/>
+        <p:nvPr/>
+      </p:nvGrpSpPr>
+      <p:grpSpPr>
+        <a:xfrm>
+          <a:off x="0" y="0"/>
+          <a:ext cx="0" cy="0"/>
+          <a:chOff x="0" y="0"/>
+          <a:chExt cx="0" cy="0"/>
+        </a:xfrm>
+      </p:grpSpPr>
+      <p:sp>
+        <p:nvSpPr>
+          <p:cNvPr id="155" name="Google Shape;155;p28"/>
+          <p:cNvSpPr txBox="1"/>
+          <p:nvPr>
+            <p:ph type="title"/>
+          </p:nvPr>
+        </p:nvSpPr>
+        <p:spPr>
+          <a:xfrm>
+            <a:off x="311700" y="445025"/>
+            <a:ext cx="8520600" cy="572700"/>
+          </a:xfrm>
+          <a:prstGeom prst="rect">
+            <a:avLst/>
+          </a:prstGeom>
+        </p:spPr>
+        <p:txBody>
+          <a:bodyPr anchorCtr="0" anchor="t" bIns="91425" lIns="91425" spcFirstLastPara="1" rIns="91425" wrap="square" tIns="91425">
+            <a:normAutofit fontScale="90000"/>
+          </a:bodyPr>
+          <a:lstStyle/>
+          <a:p>
+            <a:pPr indent="0" lvl="0" marL="0" rtl="0" algn="l">
+              <a:spcBef>
+                <a:spcPts val="0"/>
+              </a:spcBef>
+              <a:spcAft>
+                <a:spcPts val="0"/>
+              </a:spcAft>
+              <a:buNone/>
+            </a:pPr>
+            <a:r>
+              <a:rPr lang="en"/>
+              <a:t>Database creation</a:t>
+            </a:r>
+            <a:endParaRPr/>
+          </a:p>
+        </p:txBody>
+      </p:sp>
+      <p:sp>
+        <p:nvSpPr>
+          <p:cNvPr id="156" name="Google Shape;156;p28"/>
+          <p:cNvSpPr txBox="1"/>
+          <p:nvPr>
+            <p:ph idx="1" type="body"/>
+          </p:nvPr>
+        </p:nvSpPr>
+        <p:spPr>
+          <a:xfrm>
+            <a:off x="311700" y="1234075"/>
+            <a:ext cx="8520600" cy="3334800"/>
+          </a:xfrm>
+          <a:prstGeom prst="rect">
+            <a:avLst/>
+          </a:prstGeom>
+        </p:spPr>
+        <p:txBody>
+          <a:bodyPr anchorCtr="0" anchor="t" bIns="91425" lIns="91425" spcFirstLastPara="1" rIns="91425" wrap="square" tIns="91425">
+            <a:normAutofit/>
+          </a:bodyPr>
+          <a:lstStyle/>
+          <a:p>
+            <a:pPr indent="0" lvl="0" marL="0" rtl="0" algn="l">
+              <a:spcBef>
+                <a:spcPts val="0"/>
+              </a:spcBef>
+              <a:spcAft>
+                <a:spcPts val="0"/>
+              </a:spcAft>
+              <a:buNone/>
+            </a:pPr>
+            <a:r>
+              <a:t/>
+            </a:r>
+            <a:endParaRPr/>
+          </a:p>
+          <a:p>
+            <a:pPr indent="0" lvl="0" marL="0" rtl="0" algn="l">
+              <a:spcBef>
+                <a:spcPts val="1200"/>
+              </a:spcBef>
+              <a:spcAft>
+                <a:spcPts val="0"/>
+              </a:spcAft>
+              <a:buNone/>
+            </a:pPr>
+            <a:r>
+              <a:rPr lang="en"/>
+              <a:t>Postgres was used to create and </a:t>
+            </a:r>
+            <a:r>
+              <a:rPr lang="en"/>
+              <a:t>store</a:t>
+            </a:r>
+            <a:r>
+              <a:rPr lang="en"/>
+              <a:t> data . The database was named hotel_Reservattions_db.The </a:t>
+            </a:r>
+            <a:r>
+              <a:rPr lang="en"/>
+              <a:t>database</a:t>
+            </a:r>
+            <a:r>
+              <a:rPr lang="en"/>
+              <a:t> </a:t>
+            </a:r>
+            <a:r>
+              <a:rPr lang="en"/>
+              <a:t>consists</a:t>
+            </a:r>
+            <a:r>
+              <a:rPr lang="en"/>
+              <a:t> of 4 tables named customers,bookings,customer_bookings and clean_hotel_dataset and joined by </a:t>
+            </a:r>
+            <a:r>
+              <a:rPr lang="en"/>
+              <a:t>using</a:t>
+            </a:r>
+            <a:r>
+              <a:rPr lang="en"/>
+              <a:t> </a:t>
+            </a:r>
+            <a:r>
+              <a:rPr lang="en"/>
+              <a:t>primary</a:t>
+            </a:r>
+            <a:r>
+              <a:rPr lang="en"/>
+              <a:t> key named Booking_ID.</a:t>
+            </a:r>
+            <a:endParaRPr/>
+          </a:p>
+          <a:p>
+            <a:pPr indent="0" lvl="0" marL="0" rtl="0" algn="l">
+              <a:spcBef>
+                <a:spcPts val="1200"/>
+              </a:spcBef>
+              <a:spcAft>
+                <a:spcPts val="0"/>
+              </a:spcAft>
+              <a:buNone/>
+            </a:pPr>
+            <a:r>
+              <a:t/>
+            </a:r>
+            <a:endParaRPr/>
+          </a:p>
+          <a:p>
+            <a:pPr indent="0" lvl="0" marL="0" rtl="0" algn="l">
+              <a:spcBef>
+                <a:spcPts val="1200"/>
+              </a:spcBef>
+              <a:spcAft>
+                <a:spcPts val="1200"/>
+              </a:spcAft>
+              <a:buNone/>
+            </a:pPr>
+            <a:r>
+              <a:t/>
+            </a:r>
+            <a:endParaRPr/>
+          </a:p>
+        </p:txBody>
+      </p:sp>
+    </p:spTree>
+  </p:cSld>
+  <p:clrMapOvr>
+    <a:masterClrMapping/>
+  </p:clrMapOvr>
+</p:sld>
+</file>
+
+<file path=ppt/slides/slide17.xml><?xml version="1.0" encoding="utf-8"?>
+<p:sld xmlns:a="http://schemas.openxmlformats.org/drawingml/2006/main" xmlns:r="http://schemas.openxmlformats.org/officeDocument/2006/relationships" xmlns:mc="http://schemas.openxmlformats.org/markup-compatibility/2006" xmlns:mv="urn:schemas-microsoft-com:mac:vml" xmlns:p="http://schemas.openxmlformats.org/presentationml/2006/main" xmlns:c="http://schemas.openxmlformats.org/drawingml/2006/chart" xmlns:dgm="http://schemas.openxmlformats.org/drawingml/2006/diagram" xmlns:o="urn:schemas-microsoft-com:office:office" xmlns:v="urn:schemas-microsoft-com:vml" xmlns:pvml="urn:schemas-microsoft-com:office:powerpoint" xmlns:com="http://schemas.openxmlformats.org/drawingml/2006/compatibility" xmlns:p14="http://schemas.microsoft.com/office/powerpoint/2010/main" xmlns:p15="http://schemas.microsoft.com/office/powerpoint/2012/main" xmlns:ahyp="http://schemas.microsoft.com/office/drawing/2018/hyperlinkcolor">
+  <p:cSld>
+    <p:spTree>
+      <p:nvGrpSpPr>
+        <p:cNvPr id="160" name="Shape 160"/>
+        <p:cNvGrpSpPr/>
+        <p:nvPr/>
+      </p:nvGrpSpPr>
+      <p:grpSpPr>
+        <a:xfrm>
+          <a:off x="0" y="0"/>
+          <a:ext cx="0" cy="0"/>
+          <a:chOff x="0" y="0"/>
+          <a:chExt cx="0" cy="0"/>
+        </a:xfrm>
+      </p:grpSpPr>
+      <p:sp>
+        <p:nvSpPr>
+          <p:cNvPr id="161" name="Google Shape;161;p29"/>
+          <p:cNvSpPr txBox="1"/>
+          <p:nvPr>
+            <p:ph type="title"/>
+          </p:nvPr>
+        </p:nvSpPr>
+        <p:spPr>
+          <a:xfrm>
+            <a:off x="311700" y="445025"/>
+            <a:ext cx="8520600" cy="572700"/>
+          </a:xfrm>
+          <a:prstGeom prst="rect">
+            <a:avLst/>
+          </a:prstGeom>
+        </p:spPr>
+        <p:txBody>
+          <a:bodyPr anchorCtr="0" anchor="t" bIns="91425" lIns="91425" spcFirstLastPara="1" rIns="91425" wrap="square" tIns="91425">
+            <a:normAutofit fontScale="90000"/>
+          </a:bodyPr>
+          <a:lstStyle/>
+          <a:p>
+            <a:pPr indent="0" lvl="0" marL="0" rtl="0" algn="l">
+              <a:spcBef>
+                <a:spcPts val="0"/>
+              </a:spcBef>
+              <a:spcAft>
+                <a:spcPts val="0"/>
+              </a:spcAft>
+              <a:buNone/>
+            </a:pPr>
+            <a:r>
+              <a:rPr lang="en"/>
+              <a:t>Below is the ERD of the database</a:t>
+            </a:r>
+            <a:endParaRPr/>
+          </a:p>
+        </p:txBody>
+      </p:sp>
+      <p:sp>
+        <p:nvSpPr>
+          <p:cNvPr id="162" name="Google Shape;162;p29"/>
+          <p:cNvSpPr txBox="1"/>
+          <p:nvPr>
+            <p:ph idx="1" type="body"/>
+          </p:nvPr>
+        </p:nvSpPr>
+        <p:spPr>
+          <a:xfrm>
+            <a:off x="311700" y="1234075"/>
+            <a:ext cx="8520600" cy="3334800"/>
+          </a:xfrm>
+          <a:prstGeom prst="rect">
+            <a:avLst/>
+          </a:prstGeom>
+        </p:spPr>
+        <p:txBody>
+          <a:bodyPr anchorCtr="0" anchor="t" bIns="91425" lIns="91425" spcFirstLastPara="1" rIns="91425" wrap="square" tIns="91425">
+            <a:normAutofit/>
+          </a:bodyPr>
+          <a:lstStyle/>
+          <a:p>
+            <a:pPr indent="0" lvl="0" marL="0" rtl="0" algn="l">
+              <a:spcBef>
+                <a:spcPts val="0"/>
+              </a:spcBef>
+              <a:spcAft>
+                <a:spcPts val="1200"/>
+              </a:spcAft>
+              <a:buNone/>
+            </a:pPr>
+            <a:r>
+              <a:rPr lang="en"/>
+              <a:t>Postgres ERD:</a:t>
+            </a:r>
+            <a:endParaRPr/>
+          </a:p>
+        </p:txBody>
+      </p:sp>
+      <p:pic>
+        <p:nvPicPr>
+          <p:cNvPr id="163" name="Google Shape;163;p29"/>
+          <p:cNvPicPr preferRelativeResize="0"/>
+          <p:nvPr/>
+        </p:nvPicPr>
+        <p:blipFill>
+          <a:blip r:embed="rId3">
+            <a:alphaModFix/>
+          </a:blip>
+          <a:stretch>
+            <a:fillRect/>
+          </a:stretch>
+        </p:blipFill>
+        <p:spPr>
+          <a:xfrm>
+            <a:off x="422275" y="1705075"/>
+            <a:ext cx="7820324" cy="2863799"/>
+          </a:xfrm>
+          <a:prstGeom prst="rect">
+            <a:avLst/>
+          </a:prstGeom>
+          <a:noFill/>
+          <a:ln>
+            <a:noFill/>
+          </a:ln>
+        </p:spPr>
+      </p:pic>
+    </p:spTree>
+  </p:cSld>
+  <p:clrMapOvr>
+    <a:masterClrMapping/>
+  </p:clrMapOvr>
+</p:sld>
+</file>
+
+<file path=ppt/slides/slide18.xml><?xml version="1.0" encoding="utf-8"?>
+<p:sld xmlns:a="http://schemas.openxmlformats.org/drawingml/2006/main" xmlns:r="http://schemas.openxmlformats.org/officeDocument/2006/relationships" xmlns:mc="http://schemas.openxmlformats.org/markup-compatibility/2006" xmlns:mv="urn:schemas-microsoft-com:mac:vml" xmlns:p="http://schemas.openxmlformats.org/presentationml/2006/main" xmlns:c="http://schemas.openxmlformats.org/drawingml/2006/chart" xmlns:dgm="http://schemas.openxmlformats.org/drawingml/2006/diagram" xmlns:o="urn:schemas-microsoft-com:office:office" xmlns:v="urn:schemas-microsoft-com:vml" xmlns:pvml="urn:schemas-microsoft-com:office:powerpoint" xmlns:com="http://schemas.openxmlformats.org/drawingml/2006/compatibility" xmlns:p14="http://schemas.microsoft.com/office/powerpoint/2010/main" xmlns:p15="http://schemas.microsoft.com/office/powerpoint/2012/main" xmlns:ahyp="http://schemas.microsoft.com/office/drawing/2018/hyperlinkcolor">
+  <p:cSld>
+    <p:spTree>
+      <p:nvGrpSpPr>
+        <p:cNvPr id="167" name="Shape 167"/>
+        <p:cNvGrpSpPr/>
+        <p:nvPr/>
+      </p:nvGrpSpPr>
+      <p:grpSpPr>
+        <a:xfrm>
+          <a:off x="0" y="0"/>
+          <a:ext cx="0" cy="0"/>
+          <a:chOff x="0" y="0"/>
+          <a:chExt cx="0" cy="0"/>
+        </a:xfrm>
+      </p:grpSpPr>
+      <p:sp>
+        <p:nvSpPr>
+          <p:cNvPr id="168" name="Google Shape;168;p30"/>
+          <p:cNvSpPr txBox="1"/>
+          <p:nvPr>
+            <p:ph type="title"/>
+          </p:nvPr>
+        </p:nvSpPr>
+        <p:spPr>
+          <a:xfrm>
+            <a:off x="311700" y="445025"/>
+            <a:ext cx="8520600" cy="572700"/>
+          </a:xfrm>
+          <a:prstGeom prst="rect">
+            <a:avLst/>
+          </a:prstGeom>
+        </p:spPr>
+        <p:txBody>
+          <a:bodyPr anchorCtr="0" anchor="t" bIns="91425" lIns="91425" spcFirstLastPara="1" rIns="91425" wrap="square" tIns="91425">
+            <a:normAutofit fontScale="90000"/>
+          </a:bodyPr>
+          <a:lstStyle/>
+          <a:p>
+            <a:pPr indent="0" lvl="0" marL="0" rtl="0" algn="l">
+              <a:spcBef>
+                <a:spcPts val="0"/>
+              </a:spcBef>
+              <a:spcAft>
+                <a:spcPts val="0"/>
+              </a:spcAft>
+              <a:buNone/>
+            </a:pPr>
+            <a:r>
+              <a:rPr lang="en"/>
+              <a:t>Decision Tree model</a:t>
+            </a:r>
+            <a:endParaRPr/>
+          </a:p>
+        </p:txBody>
+      </p:sp>
+      <p:sp>
+        <p:nvSpPr>
+          <p:cNvPr id="169" name="Google Shape;169;p30"/>
+          <p:cNvSpPr txBox="1"/>
+          <p:nvPr>
+            <p:ph idx="1" type="body"/>
+          </p:nvPr>
+        </p:nvSpPr>
+        <p:spPr>
+          <a:xfrm>
+            <a:off x="813500" y="1666175"/>
+            <a:ext cx="8520600" cy="3334800"/>
+          </a:xfrm>
+          <a:prstGeom prst="rect">
+            <a:avLst/>
+          </a:prstGeom>
+        </p:spPr>
+        <p:txBody>
+          <a:bodyPr anchorCtr="0" anchor="t" bIns="91425" lIns="91425" spcFirstLastPara="1" rIns="91425" wrap="square" tIns="91425">
+            <a:normAutofit/>
+          </a:bodyPr>
+          <a:lstStyle/>
+          <a:p>
+            <a:pPr indent="0" lvl="0" marL="0" rtl="0" algn="l">
+              <a:spcBef>
+                <a:spcPts val="0"/>
+              </a:spcBef>
+              <a:spcAft>
+                <a:spcPts val="1200"/>
+              </a:spcAft>
+              <a:buNone/>
+            </a:pPr>
+            <a:r>
+              <a:rPr lang="en">
+                <a:solidFill>
+                  <a:srgbClr val="2B2B2B"/>
+                </a:solidFill>
+              </a:rPr>
+              <a:t>T</a:t>
+            </a:r>
+            <a:r>
+              <a:rPr lang="en" sz="1700">
+                <a:solidFill>
+                  <a:srgbClr val="2B2B2B"/>
+                </a:solidFill>
+              </a:rPr>
+              <a:t>he dataset was split into  features (or inputs) and target (or outputs). The features set, </a:t>
+            </a:r>
+            <a:r>
+              <a:rPr lang="en" sz="1600">
+                <a:highlight>
+                  <a:srgbClr val="F5F5F5"/>
+                </a:highlight>
+              </a:rPr>
+              <a:t>X</a:t>
+            </a:r>
+            <a:r>
+              <a:rPr lang="en" sz="1700">
+                <a:solidFill>
+                  <a:srgbClr val="2B2B2B"/>
+                </a:solidFill>
+              </a:rPr>
+              <a:t>, is  copy of the </a:t>
+            </a:r>
+            <a:r>
+              <a:rPr lang="en" sz="1600">
+                <a:highlight>
+                  <a:srgbClr val="F5F5F5"/>
+                </a:highlight>
+              </a:rPr>
+              <a:t>booking dataset  </a:t>
+            </a:r>
+            <a:r>
+              <a:rPr lang="en" sz="1700">
+                <a:solidFill>
+                  <a:srgbClr val="2B2B2B"/>
+                </a:solidFill>
+              </a:rPr>
+              <a:t>without the booking_status . The target Y is the booking status, to predict  whether it will be cancelled or not.The data was then split into training and testing sets Below is the classification report  for training set of 80/20 and then 75/25.The Confusion matrix shows an accuracy of 84.5% which we are happy about.</a:t>
+            </a:r>
+            <a:endParaRPr sz="2300"/>
+          </a:p>
+        </p:txBody>
+      </p:sp>
+    </p:spTree>
+  </p:cSld>
+  <p:clrMapOvr>
+    <a:masterClrMapping/>
+  </p:clrMapOvr>
+</p:sld>
+</file>
+
+<file path=ppt/slides/slide19.xml><?xml version="1.0" encoding="utf-8"?>
+<p:sld xmlns:a="http://schemas.openxmlformats.org/drawingml/2006/main" xmlns:r="http://schemas.openxmlformats.org/officeDocument/2006/relationships" xmlns:mc="http://schemas.openxmlformats.org/markup-compatibility/2006" xmlns:mv="urn:schemas-microsoft-com:mac:vml" xmlns:p="http://schemas.openxmlformats.org/presentationml/2006/main" xmlns:c="http://schemas.openxmlformats.org/drawingml/2006/chart" xmlns:dgm="http://schemas.openxmlformats.org/drawingml/2006/diagram" xmlns:o="urn:schemas-microsoft-com:office:office" xmlns:v="urn:schemas-microsoft-com:vml" xmlns:pvml="urn:schemas-microsoft-com:office:powerpoint" xmlns:com="http://schemas.openxmlformats.org/drawingml/2006/compatibility" xmlns:p14="http://schemas.microsoft.com/office/powerpoint/2010/main" xmlns:p15="http://schemas.microsoft.com/office/powerpoint/2012/main" xmlns:ahyp="http://schemas.microsoft.com/office/drawing/2018/hyperlinkcolor">
+  <p:cSld>
+    <p:spTree>
+      <p:nvGrpSpPr>
+        <p:cNvPr id="173" name="Shape 173"/>
+        <p:cNvGrpSpPr/>
+        <p:nvPr/>
+      </p:nvGrpSpPr>
+      <p:grpSpPr>
+        <a:xfrm>
+          <a:off x="0" y="0"/>
+          <a:ext cx="0" cy="0"/>
+          <a:chOff x="0" y="0"/>
+          <a:chExt cx="0" cy="0"/>
+        </a:xfrm>
+      </p:grpSpPr>
+      <p:sp>
+        <p:nvSpPr>
+          <p:cNvPr id="174" name="Google Shape;174;p31"/>
+          <p:cNvSpPr txBox="1"/>
+          <p:nvPr>
+            <p:ph type="title"/>
+          </p:nvPr>
+        </p:nvSpPr>
+        <p:spPr>
+          <a:xfrm>
+            <a:off x="311700" y="445025"/>
+            <a:ext cx="8520600" cy="572700"/>
+          </a:xfrm>
+          <a:prstGeom prst="rect">
+            <a:avLst/>
+          </a:prstGeom>
+        </p:spPr>
+        <p:txBody>
+          <a:bodyPr anchorCtr="0" anchor="t" bIns="91425" lIns="91425" spcFirstLastPara="1" rIns="91425" wrap="square" tIns="91425">
+            <a:normAutofit fontScale="90000"/>
+          </a:bodyPr>
+          <a:lstStyle/>
+          <a:p>
+            <a:pPr indent="0" lvl="0" marL="0" rtl="0" algn="l">
+              <a:spcBef>
+                <a:spcPts val="0"/>
+              </a:spcBef>
+              <a:spcAft>
+                <a:spcPts val="0"/>
+              </a:spcAft>
+              <a:buNone/>
+            </a:pPr>
+            <a:r>
+              <a:t/>
+            </a:r>
+            <a:endParaRPr/>
+          </a:p>
+        </p:txBody>
+      </p:sp>
+      <p:sp>
+        <p:nvSpPr>
+          <p:cNvPr id="175" name="Google Shape;175;p31"/>
+          <p:cNvSpPr txBox="1"/>
+          <p:nvPr>
+            <p:ph idx="1" type="body"/>
+          </p:nvPr>
+        </p:nvSpPr>
+        <p:spPr>
+          <a:xfrm>
+            <a:off x="311700" y="1234075"/>
+            <a:ext cx="8520600" cy="3334800"/>
+          </a:xfrm>
+          <a:prstGeom prst="rect">
+            <a:avLst/>
+          </a:prstGeom>
+        </p:spPr>
+        <p:txBody>
+          <a:bodyPr anchorCtr="0" anchor="t" bIns="91425" lIns="91425" spcFirstLastPara="1" rIns="91425" wrap="square" tIns="91425">
+            <a:normAutofit/>
+          </a:bodyPr>
+          <a:lstStyle/>
+          <a:p>
+            <a:pPr indent="0" lvl="0" marL="0" rtl="0" algn="l">
+              <a:spcBef>
+                <a:spcPts val="0"/>
+              </a:spcBef>
+              <a:spcAft>
+                <a:spcPts val="1200"/>
+              </a:spcAft>
+              <a:buNone/>
+            </a:pPr>
+            <a:r>
+              <a:t/>
+            </a:r>
+            <a:endParaRPr/>
+          </a:p>
+        </p:txBody>
+      </p:sp>
+      <p:pic>
+        <p:nvPicPr>
+          <p:cNvPr id="176" name="Google Shape;176;p31"/>
+          <p:cNvPicPr preferRelativeResize="0"/>
+          <p:nvPr/>
+        </p:nvPicPr>
+        <p:blipFill>
+          <a:blip r:embed="rId3">
+            <a:alphaModFix/>
+          </a:blip>
+          <a:stretch>
+            <a:fillRect/>
+          </a:stretch>
+        </p:blipFill>
+        <p:spPr>
+          <a:xfrm>
+            <a:off x="0" y="103637"/>
+            <a:ext cx="9143999" cy="4936226"/>
           </a:xfrm>
           <a:prstGeom prst="rect">
             <a:avLst/>
@@ -9314,6 +11017,1194 @@
             <a:r>
               <a:rPr lang="en"/>
               <a:t>Sugandha Singh</a:t>
+            </a:r>
+            <a:endParaRPr/>
+          </a:p>
+        </p:txBody>
+      </p:sp>
+    </p:spTree>
+  </p:cSld>
+  <p:clrMapOvr>
+    <a:masterClrMapping/>
+  </p:clrMapOvr>
+</p:sld>
+</file>
+
+<file path=ppt/slides/slide20.xml><?xml version="1.0" encoding="utf-8"?>
+<p:sld xmlns:a="http://schemas.openxmlformats.org/drawingml/2006/main" xmlns:r="http://schemas.openxmlformats.org/officeDocument/2006/relationships" xmlns:mc="http://schemas.openxmlformats.org/markup-compatibility/2006" xmlns:mv="urn:schemas-microsoft-com:mac:vml" xmlns:p="http://schemas.openxmlformats.org/presentationml/2006/main" xmlns:c="http://schemas.openxmlformats.org/drawingml/2006/chart" xmlns:dgm="http://schemas.openxmlformats.org/drawingml/2006/diagram" xmlns:o="urn:schemas-microsoft-com:office:office" xmlns:v="urn:schemas-microsoft-com:vml" xmlns:pvml="urn:schemas-microsoft-com:office:powerpoint" xmlns:com="http://schemas.openxmlformats.org/drawingml/2006/compatibility" xmlns:p14="http://schemas.microsoft.com/office/powerpoint/2010/main" xmlns:p15="http://schemas.microsoft.com/office/powerpoint/2012/main" xmlns:ahyp="http://schemas.microsoft.com/office/drawing/2018/hyperlinkcolor">
+  <p:cSld>
+    <p:spTree>
+      <p:nvGrpSpPr>
+        <p:cNvPr id="180" name="Shape 180"/>
+        <p:cNvGrpSpPr/>
+        <p:nvPr/>
+      </p:nvGrpSpPr>
+      <p:grpSpPr>
+        <a:xfrm>
+          <a:off x="0" y="0"/>
+          <a:ext cx="0" cy="0"/>
+          <a:chOff x="0" y="0"/>
+          <a:chExt cx="0" cy="0"/>
+        </a:xfrm>
+      </p:grpSpPr>
+      <p:sp>
+        <p:nvSpPr>
+          <p:cNvPr id="181" name="Google Shape;181;p32"/>
+          <p:cNvSpPr txBox="1"/>
+          <p:nvPr>
+            <p:ph type="title"/>
+          </p:nvPr>
+        </p:nvSpPr>
+        <p:spPr>
+          <a:xfrm>
+            <a:off x="311700" y="445025"/>
+            <a:ext cx="8520600" cy="572700"/>
+          </a:xfrm>
+          <a:prstGeom prst="rect">
+            <a:avLst/>
+          </a:prstGeom>
+        </p:spPr>
+        <p:txBody>
+          <a:bodyPr anchorCtr="0" anchor="t" bIns="91425" lIns="91425" spcFirstLastPara="1" rIns="91425" wrap="square" tIns="91425">
+            <a:normAutofit fontScale="90000"/>
+          </a:bodyPr>
+          <a:lstStyle/>
+          <a:p>
+            <a:pPr indent="0" lvl="0" marL="0" rtl="0" algn="l">
+              <a:spcBef>
+                <a:spcPts val="0"/>
+              </a:spcBef>
+              <a:spcAft>
+                <a:spcPts val="0"/>
+              </a:spcAft>
+              <a:buNone/>
+            </a:pPr>
+            <a:r>
+              <a:t/>
+            </a:r>
+            <a:endParaRPr/>
+          </a:p>
+        </p:txBody>
+      </p:sp>
+      <p:sp>
+        <p:nvSpPr>
+          <p:cNvPr id="182" name="Google Shape;182;p32"/>
+          <p:cNvSpPr txBox="1"/>
+          <p:nvPr>
+            <p:ph idx="1" type="body"/>
+          </p:nvPr>
+        </p:nvSpPr>
+        <p:spPr>
+          <a:xfrm>
+            <a:off x="311700" y="1234075"/>
+            <a:ext cx="8520600" cy="3334800"/>
+          </a:xfrm>
+          <a:prstGeom prst="rect">
+            <a:avLst/>
+          </a:prstGeom>
+        </p:spPr>
+        <p:txBody>
+          <a:bodyPr anchorCtr="0" anchor="t" bIns="91425" lIns="91425" spcFirstLastPara="1" rIns="91425" wrap="square" tIns="91425">
+            <a:normAutofit/>
+          </a:bodyPr>
+          <a:lstStyle/>
+          <a:p>
+            <a:pPr indent="0" lvl="0" marL="0" rtl="0" algn="l">
+              <a:spcBef>
+                <a:spcPts val="0"/>
+              </a:spcBef>
+              <a:spcAft>
+                <a:spcPts val="1200"/>
+              </a:spcAft>
+              <a:buNone/>
+            </a:pPr>
+            <a:r>
+              <a:t/>
+            </a:r>
+            <a:endParaRPr/>
+          </a:p>
+        </p:txBody>
+      </p:sp>
+      <p:pic>
+        <p:nvPicPr>
+          <p:cNvPr id="183" name="Google Shape;183;p32"/>
+          <p:cNvPicPr preferRelativeResize="0"/>
+          <p:nvPr/>
+        </p:nvPicPr>
+        <p:blipFill>
+          <a:blip r:embed="rId3">
+            <a:alphaModFix/>
+          </a:blip>
+          <a:stretch>
+            <a:fillRect/>
+          </a:stretch>
+        </p:blipFill>
+        <p:spPr>
+          <a:xfrm>
+            <a:off x="0" y="103637"/>
+            <a:ext cx="9143999" cy="4936226"/>
+          </a:xfrm>
+          <a:prstGeom prst="rect">
+            <a:avLst/>
+          </a:prstGeom>
+          <a:noFill/>
+          <a:ln>
+            <a:noFill/>
+          </a:ln>
+        </p:spPr>
+      </p:pic>
+    </p:spTree>
+  </p:cSld>
+  <p:clrMapOvr>
+    <a:masterClrMapping/>
+  </p:clrMapOvr>
+</p:sld>
+</file>
+
+<file path=ppt/slides/slide21.xml><?xml version="1.0" encoding="utf-8"?>
+<p:sld xmlns:a="http://schemas.openxmlformats.org/drawingml/2006/main" xmlns:r="http://schemas.openxmlformats.org/officeDocument/2006/relationships" xmlns:mc="http://schemas.openxmlformats.org/markup-compatibility/2006" xmlns:mv="urn:schemas-microsoft-com:mac:vml" xmlns:p="http://schemas.openxmlformats.org/presentationml/2006/main" xmlns:c="http://schemas.openxmlformats.org/drawingml/2006/chart" xmlns:dgm="http://schemas.openxmlformats.org/drawingml/2006/diagram" xmlns:o="urn:schemas-microsoft-com:office:office" xmlns:v="urn:schemas-microsoft-com:vml" xmlns:pvml="urn:schemas-microsoft-com:office:powerpoint" xmlns:com="http://schemas.openxmlformats.org/drawingml/2006/compatibility" xmlns:p14="http://schemas.microsoft.com/office/powerpoint/2010/main" xmlns:p15="http://schemas.microsoft.com/office/powerpoint/2012/main" xmlns:ahyp="http://schemas.microsoft.com/office/drawing/2018/hyperlinkcolor">
+  <p:cSld>
+    <p:spTree>
+      <p:nvGrpSpPr>
+        <p:cNvPr id="187" name="Shape 187"/>
+        <p:cNvGrpSpPr/>
+        <p:nvPr/>
+      </p:nvGrpSpPr>
+      <p:grpSpPr>
+        <a:xfrm>
+          <a:off x="0" y="0"/>
+          <a:ext cx="0" cy="0"/>
+          <a:chOff x="0" y="0"/>
+          <a:chExt cx="0" cy="0"/>
+        </a:xfrm>
+      </p:grpSpPr>
+      <p:sp>
+        <p:nvSpPr>
+          <p:cNvPr id="188" name="Google Shape;188;p33"/>
+          <p:cNvSpPr txBox="1"/>
+          <p:nvPr>
+            <p:ph type="title"/>
+          </p:nvPr>
+        </p:nvSpPr>
+        <p:spPr>
+          <a:xfrm>
+            <a:off x="311700" y="445025"/>
+            <a:ext cx="8520600" cy="572700"/>
+          </a:xfrm>
+          <a:prstGeom prst="rect">
+            <a:avLst/>
+          </a:prstGeom>
+        </p:spPr>
+        <p:txBody>
+          <a:bodyPr anchorCtr="0" anchor="t" bIns="91425" lIns="91425" spcFirstLastPara="1" rIns="91425" wrap="square" tIns="91425">
+            <a:normAutofit fontScale="90000"/>
+          </a:bodyPr>
+          <a:lstStyle/>
+          <a:p>
+            <a:pPr indent="0" lvl="0" marL="0" rtl="0" algn="l">
+              <a:spcBef>
+                <a:spcPts val="0"/>
+              </a:spcBef>
+              <a:spcAft>
+                <a:spcPts val="0"/>
+              </a:spcAft>
+              <a:buNone/>
+            </a:pPr>
+            <a:r>
+              <a:rPr lang="en"/>
+              <a:t>Support Vector Machine Model</a:t>
+            </a:r>
+            <a:endParaRPr/>
+          </a:p>
+        </p:txBody>
+      </p:sp>
+      <p:sp>
+        <p:nvSpPr>
+          <p:cNvPr id="189" name="Google Shape;189;p33"/>
+          <p:cNvSpPr txBox="1"/>
+          <p:nvPr>
+            <p:ph idx="1" type="body"/>
+          </p:nvPr>
+        </p:nvSpPr>
+        <p:spPr>
+          <a:xfrm>
+            <a:off x="311700" y="1234075"/>
+            <a:ext cx="8520600" cy="3334800"/>
+          </a:xfrm>
+          <a:prstGeom prst="rect">
+            <a:avLst/>
+          </a:prstGeom>
+        </p:spPr>
+        <p:txBody>
+          <a:bodyPr anchorCtr="0" anchor="t" bIns="91425" lIns="91425" spcFirstLastPara="1" rIns="91425" wrap="square" tIns="91425">
+            <a:normAutofit/>
+          </a:bodyPr>
+          <a:lstStyle/>
+          <a:p>
+            <a:pPr indent="0" lvl="0" marL="0" rtl="0" algn="l">
+              <a:spcBef>
+                <a:spcPts val="0"/>
+              </a:spcBef>
+              <a:spcAft>
+                <a:spcPts val="0"/>
+              </a:spcAft>
+              <a:buNone/>
+            </a:pPr>
+            <a:r>
+              <a:rPr lang="en"/>
+              <a:t>We use the Support Vector Machine model as it is a binary classifier. This means that the possible outcomes are either cancelled or not cancelled.</a:t>
+            </a:r>
+            <a:endParaRPr/>
+          </a:p>
+          <a:p>
+            <a:pPr indent="0" lvl="0" marL="0" rtl="0" algn="l">
+              <a:spcBef>
+                <a:spcPts val="1200"/>
+              </a:spcBef>
+              <a:spcAft>
+                <a:spcPts val="0"/>
+              </a:spcAft>
+              <a:buNone/>
+            </a:pPr>
+            <a:r>
+              <a:rPr lang="en"/>
+              <a:t>During the process of creating the model we encoded three of the columns, market segment type, room type reserved and booking status.</a:t>
+            </a:r>
+            <a:endParaRPr/>
+          </a:p>
+          <a:p>
+            <a:pPr indent="0" lvl="0" marL="0" rtl="0" algn="l">
+              <a:spcBef>
+                <a:spcPts val="1200"/>
+              </a:spcBef>
+              <a:spcAft>
+                <a:spcPts val="0"/>
+              </a:spcAft>
+              <a:buNone/>
+            </a:pPr>
+            <a:r>
+              <a:rPr lang="en"/>
+              <a:t>The purpose of encoding this data was to use it in the SVM model. The data was transform from categorical into integers. </a:t>
+            </a:r>
+            <a:endParaRPr/>
+          </a:p>
+          <a:p>
+            <a:pPr indent="0" lvl="0" marL="0" rtl="0" algn="l">
+              <a:spcBef>
+                <a:spcPts val="1200"/>
+              </a:spcBef>
+              <a:spcAft>
+                <a:spcPts val="1200"/>
+              </a:spcAft>
+              <a:buNone/>
+            </a:pPr>
+            <a:r>
+              <a:rPr lang="en"/>
+              <a:t>0 and 1 for booking status, 0 for Cancelled and 1 for Not Cancelled. </a:t>
+            </a:r>
+            <a:endParaRPr/>
+          </a:p>
+        </p:txBody>
+      </p:sp>
+    </p:spTree>
+  </p:cSld>
+  <p:clrMapOvr>
+    <a:masterClrMapping/>
+  </p:clrMapOvr>
+</p:sld>
+</file>
+
+<file path=ppt/slides/slide22.xml><?xml version="1.0" encoding="utf-8"?>
+<p:sld xmlns:a="http://schemas.openxmlformats.org/drawingml/2006/main" xmlns:r="http://schemas.openxmlformats.org/officeDocument/2006/relationships" xmlns:mc="http://schemas.openxmlformats.org/markup-compatibility/2006" xmlns:mv="urn:schemas-microsoft-com:mac:vml" xmlns:p="http://schemas.openxmlformats.org/presentationml/2006/main" xmlns:c="http://schemas.openxmlformats.org/drawingml/2006/chart" xmlns:dgm="http://schemas.openxmlformats.org/drawingml/2006/diagram" xmlns:o="urn:schemas-microsoft-com:office:office" xmlns:v="urn:schemas-microsoft-com:vml" xmlns:pvml="urn:schemas-microsoft-com:office:powerpoint" xmlns:com="http://schemas.openxmlformats.org/drawingml/2006/compatibility" xmlns:p14="http://schemas.microsoft.com/office/powerpoint/2010/main" xmlns:p15="http://schemas.microsoft.com/office/powerpoint/2012/main" xmlns:ahyp="http://schemas.microsoft.com/office/drawing/2018/hyperlinkcolor">
+  <p:cSld>
+    <p:spTree>
+      <p:nvGrpSpPr>
+        <p:cNvPr id="193" name="Shape 193"/>
+        <p:cNvGrpSpPr/>
+        <p:nvPr/>
+      </p:nvGrpSpPr>
+      <p:grpSpPr>
+        <a:xfrm>
+          <a:off x="0" y="0"/>
+          <a:ext cx="0" cy="0"/>
+          <a:chOff x="0" y="0"/>
+          <a:chExt cx="0" cy="0"/>
+        </a:xfrm>
+      </p:grpSpPr>
+      <p:sp>
+        <p:nvSpPr>
+          <p:cNvPr id="194" name="Google Shape;194;p34"/>
+          <p:cNvSpPr txBox="1"/>
+          <p:nvPr>
+            <p:ph type="title"/>
+          </p:nvPr>
+        </p:nvSpPr>
+        <p:spPr>
+          <a:xfrm>
+            <a:off x="311700" y="445025"/>
+            <a:ext cx="8520600" cy="572700"/>
+          </a:xfrm>
+          <a:prstGeom prst="rect">
+            <a:avLst/>
+          </a:prstGeom>
+        </p:spPr>
+        <p:txBody>
+          <a:bodyPr anchorCtr="0" anchor="t" bIns="91425" lIns="91425" spcFirstLastPara="1" rIns="91425" wrap="square" tIns="91425">
+            <a:normAutofit fontScale="90000"/>
+          </a:bodyPr>
+          <a:lstStyle/>
+          <a:p>
+            <a:pPr indent="0" lvl="0" marL="0" rtl="0" algn="l">
+              <a:spcBef>
+                <a:spcPts val="0"/>
+              </a:spcBef>
+              <a:spcAft>
+                <a:spcPts val="0"/>
+              </a:spcAft>
+              <a:buClr>
+                <a:schemeClr val="dk2"/>
+              </a:buClr>
+              <a:buSzPct val="36666"/>
+              <a:buFont typeface="Arial"/>
+              <a:buNone/>
+            </a:pPr>
+            <a:r>
+              <a:rPr lang="en"/>
+              <a:t>Support Vector Machine Model</a:t>
+            </a:r>
+            <a:endParaRPr/>
+          </a:p>
+          <a:p>
+            <a:pPr indent="0" lvl="0" marL="0" rtl="0" algn="l">
+              <a:spcBef>
+                <a:spcPts val="0"/>
+              </a:spcBef>
+              <a:spcAft>
+                <a:spcPts val="0"/>
+              </a:spcAft>
+              <a:buNone/>
+            </a:pPr>
+            <a:r>
+              <a:t/>
+            </a:r>
+            <a:endParaRPr/>
+          </a:p>
+        </p:txBody>
+      </p:sp>
+      <p:sp>
+        <p:nvSpPr>
+          <p:cNvPr id="195" name="Google Shape;195;p34"/>
+          <p:cNvSpPr txBox="1"/>
+          <p:nvPr>
+            <p:ph idx="1" type="body"/>
+          </p:nvPr>
+        </p:nvSpPr>
+        <p:spPr>
+          <a:xfrm>
+            <a:off x="311700" y="1234075"/>
+            <a:ext cx="8520600" cy="3334800"/>
+          </a:xfrm>
+          <a:prstGeom prst="rect">
+            <a:avLst/>
+          </a:prstGeom>
+        </p:spPr>
+        <p:txBody>
+          <a:bodyPr anchorCtr="0" anchor="t" bIns="91425" lIns="91425" spcFirstLastPara="1" rIns="91425" wrap="square" tIns="91425">
+            <a:normAutofit/>
+          </a:bodyPr>
+          <a:lstStyle/>
+          <a:p>
+            <a:pPr indent="0" lvl="0" marL="0" rtl="0" algn="l">
+              <a:spcBef>
+                <a:spcPts val="0"/>
+              </a:spcBef>
+              <a:spcAft>
+                <a:spcPts val="0"/>
+              </a:spcAft>
+              <a:buNone/>
+            </a:pPr>
+            <a:r>
+              <a:rPr lang="en"/>
+              <a:t>After encoding the data, the next step was to remove unwanted columns from the data. </a:t>
+            </a:r>
+            <a:endParaRPr/>
+          </a:p>
+          <a:p>
+            <a:pPr indent="0" lvl="0" marL="0" rtl="0" algn="l">
+              <a:spcBef>
+                <a:spcPts val="1200"/>
+              </a:spcBef>
+              <a:spcAft>
+                <a:spcPts val="0"/>
+              </a:spcAft>
+              <a:buNone/>
+            </a:pPr>
+            <a:r>
+              <a:rPr lang="en"/>
+              <a:t>We use the encoded booking data as our y variable and for our x variable we removed Booking ID, and the uncoded room type reserved, market segment type and booking status, as well as the encoded booking which is our y variable.</a:t>
+            </a:r>
+            <a:endParaRPr/>
+          </a:p>
+          <a:p>
+            <a:pPr indent="0" lvl="0" marL="0" rtl="0" algn="l">
+              <a:spcBef>
+                <a:spcPts val="1200"/>
+              </a:spcBef>
+              <a:spcAft>
+                <a:spcPts val="0"/>
+              </a:spcAft>
+              <a:buNone/>
+            </a:pPr>
+            <a:r>
+              <a:rPr lang="en"/>
+              <a:t>The model was created using the </a:t>
+            </a:r>
+            <a:r>
+              <a:rPr b="1" lang="en"/>
+              <a:t>lineal kernel</a:t>
+            </a:r>
+            <a:r>
+              <a:rPr lang="en"/>
+              <a:t>, as data was 0 or 1.</a:t>
+            </a:r>
+            <a:endParaRPr/>
+          </a:p>
+          <a:p>
+            <a:pPr indent="0" lvl="0" marL="0" rtl="0" algn="l">
+              <a:spcBef>
+                <a:spcPts val="1200"/>
+              </a:spcBef>
+              <a:spcAft>
+                <a:spcPts val="1200"/>
+              </a:spcAft>
+              <a:buNone/>
+            </a:pPr>
+            <a:r>
+              <a:rPr lang="en"/>
+              <a:t>With this model we got an </a:t>
+            </a:r>
+            <a:r>
+              <a:rPr b="1" lang="en"/>
+              <a:t>accuracy </a:t>
+            </a:r>
+            <a:r>
+              <a:rPr lang="en"/>
+              <a:t>score of </a:t>
+            </a:r>
+            <a:r>
+              <a:rPr b="1" lang="en"/>
+              <a:t>80.23%</a:t>
+            </a:r>
+            <a:endParaRPr b="1"/>
+          </a:p>
+        </p:txBody>
+      </p:sp>
+    </p:spTree>
+  </p:cSld>
+  <p:clrMapOvr>
+    <a:masterClrMapping/>
+  </p:clrMapOvr>
+</p:sld>
+</file>
+
+<file path=ppt/slides/slide23.xml><?xml version="1.0" encoding="utf-8"?>
+<p:sld xmlns:a="http://schemas.openxmlformats.org/drawingml/2006/main" xmlns:r="http://schemas.openxmlformats.org/officeDocument/2006/relationships" xmlns:mc="http://schemas.openxmlformats.org/markup-compatibility/2006" xmlns:mv="urn:schemas-microsoft-com:mac:vml" xmlns:p="http://schemas.openxmlformats.org/presentationml/2006/main" xmlns:c="http://schemas.openxmlformats.org/drawingml/2006/chart" xmlns:dgm="http://schemas.openxmlformats.org/drawingml/2006/diagram" xmlns:o="urn:schemas-microsoft-com:office:office" xmlns:v="urn:schemas-microsoft-com:vml" xmlns:pvml="urn:schemas-microsoft-com:office:powerpoint" xmlns:com="http://schemas.openxmlformats.org/drawingml/2006/compatibility" xmlns:p14="http://schemas.microsoft.com/office/powerpoint/2010/main" xmlns:p15="http://schemas.microsoft.com/office/powerpoint/2012/main" xmlns:ahyp="http://schemas.microsoft.com/office/drawing/2018/hyperlinkcolor">
+  <p:cSld>
+    <p:spTree>
+      <p:nvGrpSpPr>
+        <p:cNvPr id="199" name="Shape 199"/>
+        <p:cNvGrpSpPr/>
+        <p:nvPr/>
+      </p:nvGrpSpPr>
+      <p:grpSpPr>
+        <a:xfrm>
+          <a:off x="0" y="0"/>
+          <a:ext cx="0" cy="0"/>
+          <a:chOff x="0" y="0"/>
+          <a:chExt cx="0" cy="0"/>
+        </a:xfrm>
+      </p:grpSpPr>
+      <p:sp>
+        <p:nvSpPr>
+          <p:cNvPr id="200" name="Google Shape;200;p35"/>
+          <p:cNvSpPr txBox="1"/>
+          <p:nvPr>
+            <p:ph type="title"/>
+          </p:nvPr>
+        </p:nvSpPr>
+        <p:spPr>
+          <a:xfrm>
+            <a:off x="311700" y="445025"/>
+            <a:ext cx="8520600" cy="572700"/>
+          </a:xfrm>
+          <a:prstGeom prst="rect">
+            <a:avLst/>
+          </a:prstGeom>
+        </p:spPr>
+        <p:txBody>
+          <a:bodyPr anchorCtr="0" anchor="t" bIns="91425" lIns="91425" spcFirstLastPara="1" rIns="91425" wrap="square" tIns="91425">
+            <a:normAutofit fontScale="90000"/>
+          </a:bodyPr>
+          <a:lstStyle/>
+          <a:p>
+            <a:pPr indent="0" lvl="0" marL="0" rtl="0" algn="l">
+              <a:spcBef>
+                <a:spcPts val="0"/>
+              </a:spcBef>
+              <a:spcAft>
+                <a:spcPts val="0"/>
+              </a:spcAft>
+              <a:buClr>
+                <a:schemeClr val="dk2"/>
+              </a:buClr>
+              <a:buSzPct val="36666"/>
+              <a:buFont typeface="Arial"/>
+              <a:buNone/>
+            </a:pPr>
+            <a:r>
+              <a:rPr lang="en"/>
+              <a:t>Support Vector Machine Model</a:t>
+            </a:r>
+            <a:endParaRPr/>
+          </a:p>
+          <a:p>
+            <a:pPr indent="0" lvl="0" marL="0" rtl="0" algn="l">
+              <a:spcBef>
+                <a:spcPts val="0"/>
+              </a:spcBef>
+              <a:spcAft>
+                <a:spcPts val="0"/>
+              </a:spcAft>
+              <a:buNone/>
+            </a:pPr>
+            <a:r>
+              <a:t/>
+            </a:r>
+            <a:endParaRPr/>
+          </a:p>
+        </p:txBody>
+      </p:sp>
+      <p:sp>
+        <p:nvSpPr>
+          <p:cNvPr id="201" name="Google Shape;201;p35"/>
+          <p:cNvSpPr txBox="1"/>
+          <p:nvPr>
+            <p:ph idx="1" type="body"/>
+          </p:nvPr>
+        </p:nvSpPr>
+        <p:spPr>
+          <a:xfrm>
+            <a:off x="5582375" y="1234075"/>
+            <a:ext cx="3249900" cy="3334800"/>
+          </a:xfrm>
+          <a:prstGeom prst="rect">
+            <a:avLst/>
+          </a:prstGeom>
+        </p:spPr>
+        <p:txBody>
+          <a:bodyPr anchorCtr="0" anchor="t" bIns="91425" lIns="91425" spcFirstLastPara="1" rIns="91425" wrap="square" tIns="91425">
+            <a:normAutofit/>
+          </a:bodyPr>
+          <a:lstStyle/>
+          <a:p>
+            <a:pPr indent="-336550" lvl="0" marL="457200" rtl="0" algn="l">
+              <a:spcBef>
+                <a:spcPts val="0"/>
+              </a:spcBef>
+              <a:spcAft>
+                <a:spcPts val="0"/>
+              </a:spcAft>
+              <a:buSzPts val="1700"/>
+              <a:buChar char="●"/>
+            </a:pPr>
+            <a:r>
+              <a:rPr lang="en" sz="1700"/>
+              <a:t>Even though the </a:t>
+            </a:r>
+            <a:r>
+              <a:rPr b="1" lang="en" sz="1700"/>
+              <a:t>accuracy </a:t>
+            </a:r>
+            <a:r>
+              <a:rPr lang="en" sz="1700"/>
+              <a:t>of the model is 80%, we believe that for this model we needed more cancelled reservation in order to make a better prediction as </a:t>
+            </a:r>
+            <a:r>
+              <a:rPr b="1" lang="en" sz="1700"/>
+              <a:t>precision </a:t>
+            </a:r>
+            <a:r>
+              <a:rPr lang="en" sz="1700"/>
+              <a:t>and </a:t>
+            </a:r>
+            <a:r>
+              <a:rPr b="1" lang="en" sz="1700"/>
+              <a:t>recall </a:t>
+            </a:r>
+            <a:r>
+              <a:rPr lang="en" sz="1700"/>
+              <a:t>are 72% and 65% respectively. </a:t>
+            </a:r>
+            <a:endParaRPr sz="1700"/>
+          </a:p>
+        </p:txBody>
+      </p:sp>
+      <p:pic>
+        <p:nvPicPr>
+          <p:cNvPr id="202" name="Google Shape;202;p35"/>
+          <p:cNvPicPr preferRelativeResize="0"/>
+          <p:nvPr/>
+        </p:nvPicPr>
+        <p:blipFill>
+          <a:blip r:embed="rId3">
+            <a:alphaModFix/>
+          </a:blip>
+          <a:stretch>
+            <a:fillRect/>
+          </a:stretch>
+        </p:blipFill>
+        <p:spPr>
+          <a:xfrm>
+            <a:off x="311688" y="1381888"/>
+            <a:ext cx="5019675" cy="1247775"/>
+          </a:xfrm>
+          <a:prstGeom prst="rect">
+            <a:avLst/>
+          </a:prstGeom>
+          <a:noFill/>
+          <a:ln>
+            <a:noFill/>
+          </a:ln>
+        </p:spPr>
+      </p:pic>
+      <p:pic>
+        <p:nvPicPr>
+          <p:cNvPr id="203" name="Google Shape;203;p35"/>
+          <p:cNvPicPr preferRelativeResize="0"/>
+          <p:nvPr/>
+        </p:nvPicPr>
+        <p:blipFill>
+          <a:blip r:embed="rId4">
+            <a:alphaModFix/>
+          </a:blip>
+          <a:stretch>
+            <a:fillRect/>
+          </a:stretch>
+        </p:blipFill>
+        <p:spPr>
+          <a:xfrm>
+            <a:off x="152400" y="2782063"/>
+            <a:ext cx="4829175" cy="1857375"/>
+          </a:xfrm>
+          <a:prstGeom prst="rect">
+            <a:avLst/>
+          </a:prstGeom>
+          <a:noFill/>
+          <a:ln>
+            <a:noFill/>
+          </a:ln>
+        </p:spPr>
+      </p:pic>
+    </p:spTree>
+  </p:cSld>
+  <p:clrMapOvr>
+    <a:masterClrMapping/>
+  </p:clrMapOvr>
+</p:sld>
+</file>
+
+<file path=ppt/slides/slide24.xml><?xml version="1.0" encoding="utf-8"?>
+<p:sld xmlns:a="http://schemas.openxmlformats.org/drawingml/2006/main" xmlns:r="http://schemas.openxmlformats.org/officeDocument/2006/relationships" xmlns:mc="http://schemas.openxmlformats.org/markup-compatibility/2006" xmlns:mv="urn:schemas-microsoft-com:mac:vml" xmlns:p="http://schemas.openxmlformats.org/presentationml/2006/main" xmlns:c="http://schemas.openxmlformats.org/drawingml/2006/chart" xmlns:dgm="http://schemas.openxmlformats.org/drawingml/2006/diagram" xmlns:o="urn:schemas-microsoft-com:office:office" xmlns:v="urn:schemas-microsoft-com:vml" xmlns:pvml="urn:schemas-microsoft-com:office:powerpoint" xmlns:com="http://schemas.openxmlformats.org/drawingml/2006/compatibility" xmlns:p14="http://schemas.microsoft.com/office/powerpoint/2010/main" xmlns:p15="http://schemas.microsoft.com/office/powerpoint/2012/main" xmlns:ahyp="http://schemas.microsoft.com/office/drawing/2018/hyperlinkcolor">
+  <p:cSld>
+    <p:spTree>
+      <p:nvGrpSpPr>
+        <p:cNvPr id="207" name="Shape 207"/>
+        <p:cNvGrpSpPr/>
+        <p:nvPr/>
+      </p:nvGrpSpPr>
+      <p:grpSpPr>
+        <a:xfrm>
+          <a:off x="0" y="0"/>
+          <a:ext cx="0" cy="0"/>
+          <a:chOff x="0" y="0"/>
+          <a:chExt cx="0" cy="0"/>
+        </a:xfrm>
+      </p:grpSpPr>
+      <p:sp>
+        <p:nvSpPr>
+          <p:cNvPr id="208" name="Google Shape;208;p36"/>
+          <p:cNvSpPr txBox="1"/>
+          <p:nvPr>
+            <p:ph type="title"/>
+          </p:nvPr>
+        </p:nvSpPr>
+        <p:spPr>
+          <a:xfrm>
+            <a:off x="311700" y="445025"/>
+            <a:ext cx="8520600" cy="572700"/>
+          </a:xfrm>
+          <a:prstGeom prst="rect">
+            <a:avLst/>
+          </a:prstGeom>
+        </p:spPr>
+        <p:txBody>
+          <a:bodyPr anchorCtr="0" anchor="t" bIns="91425" lIns="91425" spcFirstLastPara="1" rIns="91425" wrap="square" tIns="91425">
+            <a:normAutofit fontScale="90000"/>
+          </a:bodyPr>
+          <a:lstStyle/>
+          <a:p>
+            <a:pPr indent="0" lvl="0" marL="0" rtl="0" algn="l">
+              <a:spcBef>
+                <a:spcPts val="0"/>
+              </a:spcBef>
+              <a:spcAft>
+                <a:spcPts val="0"/>
+              </a:spcAft>
+              <a:buNone/>
+            </a:pPr>
+            <a:r>
+              <a:rPr lang="en"/>
+              <a:t>Tableau</a:t>
+            </a:r>
+            <a:endParaRPr/>
+          </a:p>
+        </p:txBody>
+      </p:sp>
+      <p:sp>
+        <p:nvSpPr>
+          <p:cNvPr id="209" name="Google Shape;209;p36"/>
+          <p:cNvSpPr txBox="1"/>
+          <p:nvPr>
+            <p:ph idx="1" type="body"/>
+          </p:nvPr>
+        </p:nvSpPr>
+        <p:spPr>
+          <a:xfrm>
+            <a:off x="311700" y="1234075"/>
+            <a:ext cx="8520600" cy="3334800"/>
+          </a:xfrm>
+          <a:prstGeom prst="rect">
+            <a:avLst/>
+          </a:prstGeom>
+        </p:spPr>
+        <p:txBody>
+          <a:bodyPr anchorCtr="0" anchor="t" bIns="91425" lIns="91425" spcFirstLastPara="1" rIns="91425" wrap="square" tIns="91425">
+            <a:normAutofit/>
+          </a:bodyPr>
+          <a:lstStyle/>
+          <a:p>
+            <a:pPr indent="0" lvl="0" marL="0" rtl="0" algn="l">
+              <a:spcBef>
+                <a:spcPts val="0"/>
+              </a:spcBef>
+              <a:spcAft>
+                <a:spcPts val="1200"/>
+              </a:spcAft>
+              <a:buNone/>
+            </a:pPr>
+            <a:r>
+              <a:t/>
+            </a:r>
+            <a:endParaRPr/>
+          </a:p>
+        </p:txBody>
+      </p:sp>
+    </p:spTree>
+  </p:cSld>
+  <p:clrMapOvr>
+    <a:masterClrMapping/>
+  </p:clrMapOvr>
+</p:sld>
+</file>
+
+<file path=ppt/slides/slide25.xml><?xml version="1.0" encoding="utf-8"?>
+<p:sld xmlns:a="http://schemas.openxmlformats.org/drawingml/2006/main" xmlns:r="http://schemas.openxmlformats.org/officeDocument/2006/relationships" xmlns:mc="http://schemas.openxmlformats.org/markup-compatibility/2006" xmlns:mv="urn:schemas-microsoft-com:mac:vml" xmlns:p="http://schemas.openxmlformats.org/presentationml/2006/main" xmlns:c="http://schemas.openxmlformats.org/drawingml/2006/chart" xmlns:dgm="http://schemas.openxmlformats.org/drawingml/2006/diagram" xmlns:o="urn:schemas-microsoft-com:office:office" xmlns:v="urn:schemas-microsoft-com:vml" xmlns:pvml="urn:schemas-microsoft-com:office:powerpoint" xmlns:com="http://schemas.openxmlformats.org/drawingml/2006/compatibility" xmlns:p14="http://schemas.microsoft.com/office/powerpoint/2010/main" xmlns:p15="http://schemas.microsoft.com/office/powerpoint/2012/main" xmlns:ahyp="http://schemas.microsoft.com/office/drawing/2018/hyperlinkcolor">
+  <p:cSld>
+    <p:spTree>
+      <p:nvGrpSpPr>
+        <p:cNvPr id="213" name="Shape 213"/>
+        <p:cNvGrpSpPr/>
+        <p:nvPr/>
+      </p:nvGrpSpPr>
+      <p:grpSpPr>
+        <a:xfrm>
+          <a:off x="0" y="0"/>
+          <a:ext cx="0" cy="0"/>
+          <a:chOff x="0" y="0"/>
+          <a:chExt cx="0" cy="0"/>
+        </a:xfrm>
+      </p:grpSpPr>
+      <p:sp>
+        <p:nvSpPr>
+          <p:cNvPr id="214" name="Google Shape;214;p37"/>
+          <p:cNvSpPr txBox="1"/>
+          <p:nvPr>
+            <p:ph type="title"/>
+          </p:nvPr>
+        </p:nvSpPr>
+        <p:spPr>
+          <a:xfrm>
+            <a:off x="311700" y="445025"/>
+            <a:ext cx="8520600" cy="572700"/>
+          </a:xfrm>
+          <a:prstGeom prst="rect">
+            <a:avLst/>
+          </a:prstGeom>
+        </p:spPr>
+        <p:txBody>
+          <a:bodyPr anchorCtr="0" anchor="t" bIns="91425" lIns="91425" spcFirstLastPara="1" rIns="91425" wrap="square" tIns="91425">
+            <a:normAutofit fontScale="90000"/>
+          </a:bodyPr>
+          <a:lstStyle/>
+          <a:p>
+            <a:pPr indent="0" lvl="0" marL="0" rtl="0" algn="l">
+              <a:spcBef>
+                <a:spcPts val="0"/>
+              </a:spcBef>
+              <a:spcAft>
+                <a:spcPts val="0"/>
+              </a:spcAft>
+              <a:buNone/>
+            </a:pPr>
+            <a:r>
+              <a:rPr lang="en"/>
+              <a:t>Brief Overview of Random Forest Machine Learning Algorithm</a:t>
+            </a:r>
+            <a:endParaRPr/>
+          </a:p>
+        </p:txBody>
+      </p:sp>
+      <p:sp>
+        <p:nvSpPr>
+          <p:cNvPr id="215" name="Google Shape;215;p37"/>
+          <p:cNvSpPr txBox="1"/>
+          <p:nvPr>
+            <p:ph idx="1" type="body"/>
+          </p:nvPr>
+        </p:nvSpPr>
+        <p:spPr>
+          <a:xfrm>
+            <a:off x="311700" y="1234075"/>
+            <a:ext cx="8520600" cy="3334800"/>
+          </a:xfrm>
+          <a:prstGeom prst="rect">
+            <a:avLst/>
+          </a:prstGeom>
+        </p:spPr>
+        <p:txBody>
+          <a:bodyPr anchorCtr="0" anchor="t" bIns="91425" lIns="91425" spcFirstLastPara="1" rIns="91425" wrap="square" tIns="91425">
+            <a:normAutofit/>
+          </a:bodyPr>
+          <a:lstStyle/>
+          <a:p>
+            <a:pPr indent="-342900" lvl="0" marL="457200" rtl="0" algn="l">
+              <a:spcBef>
+                <a:spcPts val="0"/>
+              </a:spcBef>
+              <a:spcAft>
+                <a:spcPts val="0"/>
+              </a:spcAft>
+              <a:buSzPts val="1800"/>
+              <a:buChar char="-"/>
+            </a:pPr>
+            <a:r>
+              <a:rPr lang="en"/>
+              <a:t>Popular supervised machine learning algorithm.</a:t>
+            </a:r>
+            <a:endParaRPr/>
+          </a:p>
+          <a:p>
+            <a:pPr indent="-342900" lvl="0" marL="457200" rtl="0" algn="l">
+              <a:spcBef>
+                <a:spcPts val="0"/>
+              </a:spcBef>
+              <a:spcAft>
+                <a:spcPts val="0"/>
+              </a:spcAft>
+              <a:buSzPts val="1800"/>
+              <a:buChar char="-"/>
+            </a:pPr>
+            <a:r>
+              <a:rPr lang="en"/>
+              <a:t>It implements both Classification and Regression problems in ML.</a:t>
+            </a:r>
+            <a:endParaRPr/>
+          </a:p>
+          <a:p>
+            <a:pPr indent="-342900" lvl="0" marL="457200" rtl="0" algn="l">
+              <a:spcBef>
+                <a:spcPts val="0"/>
+              </a:spcBef>
+              <a:spcAft>
+                <a:spcPts val="0"/>
+              </a:spcAft>
+              <a:buSzPts val="1800"/>
+              <a:buChar char="-"/>
+            </a:pPr>
+            <a:r>
+              <a:rPr lang="en"/>
+              <a:t>It is a classifier that includes several decision trees instead of relying on one.</a:t>
+            </a:r>
+            <a:endParaRPr/>
+          </a:p>
+          <a:p>
+            <a:pPr indent="-342900" lvl="0" marL="457200" rtl="0" algn="l">
+              <a:spcBef>
+                <a:spcPts val="0"/>
+              </a:spcBef>
+              <a:spcAft>
+                <a:spcPts val="0"/>
+              </a:spcAft>
+              <a:buSzPts val="1800"/>
+              <a:buChar char="-"/>
+            </a:pPr>
+            <a:r>
+              <a:rPr lang="en"/>
+              <a:t>It takes predictions from each tree and based on the majority votes of predictions, it predicts the final </a:t>
+            </a:r>
+            <a:r>
+              <a:rPr lang="en"/>
+              <a:t>output</a:t>
+            </a:r>
+            <a:r>
+              <a:rPr lang="en"/>
+              <a:t>.</a:t>
+            </a:r>
+            <a:endParaRPr/>
+          </a:p>
+          <a:p>
+            <a:pPr indent="-342900" lvl="0" marL="457200" rtl="0" algn="l">
+              <a:spcBef>
+                <a:spcPts val="0"/>
+              </a:spcBef>
+              <a:spcAft>
+                <a:spcPts val="0"/>
+              </a:spcAft>
+              <a:buSzPts val="1800"/>
+              <a:buChar char="-"/>
+            </a:pPr>
+            <a:r>
+              <a:rPr lang="en"/>
+              <a:t>The greater number of trees in the forest leads to higher accuracy and prevents the problem of overfitting.</a:t>
+            </a:r>
+            <a:endParaRPr/>
+          </a:p>
+          <a:p>
+            <a:pPr indent="0" lvl="0" marL="0" rtl="0" algn="l">
+              <a:spcBef>
+                <a:spcPts val="1200"/>
+              </a:spcBef>
+              <a:spcAft>
+                <a:spcPts val="1200"/>
+              </a:spcAft>
+              <a:buNone/>
+            </a:pPr>
+            <a:r>
+              <a:t/>
+            </a:r>
+            <a:endParaRPr/>
+          </a:p>
+        </p:txBody>
+      </p:sp>
+    </p:spTree>
+  </p:cSld>
+  <p:clrMapOvr>
+    <a:masterClrMapping/>
+  </p:clrMapOvr>
+</p:sld>
+</file>
+
+<file path=ppt/slides/slide26.xml><?xml version="1.0" encoding="utf-8"?>
+<p:sld xmlns:a="http://schemas.openxmlformats.org/drawingml/2006/main" xmlns:r="http://schemas.openxmlformats.org/officeDocument/2006/relationships" xmlns:mc="http://schemas.openxmlformats.org/markup-compatibility/2006" xmlns:mv="urn:schemas-microsoft-com:mac:vml" xmlns:p="http://schemas.openxmlformats.org/presentationml/2006/main" xmlns:c="http://schemas.openxmlformats.org/drawingml/2006/chart" xmlns:dgm="http://schemas.openxmlformats.org/drawingml/2006/diagram" xmlns:o="urn:schemas-microsoft-com:office:office" xmlns:v="urn:schemas-microsoft-com:vml" xmlns:pvml="urn:schemas-microsoft-com:office:powerpoint" xmlns:com="http://schemas.openxmlformats.org/drawingml/2006/compatibility" xmlns:p14="http://schemas.microsoft.com/office/powerpoint/2010/main" xmlns:p15="http://schemas.microsoft.com/office/powerpoint/2012/main" xmlns:ahyp="http://schemas.microsoft.com/office/drawing/2018/hyperlinkcolor">
+  <p:cSld>
+    <p:spTree>
+      <p:nvGrpSpPr>
+        <p:cNvPr id="219" name="Shape 219"/>
+        <p:cNvGrpSpPr/>
+        <p:nvPr/>
+      </p:nvGrpSpPr>
+      <p:grpSpPr>
+        <a:xfrm>
+          <a:off x="0" y="0"/>
+          <a:ext cx="0" cy="0"/>
+          <a:chOff x="0" y="0"/>
+          <a:chExt cx="0" cy="0"/>
+        </a:xfrm>
+      </p:grpSpPr>
+      <p:sp>
+        <p:nvSpPr>
+          <p:cNvPr id="220" name="Google Shape;220;p38"/>
+          <p:cNvSpPr txBox="1"/>
+          <p:nvPr>
+            <p:ph type="title"/>
+          </p:nvPr>
+        </p:nvSpPr>
+        <p:spPr>
+          <a:xfrm>
+            <a:off x="311700" y="445025"/>
+            <a:ext cx="8520600" cy="572700"/>
+          </a:xfrm>
+          <a:prstGeom prst="rect">
+            <a:avLst/>
+          </a:prstGeom>
+        </p:spPr>
+        <p:txBody>
+          <a:bodyPr anchorCtr="0" anchor="t" bIns="91425" lIns="91425" spcFirstLastPara="1" rIns="91425" wrap="square" tIns="91425">
+            <a:normAutofit fontScale="90000"/>
+          </a:bodyPr>
+          <a:lstStyle/>
+          <a:p>
+            <a:pPr indent="0" lvl="0" marL="0" rtl="0" algn="l">
+              <a:spcBef>
+                <a:spcPts val="0"/>
+              </a:spcBef>
+              <a:spcAft>
+                <a:spcPts val="0"/>
+              </a:spcAft>
+              <a:buNone/>
+            </a:pPr>
+            <a:r>
+              <a:rPr lang="en"/>
+              <a:t>Sources:</a:t>
+            </a:r>
+            <a:endParaRPr/>
+          </a:p>
+        </p:txBody>
+      </p:sp>
+      <p:sp>
+        <p:nvSpPr>
+          <p:cNvPr id="221" name="Google Shape;221;p38"/>
+          <p:cNvSpPr txBox="1"/>
+          <p:nvPr>
+            <p:ph idx="1" type="body"/>
+          </p:nvPr>
+        </p:nvSpPr>
+        <p:spPr>
+          <a:xfrm>
+            <a:off x="311700" y="1234075"/>
+            <a:ext cx="8520600" cy="3334800"/>
+          </a:xfrm>
+          <a:prstGeom prst="rect">
+            <a:avLst/>
+          </a:prstGeom>
+        </p:spPr>
+        <p:txBody>
+          <a:bodyPr anchorCtr="0" anchor="t" bIns="91425" lIns="91425" spcFirstLastPara="1" rIns="91425" wrap="square" tIns="91425">
+            <a:normAutofit/>
+          </a:bodyPr>
+          <a:lstStyle/>
+          <a:p>
+            <a:pPr indent="0" lvl="0" marL="0" rtl="0" algn="l">
+              <a:lnSpc>
+                <a:spcPct val="90000"/>
+              </a:lnSpc>
+              <a:spcBef>
+                <a:spcPts val="1000"/>
+              </a:spcBef>
+              <a:spcAft>
+                <a:spcPts val="0"/>
+              </a:spcAft>
+              <a:buClr>
+                <a:schemeClr val="dk2"/>
+              </a:buClr>
+              <a:buSzPts val="1100"/>
+              <a:buFont typeface="Arial"/>
+              <a:buNone/>
+            </a:pPr>
+            <a:r>
+              <a:rPr lang="en" sz="2000">
+                <a:latin typeface="Arial"/>
+                <a:ea typeface="Arial"/>
+                <a:cs typeface="Arial"/>
+                <a:sym typeface="Arial"/>
+              </a:rPr>
+              <a:t>•</a:t>
+            </a:r>
+            <a:r>
+              <a:rPr lang="en" sz="2000" u="sng">
+                <a:solidFill>
+                  <a:schemeClr val="hlink"/>
+                </a:solidFill>
+                <a:latin typeface="Arial"/>
+                <a:ea typeface="Arial"/>
+                <a:cs typeface="Arial"/>
+                <a:sym typeface="Arial"/>
+                <a:hlinkClick r:id="rId3"/>
+              </a:rPr>
+              <a:t>https://www.kaggle.com/datasets/ahsan81/hotel-reservations-classification-dataset</a:t>
+            </a:r>
+            <a:endParaRPr sz="2000" u="sng">
+              <a:solidFill>
+                <a:schemeClr val="hlink"/>
+              </a:solidFill>
+              <a:latin typeface="Arial"/>
+              <a:ea typeface="Arial"/>
+              <a:cs typeface="Arial"/>
+              <a:sym typeface="Arial"/>
+            </a:endParaRPr>
+          </a:p>
+          <a:p>
+            <a:pPr indent="0" lvl="0" marL="0" rtl="0" algn="l">
+              <a:lnSpc>
+                <a:spcPct val="90000"/>
+              </a:lnSpc>
+              <a:spcBef>
+                <a:spcPts val="1000"/>
+              </a:spcBef>
+              <a:spcAft>
+                <a:spcPts val="0"/>
+              </a:spcAft>
+              <a:buClr>
+                <a:schemeClr val="dk2"/>
+              </a:buClr>
+              <a:buSzPts val="1100"/>
+              <a:buFont typeface="Arial"/>
+              <a:buNone/>
+            </a:pPr>
+            <a:r>
+              <a:rPr lang="en" sz="2000">
+                <a:latin typeface="Arial"/>
+                <a:ea typeface="Arial"/>
+                <a:cs typeface="Arial"/>
+                <a:sym typeface="Arial"/>
+              </a:rPr>
+              <a:t>•</a:t>
+            </a:r>
+            <a:r>
+              <a:rPr lang="en" sz="2000" u="sng">
+                <a:solidFill>
+                  <a:schemeClr val="hlink"/>
+                </a:solidFill>
+                <a:latin typeface="Arial"/>
+                <a:ea typeface="Arial"/>
+                <a:cs typeface="Arial"/>
+                <a:sym typeface="Arial"/>
+                <a:hlinkClick r:id="rId4"/>
+              </a:rPr>
+              <a:t>https://www.statista.com/statistics/1186201/hotel-and-resort-industry-market-size-global/</a:t>
+            </a:r>
+            <a:endParaRPr sz="2000" u="sng">
+              <a:solidFill>
+                <a:schemeClr val="hlink"/>
+              </a:solidFill>
+              <a:latin typeface="Arial"/>
+              <a:ea typeface="Arial"/>
+              <a:cs typeface="Arial"/>
+              <a:sym typeface="Arial"/>
+            </a:endParaRPr>
+          </a:p>
+          <a:p>
+            <a:pPr indent="0" lvl="0" marL="0" rtl="0" algn="l">
+              <a:spcBef>
+                <a:spcPts val="0"/>
+              </a:spcBef>
+              <a:spcAft>
+                <a:spcPts val="1200"/>
+              </a:spcAft>
+              <a:buNone/>
+            </a:pPr>
+            <a:r>
+              <a:t/>
             </a:r>
             <a:endParaRPr/>
           </a:p>

--- a/Hotel_Reservations.pptx
+++ b/Hotel_Reservations.pptx
@@ -1944,7 +1944,7 @@
   <p:cSld>
     <p:spTree>
       <p:nvGrpSpPr>
-        <p:cNvPr id="218" name="Shape 218"/>
+        <p:cNvPr id="219" name="Shape 219"/>
         <p:cNvGrpSpPr/>
         <p:nvPr/>
       </p:nvGrpSpPr>
@@ -1958,7 +1958,7 @@
       </p:grpSpPr>
       <p:sp>
         <p:nvSpPr>
-          <p:cNvPr id="219" name="Google Shape;219;g1de110f2203_0_23:notes"/>
+          <p:cNvPr id="220" name="Google Shape;220;g1de110f2203_0_23:notes"/>
           <p:cNvSpPr/>
           <p:nvPr>
             <p:ph idx="2" type="sldImg"/>
@@ -1993,7 +1993,7 @@
       </p:sp>
       <p:sp>
         <p:nvSpPr>
-          <p:cNvPr id="220" name="Google Shape;220;g1de110f2203_0_23:notes"/>
+          <p:cNvPr id="221" name="Google Shape;221;g1de110f2203_0_23:notes"/>
           <p:cNvSpPr txBox="1"/>
           <p:nvPr>
             <p:ph idx="1" type="body"/>
@@ -2043,7 +2043,7 @@
   <p:cSld>
     <p:spTree>
       <p:nvGrpSpPr>
-        <p:cNvPr id="223" name="Shape 223"/>
+        <p:cNvPr id="224" name="Shape 224"/>
         <p:cNvGrpSpPr/>
         <p:nvPr/>
       </p:nvGrpSpPr>
@@ -2057,7 +2057,7 @@
       </p:grpSpPr>
       <p:sp>
         <p:nvSpPr>
-          <p:cNvPr id="224" name="Google Shape;224;g1ddfa014e7a_1_200:notes"/>
+          <p:cNvPr id="225" name="Google Shape;225;g1ddfa014e7a_1_200:notes"/>
           <p:cNvSpPr/>
           <p:nvPr>
             <p:ph idx="2" type="sldImg"/>
@@ -2092,7 +2092,7 @@
       </p:sp>
       <p:sp>
         <p:nvSpPr>
-          <p:cNvPr id="225" name="Google Shape;225;g1ddfa014e7a_1_200:notes"/>
+          <p:cNvPr id="226" name="Google Shape;226;g1ddfa014e7a_1_200:notes"/>
           <p:cNvSpPr txBox="1"/>
           <p:nvPr>
             <p:ph idx="1" type="body"/>
@@ -2142,7 +2142,7 @@
   <p:cSld>
     <p:spTree>
       <p:nvGrpSpPr>
-        <p:cNvPr id="229" name="Shape 229"/>
+        <p:cNvPr id="230" name="Shape 230"/>
         <p:cNvGrpSpPr/>
         <p:nvPr/>
       </p:nvGrpSpPr>
@@ -2156,7 +2156,7 @@
       </p:grpSpPr>
       <p:sp>
         <p:nvSpPr>
-          <p:cNvPr id="230" name="Google Shape;230;g1ddfa014e7a_1_357:notes"/>
+          <p:cNvPr id="231" name="Google Shape;231;g1ddfa014e7a_1_357:notes"/>
           <p:cNvSpPr/>
           <p:nvPr>
             <p:ph idx="2" type="sldImg"/>
@@ -2191,7 +2191,7 @@
       </p:sp>
       <p:sp>
         <p:nvSpPr>
-          <p:cNvPr id="231" name="Google Shape;231;g1ddfa014e7a_1_357:notes"/>
+          <p:cNvPr id="232" name="Google Shape;232;g1ddfa014e7a_1_357:notes"/>
           <p:cNvSpPr txBox="1"/>
           <p:nvPr>
             <p:ph idx="1" type="body"/>
@@ -2241,7 +2241,7 @@
   <p:cSld>
     <p:spTree>
       <p:nvGrpSpPr>
-        <p:cNvPr id="235" name="Shape 235"/>
+        <p:cNvPr id="236" name="Shape 236"/>
         <p:cNvGrpSpPr/>
         <p:nvPr/>
       </p:nvGrpSpPr>
@@ -2255,7 +2255,7 @@
       </p:grpSpPr>
       <p:sp>
         <p:nvSpPr>
-          <p:cNvPr id="236" name="Google Shape;236;g1ddfa014e7a_1_306:notes"/>
+          <p:cNvPr id="237" name="Google Shape;237;g1ddfa014e7a_1_306:notes"/>
           <p:cNvSpPr/>
           <p:nvPr>
             <p:ph idx="2" type="sldImg"/>
@@ -2290,7 +2290,7 @@
       </p:sp>
       <p:sp>
         <p:nvSpPr>
-          <p:cNvPr id="237" name="Google Shape;237;g1ddfa014e7a_1_306:notes"/>
+          <p:cNvPr id="238" name="Google Shape;238;g1ddfa014e7a_1_306:notes"/>
           <p:cNvSpPr txBox="1"/>
           <p:nvPr>
             <p:ph idx="1" type="body"/>
@@ -2340,7 +2340,7 @@
   <p:cSld>
     <p:spTree>
       <p:nvGrpSpPr>
-        <p:cNvPr id="242" name="Shape 242"/>
+        <p:cNvPr id="243" name="Shape 243"/>
         <p:cNvGrpSpPr/>
         <p:nvPr/>
       </p:nvGrpSpPr>
@@ -2354,7 +2354,7 @@
       </p:grpSpPr>
       <p:sp>
         <p:nvSpPr>
-          <p:cNvPr id="243" name="Google Shape;243;g1dde93d9a7b_1_39:notes"/>
+          <p:cNvPr id="244" name="Google Shape;244;g1dde93d9a7b_1_39:notes"/>
           <p:cNvSpPr/>
           <p:nvPr>
             <p:ph idx="2" type="sldImg"/>
@@ -2389,7 +2389,7 @@
       </p:sp>
       <p:sp>
         <p:nvSpPr>
-          <p:cNvPr id="244" name="Google Shape;244;g1dde93d9a7b_1_39:notes"/>
+          <p:cNvPr id="245" name="Google Shape;245;g1dde93d9a7b_1_39:notes"/>
           <p:cNvSpPr txBox="1"/>
           <p:nvPr>
             <p:ph idx="1" type="body"/>
@@ -2439,7 +2439,7 @@
   <p:cSld>
     <p:spTree>
       <p:nvGrpSpPr>
-        <p:cNvPr id="249" name="Shape 249"/>
+        <p:cNvPr id="250" name="Shape 250"/>
         <p:cNvGrpSpPr/>
         <p:nvPr/>
       </p:nvGrpSpPr>
@@ -2453,7 +2453,7 @@
       </p:grpSpPr>
       <p:sp>
         <p:nvSpPr>
-          <p:cNvPr id="250" name="Google Shape;250;g1de110f2203_0_8:notes"/>
+          <p:cNvPr id="251" name="Google Shape;251;g1de110f2203_0_8:notes"/>
           <p:cNvSpPr/>
           <p:nvPr>
             <p:ph idx="2" type="sldImg"/>
@@ -2488,7 +2488,7 @@
       </p:sp>
       <p:sp>
         <p:nvSpPr>
-          <p:cNvPr id="251" name="Google Shape;251;g1de110f2203_0_8:notes"/>
+          <p:cNvPr id="252" name="Google Shape;252;g1de110f2203_0_8:notes"/>
           <p:cNvSpPr txBox="1"/>
           <p:nvPr>
             <p:ph idx="1" type="body"/>
@@ -2538,7 +2538,7 @@
   <p:cSld>
     <p:spTree>
       <p:nvGrpSpPr>
-        <p:cNvPr id="254" name="Shape 254"/>
+        <p:cNvPr id="255" name="Shape 255"/>
         <p:cNvGrpSpPr/>
         <p:nvPr/>
       </p:nvGrpSpPr>
@@ -2552,7 +2552,7 @@
       </p:grpSpPr>
       <p:sp>
         <p:nvSpPr>
-          <p:cNvPr id="255" name="Google Shape;255;g1de3b05faf6_3_4:notes"/>
+          <p:cNvPr id="256" name="Google Shape;256;g1de3b05faf6_3_4:notes"/>
           <p:cNvSpPr/>
           <p:nvPr>
             <p:ph idx="2" type="sldImg"/>
@@ -2587,7 +2587,7 @@
       </p:sp>
       <p:sp>
         <p:nvSpPr>
-          <p:cNvPr id="256" name="Google Shape;256;g1de3b05faf6_3_4:notes"/>
+          <p:cNvPr id="257" name="Google Shape;257;g1de3b05faf6_3_4:notes"/>
           <p:cNvSpPr txBox="1"/>
           <p:nvPr>
             <p:ph idx="1" type="body"/>
@@ -2637,7 +2637,7 @@
   <p:cSld>
     <p:spTree>
       <p:nvGrpSpPr>
-        <p:cNvPr id="260" name="Shape 260"/>
+        <p:cNvPr id="261" name="Shape 261"/>
         <p:cNvGrpSpPr/>
         <p:nvPr/>
       </p:nvGrpSpPr>
@@ -2651,7 +2651,7 @@
       </p:grpSpPr>
       <p:sp>
         <p:nvSpPr>
-          <p:cNvPr id="261" name="Google Shape;261;g1de110f2203_0_13:notes"/>
+          <p:cNvPr id="262" name="Google Shape;262;g1de110f2203_0_13:notes"/>
           <p:cNvSpPr/>
           <p:nvPr>
             <p:ph idx="2" type="sldImg"/>
@@ -2686,7 +2686,7 @@
       </p:sp>
       <p:sp>
         <p:nvSpPr>
-          <p:cNvPr id="262" name="Google Shape;262;g1de110f2203_0_13:notes"/>
+          <p:cNvPr id="263" name="Google Shape;263;g1de110f2203_0_13:notes"/>
           <p:cNvSpPr txBox="1"/>
           <p:nvPr>
             <p:ph idx="1" type="body"/>
@@ -2736,7 +2736,7 @@
   <p:cSld>
     <p:spTree>
       <p:nvGrpSpPr>
-        <p:cNvPr id="266" name="Shape 266"/>
+        <p:cNvPr id="267" name="Shape 267"/>
         <p:cNvGrpSpPr/>
         <p:nvPr/>
       </p:nvGrpSpPr>
@@ -2750,7 +2750,7 @@
       </p:grpSpPr>
       <p:sp>
         <p:nvSpPr>
-          <p:cNvPr id="267" name="Google Shape;267;g1de110f2203_0_45:notes"/>
+          <p:cNvPr id="268" name="Google Shape;268;g1de110f2203_0_45:notes"/>
           <p:cNvSpPr/>
           <p:nvPr>
             <p:ph idx="2" type="sldImg"/>
@@ -2785,7 +2785,7 @@
       </p:sp>
       <p:sp>
         <p:nvSpPr>
-          <p:cNvPr id="268" name="Google Shape;268;g1de110f2203_0_45:notes"/>
+          <p:cNvPr id="269" name="Google Shape;269;g1de110f2203_0_45:notes"/>
           <p:cNvSpPr txBox="1"/>
           <p:nvPr>
             <p:ph idx="1" type="body"/>
@@ -2835,7 +2835,7 @@
   <p:cSld>
     <p:spTree>
       <p:nvGrpSpPr>
-        <p:cNvPr id="272" name="Shape 272"/>
+        <p:cNvPr id="273" name="Shape 273"/>
         <p:cNvGrpSpPr/>
         <p:nvPr/>
       </p:nvGrpSpPr>
@@ -2849,7 +2849,7 @@
       </p:grpSpPr>
       <p:sp>
         <p:nvSpPr>
-          <p:cNvPr id="273" name="Google Shape;273;g1de110f2203_0_33:notes"/>
+          <p:cNvPr id="274" name="Google Shape;274;g1de110f2203_0_33:notes"/>
           <p:cNvSpPr/>
           <p:nvPr>
             <p:ph idx="2" type="sldImg"/>
@@ -2884,7 +2884,7 @@
       </p:sp>
       <p:sp>
         <p:nvSpPr>
-          <p:cNvPr id="274" name="Google Shape;274;g1de110f2203_0_33:notes"/>
+          <p:cNvPr id="275" name="Google Shape;275;g1de110f2203_0_33:notes"/>
           <p:cNvSpPr txBox="1"/>
           <p:nvPr>
             <p:ph idx="1" type="body"/>
@@ -3033,7 +3033,7 @@
   <p:cSld>
     <p:spTree>
       <p:nvGrpSpPr>
-        <p:cNvPr id="279" name="Shape 279"/>
+        <p:cNvPr id="280" name="Shape 280"/>
         <p:cNvGrpSpPr/>
         <p:nvPr/>
       </p:nvGrpSpPr>
@@ -3047,7 +3047,7 @@
       </p:grpSpPr>
       <p:sp>
         <p:nvSpPr>
-          <p:cNvPr id="280" name="Google Shape;280;g215b7c2e4a6_0_11:notes"/>
+          <p:cNvPr id="281" name="Google Shape;281;g215b7c2e4a6_0_11:notes"/>
           <p:cNvSpPr/>
           <p:nvPr>
             <p:ph idx="2" type="sldImg"/>
@@ -3082,7 +3082,7 @@
       </p:sp>
       <p:sp>
         <p:nvSpPr>
-          <p:cNvPr id="281" name="Google Shape;281;g215b7c2e4a6_0_11:notes"/>
+          <p:cNvPr id="282" name="Google Shape;282;g215b7c2e4a6_0_11:notes"/>
           <p:cNvSpPr txBox="1"/>
           <p:nvPr>
             <p:ph idx="1" type="body"/>
@@ -3132,7 +3132,7 @@
   <p:cSld>
     <p:spTree>
       <p:nvGrpSpPr>
-        <p:cNvPr id="285" name="Shape 285"/>
+        <p:cNvPr id="286" name="Shape 286"/>
         <p:cNvGrpSpPr/>
         <p:nvPr/>
       </p:nvGrpSpPr>
@@ -3146,7 +3146,7 @@
       </p:grpSpPr>
       <p:sp>
         <p:nvSpPr>
-          <p:cNvPr id="286" name="Google Shape;286;g215b7c2e4a6_0_16:notes"/>
+          <p:cNvPr id="287" name="Google Shape;287;g215b7c2e4a6_0_16:notes"/>
           <p:cNvSpPr/>
           <p:nvPr>
             <p:ph idx="2" type="sldImg"/>
@@ -3181,7 +3181,7 @@
       </p:sp>
       <p:sp>
         <p:nvSpPr>
-          <p:cNvPr id="287" name="Google Shape;287;g215b7c2e4a6_0_16:notes"/>
+          <p:cNvPr id="288" name="Google Shape;288;g215b7c2e4a6_0_16:notes"/>
           <p:cNvSpPr txBox="1"/>
           <p:nvPr>
             <p:ph idx="1" type="body"/>
@@ -3231,7 +3231,7 @@
   <p:cSld>
     <p:spTree>
       <p:nvGrpSpPr>
-        <p:cNvPr id="291" name="Shape 291"/>
+        <p:cNvPr id="292" name="Shape 292"/>
         <p:cNvGrpSpPr/>
         <p:nvPr/>
       </p:nvGrpSpPr>
@@ -3245,7 +3245,7 @@
       </p:grpSpPr>
       <p:sp>
         <p:nvSpPr>
-          <p:cNvPr id="292" name="Google Shape;292;g215b7c2e4a6_0_21:notes"/>
+          <p:cNvPr id="293" name="Google Shape;293;g215b7c2e4a6_0_21:notes"/>
           <p:cNvSpPr/>
           <p:nvPr>
             <p:ph idx="2" type="sldImg"/>
@@ -3280,7 +3280,7 @@
       </p:sp>
       <p:sp>
         <p:nvSpPr>
-          <p:cNvPr id="293" name="Google Shape;293;g215b7c2e4a6_0_21:notes"/>
+          <p:cNvPr id="294" name="Google Shape;294;g215b7c2e4a6_0_21:notes"/>
           <p:cNvSpPr txBox="1"/>
           <p:nvPr>
             <p:ph idx="1" type="body"/>
@@ -3330,7 +3330,7 @@
   <p:cSld>
     <p:spTree>
       <p:nvGrpSpPr>
-        <p:cNvPr id="299" name="Shape 299"/>
+        <p:cNvPr id="300" name="Shape 300"/>
         <p:cNvGrpSpPr/>
         <p:nvPr/>
       </p:nvGrpSpPr>
@@ -3344,7 +3344,7 @@
       </p:grpSpPr>
       <p:sp>
         <p:nvSpPr>
-          <p:cNvPr id="300" name="Google Shape;300;g1dde93d9a7b_1_13:notes"/>
+          <p:cNvPr id="301" name="Google Shape;301;g1dde93d9a7b_1_13:notes"/>
           <p:cNvSpPr/>
           <p:nvPr>
             <p:ph idx="2" type="sldImg"/>
@@ -3379,7 +3379,7 @@
       </p:sp>
       <p:sp>
         <p:nvSpPr>
-          <p:cNvPr id="301" name="Google Shape;301;g1dde93d9a7b_1_13:notes"/>
+          <p:cNvPr id="302" name="Google Shape;302;g1dde93d9a7b_1_13:notes"/>
           <p:cNvSpPr txBox="1"/>
           <p:nvPr>
             <p:ph idx="1" type="body"/>
@@ -3429,7 +3429,7 @@
   <p:cSld>
     <p:spTree>
       <p:nvGrpSpPr>
-        <p:cNvPr id="305" name="Shape 305"/>
+        <p:cNvPr id="306" name="Shape 306"/>
         <p:cNvGrpSpPr/>
         <p:nvPr/>
       </p:nvGrpSpPr>
@@ -3443,7 +3443,7 @@
       </p:grpSpPr>
       <p:sp>
         <p:nvSpPr>
-          <p:cNvPr id="306" name="Google Shape;306;g1dde93d9a7b_1_27:notes"/>
+          <p:cNvPr id="307" name="Google Shape;307;g1dde93d9a7b_1_27:notes"/>
           <p:cNvSpPr/>
           <p:nvPr>
             <p:ph idx="2" type="sldImg"/>
@@ -3478,7 +3478,7 @@
       </p:sp>
       <p:sp>
         <p:nvSpPr>
-          <p:cNvPr id="307" name="Google Shape;307;g1dde93d9a7b_1_27:notes"/>
+          <p:cNvPr id="308" name="Google Shape;308;g1dde93d9a7b_1_27:notes"/>
           <p:cNvSpPr txBox="1"/>
           <p:nvPr>
             <p:ph idx="1" type="body"/>
@@ -3528,7 +3528,7 @@
   <p:cSld>
     <p:spTree>
       <p:nvGrpSpPr>
-        <p:cNvPr id="311" name="Shape 311"/>
+        <p:cNvPr id="312" name="Shape 312"/>
         <p:cNvGrpSpPr/>
         <p:nvPr/>
       </p:nvGrpSpPr>
@@ -3542,7 +3542,7 @@
       </p:grpSpPr>
       <p:sp>
         <p:nvSpPr>
-          <p:cNvPr id="312" name="Google Shape;312;g1ddc6402fbf_0_0:notes"/>
+          <p:cNvPr id="313" name="Google Shape;313;g1ddc6402fbf_0_0:notes"/>
           <p:cNvSpPr/>
           <p:nvPr>
             <p:ph idx="2" type="sldImg"/>
@@ -3577,7 +3577,7 @@
       </p:sp>
       <p:sp>
         <p:nvSpPr>
-          <p:cNvPr id="313" name="Google Shape;313;g1ddc6402fbf_0_0:notes"/>
+          <p:cNvPr id="314" name="Google Shape;314;g1ddc6402fbf_0_0:notes"/>
           <p:cNvSpPr txBox="1"/>
           <p:nvPr>
             <p:ph idx="1" type="body"/>
@@ -3627,7 +3627,7 @@
   <p:cSld>
     <p:spTree>
       <p:nvGrpSpPr>
-        <p:cNvPr id="317" name="Shape 317"/>
+        <p:cNvPr id="318" name="Shape 318"/>
         <p:cNvGrpSpPr/>
         <p:nvPr/>
       </p:nvGrpSpPr>
@@ -3641,7 +3641,7 @@
       </p:grpSpPr>
       <p:sp>
         <p:nvSpPr>
-          <p:cNvPr id="318" name="Google Shape;318;g215c9890daf_0_5:notes"/>
+          <p:cNvPr id="319" name="Google Shape;319;g215c9890daf_0_5:notes"/>
           <p:cNvSpPr/>
           <p:nvPr>
             <p:ph idx="2" type="sldImg"/>
@@ -3676,7 +3676,7 @@
       </p:sp>
       <p:sp>
         <p:nvSpPr>
-          <p:cNvPr id="319" name="Google Shape;319;g215c9890daf_0_5:notes"/>
+          <p:cNvPr id="320" name="Google Shape;320;g215c9890daf_0_5:notes"/>
           <p:cNvSpPr txBox="1"/>
           <p:nvPr>
             <p:ph idx="1" type="body"/>
@@ -3726,7 +3726,7 @@
   <p:cSld>
     <p:spTree>
       <p:nvGrpSpPr>
-        <p:cNvPr id="323" name="Shape 323"/>
+        <p:cNvPr id="324" name="Shape 324"/>
         <p:cNvGrpSpPr/>
         <p:nvPr/>
       </p:nvGrpSpPr>
@@ -3740,7 +3740,7 @@
       </p:grpSpPr>
       <p:sp>
         <p:nvSpPr>
-          <p:cNvPr id="324" name="Google Shape;324;g215c9890daf_0_10:notes"/>
+          <p:cNvPr id="325" name="Google Shape;325;g215c9890daf_0_10:notes"/>
           <p:cNvSpPr/>
           <p:nvPr>
             <p:ph idx="2" type="sldImg"/>
@@ -3775,7 +3775,7 @@
       </p:sp>
       <p:sp>
         <p:nvSpPr>
-          <p:cNvPr id="325" name="Google Shape;325;g215c9890daf_0_10:notes"/>
+          <p:cNvPr id="326" name="Google Shape;326;g215c9890daf_0_10:notes"/>
           <p:cNvSpPr txBox="1"/>
           <p:nvPr>
             <p:ph idx="1" type="body"/>
@@ -3825,7 +3825,7 @@
   <p:cSld>
     <p:spTree>
       <p:nvGrpSpPr>
-        <p:cNvPr id="329" name="Shape 329"/>
+        <p:cNvPr id="330" name="Shape 330"/>
         <p:cNvGrpSpPr/>
         <p:nvPr/>
       </p:nvGrpSpPr>
@@ -3839,7 +3839,7 @@
       </p:grpSpPr>
       <p:sp>
         <p:nvSpPr>
-          <p:cNvPr id="330" name="Google Shape;330;g1f6bd942c45_0_8:notes"/>
+          <p:cNvPr id="331" name="Google Shape;331;g1f6bd942c45_0_8:notes"/>
           <p:cNvSpPr/>
           <p:nvPr>
             <p:ph idx="2" type="sldImg"/>
@@ -3874,7 +3874,7 @@
       </p:sp>
       <p:sp>
         <p:nvSpPr>
-          <p:cNvPr id="331" name="Google Shape;331;g1f6bd942c45_0_8:notes"/>
+          <p:cNvPr id="332" name="Google Shape;332;g1f6bd942c45_0_8:notes"/>
           <p:cNvSpPr txBox="1"/>
           <p:nvPr>
             <p:ph idx="1" type="body"/>
@@ -3924,7 +3924,7 @@
   <p:cSld>
     <p:spTree>
       <p:nvGrpSpPr>
-        <p:cNvPr id="336" name="Shape 336"/>
+        <p:cNvPr id="337" name="Shape 337"/>
         <p:cNvGrpSpPr/>
         <p:nvPr/>
       </p:nvGrpSpPr>
@@ -3938,7 +3938,7 @@
       </p:grpSpPr>
       <p:sp>
         <p:nvSpPr>
-          <p:cNvPr id="337" name="Google Shape;337;g1de26064248_1_0:notes"/>
+          <p:cNvPr id="338" name="Google Shape;338;g1de26064248_1_0:notes"/>
           <p:cNvSpPr/>
           <p:nvPr>
             <p:ph idx="2" type="sldImg"/>
@@ -3973,7 +3973,7 @@
       </p:sp>
       <p:sp>
         <p:nvSpPr>
-          <p:cNvPr id="338" name="Google Shape;338;g1de26064248_1_0:notes"/>
+          <p:cNvPr id="339" name="Google Shape;339;g1de26064248_1_0:notes"/>
           <p:cNvSpPr txBox="1"/>
           <p:nvPr>
             <p:ph idx="1" type="body"/>
@@ -4122,7 +4122,7 @@
   <p:cSld>
     <p:spTree>
       <p:nvGrpSpPr>
-        <p:cNvPr id="342" name="Shape 342"/>
+        <p:cNvPr id="343" name="Shape 343"/>
         <p:cNvGrpSpPr/>
         <p:nvPr/>
       </p:nvGrpSpPr>
@@ -4136,7 +4136,7 @@
       </p:grpSpPr>
       <p:sp>
         <p:nvSpPr>
-          <p:cNvPr id="343" name="Google Shape;343;g1de110f2203_0_28:notes"/>
+          <p:cNvPr id="344" name="Google Shape;344;g1de110f2203_0_28:notes"/>
           <p:cNvSpPr/>
           <p:nvPr>
             <p:ph idx="2" type="sldImg"/>
@@ -4171,7 +4171,7 @@
       </p:sp>
       <p:sp>
         <p:nvSpPr>
-          <p:cNvPr id="344" name="Google Shape;344;g1de110f2203_0_28:notes"/>
+          <p:cNvPr id="345" name="Google Shape;345;g1de110f2203_0_28:notes"/>
           <p:cNvSpPr txBox="1"/>
           <p:nvPr>
             <p:ph idx="1" type="body"/>
@@ -4221,7 +4221,7 @@
   <p:cSld>
     <p:spTree>
       <p:nvGrpSpPr>
-        <p:cNvPr id="347" name="Shape 347"/>
+        <p:cNvPr id="348" name="Shape 348"/>
         <p:cNvGrpSpPr/>
         <p:nvPr/>
       </p:nvGrpSpPr>
@@ -4235,7 +4235,7 @@
       </p:grpSpPr>
       <p:sp>
         <p:nvSpPr>
-          <p:cNvPr id="348" name="Google Shape;348;g1f6bd942c45_0_17:notes"/>
+          <p:cNvPr id="349" name="Google Shape;349;g1f6bd942c45_0_17:notes"/>
           <p:cNvSpPr/>
           <p:nvPr>
             <p:ph idx="2" type="sldImg"/>
@@ -4270,7 +4270,7 @@
       </p:sp>
       <p:sp>
         <p:nvSpPr>
-          <p:cNvPr id="349" name="Google Shape;349;g1f6bd942c45_0_17:notes"/>
+          <p:cNvPr id="350" name="Google Shape;350;g1f6bd942c45_0_17:notes"/>
           <p:cNvSpPr txBox="1"/>
           <p:nvPr>
             <p:ph idx="1" type="body"/>
@@ -4320,7 +4320,7 @@
   <p:cSld>
     <p:spTree>
       <p:nvGrpSpPr>
-        <p:cNvPr id="352" name="Shape 352"/>
+        <p:cNvPr id="353" name="Shape 353"/>
         <p:cNvGrpSpPr/>
         <p:nvPr/>
       </p:nvGrpSpPr>
@@ -4334,7 +4334,7 @@
       </p:grpSpPr>
       <p:sp>
         <p:nvSpPr>
-          <p:cNvPr id="353" name="Google Shape;353;g1de110f2203_0_2:notes"/>
+          <p:cNvPr id="354" name="Google Shape;354;g1de110f2203_0_2:notes"/>
           <p:cNvSpPr/>
           <p:nvPr>
             <p:ph idx="2" type="sldImg"/>
@@ -4369,7 +4369,7 @@
       </p:sp>
       <p:sp>
         <p:nvSpPr>
-          <p:cNvPr id="354" name="Google Shape;354;g1de110f2203_0_2:notes"/>
+          <p:cNvPr id="355" name="Google Shape;355;g1de110f2203_0_2:notes"/>
           <p:cNvSpPr txBox="1"/>
           <p:nvPr>
             <p:ph idx="1" type="body"/>
@@ -4419,7 +4419,7 @@
   <p:cSld>
     <p:spTree>
       <p:nvGrpSpPr>
-        <p:cNvPr id="358" name="Shape 358"/>
+        <p:cNvPr id="359" name="Shape 359"/>
         <p:cNvGrpSpPr/>
         <p:nvPr/>
       </p:nvGrpSpPr>
@@ -4433,7 +4433,7 @@
       </p:grpSpPr>
       <p:sp>
         <p:nvSpPr>
-          <p:cNvPr id="359" name="Google Shape;359;g215b7c2e4a6_0_5:notes"/>
+          <p:cNvPr id="360" name="Google Shape;360;g215b7c2e4a6_0_5:notes"/>
           <p:cNvSpPr/>
           <p:nvPr>
             <p:ph idx="2" type="sldImg"/>
@@ -4468,7 +4468,7 @@
       </p:sp>
       <p:sp>
         <p:nvSpPr>
-          <p:cNvPr id="360" name="Google Shape;360;g215b7c2e4a6_0_5:notes"/>
+          <p:cNvPr id="361" name="Google Shape;361;g215b7c2e4a6_0_5:notes"/>
           <p:cNvSpPr txBox="1"/>
           <p:nvPr>
             <p:ph idx="1" type="body"/>
@@ -4518,7 +4518,7 @@
   <p:cSld>
     <p:spTree>
       <p:nvGrpSpPr>
-        <p:cNvPr id="364" name="Shape 364"/>
+        <p:cNvPr id="365" name="Shape 365"/>
         <p:cNvGrpSpPr/>
         <p:nvPr/>
       </p:nvGrpSpPr>
@@ -4532,7 +4532,7 @@
       </p:grpSpPr>
       <p:sp>
         <p:nvSpPr>
-          <p:cNvPr id="365" name="Google Shape;365;g213aaa1a5db_0_93:notes"/>
+          <p:cNvPr id="366" name="Google Shape;366;g213aaa1a5db_0_93:notes"/>
           <p:cNvSpPr/>
           <p:nvPr>
             <p:ph idx="2" type="sldImg"/>
@@ -4567,7 +4567,7 @@
       </p:sp>
       <p:sp>
         <p:nvSpPr>
-          <p:cNvPr id="366" name="Google Shape;366;g213aaa1a5db_0_93:notes"/>
+          <p:cNvPr id="367" name="Google Shape;367;g213aaa1a5db_0_93:notes"/>
           <p:cNvSpPr txBox="1"/>
           <p:nvPr>
             <p:ph idx="1" type="body"/>
@@ -17343,8 +17343,8 @@
         </p:nvSpPr>
         <p:spPr>
           <a:xfrm>
-            <a:off x="311700" y="1234075"/>
-            <a:ext cx="8520600" cy="3334800"/>
+            <a:off x="348150" y="4262050"/>
+            <a:ext cx="8447700" cy="475200"/>
           </a:xfrm>
           <a:prstGeom prst="rect">
             <a:avLst/>
@@ -17352,13 +17352,13 @@
         </p:spPr>
         <p:txBody>
           <a:bodyPr anchorCtr="0" anchor="t" bIns="91425" lIns="91425" spcFirstLastPara="1" rIns="91425" wrap="square" tIns="91425">
-            <a:normAutofit/>
+            <a:noAutofit/>
           </a:bodyPr>
           <a:lstStyle/>
           <a:p>
             <a:pPr indent="0" lvl="0" marL="0" rtl="0" algn="l">
               <a:lnSpc>
-                <a:spcPct val="146668"/>
+                <a:spcPct val="126668"/>
               </a:lnSpc>
               <a:spcBef>
                 <a:spcPts val="0"/>
@@ -17369,12 +17369,12 @@
               <a:buClr>
                 <a:schemeClr val="dk2"/>
               </a:buClr>
-              <a:buSzPts val="1100"/>
+              <a:buSzPts val="275"/>
               <a:buFont typeface="Arial"/>
               <a:buNone/>
             </a:pPr>
             <a:r>
-              <a:rPr lang="en" sz="1650">
+              <a:rPr lang="en" sz="1612">
                 <a:solidFill>
                   <a:schemeClr val="hlink"/>
                 </a:solidFill>
@@ -17389,7 +17389,7 @@
               </a:rPr>
               <a:t>https://public.tableau.com/app/profile/dominique.villacis/viz/Hotel_reservations/Analysis</a:t>
             </a:r>
-            <a:endParaRPr sz="1650">
+            <a:endParaRPr sz="1612">
               <a:solidFill>
                 <a:schemeClr val="hlink"/>
               </a:solidFill>
@@ -17402,7 +17402,7 @@
           <a:p>
             <a:pPr indent="0" lvl="0" marL="0" rtl="0" algn="l">
               <a:lnSpc>
-                <a:spcPct val="146668"/>
+                <a:spcPct val="126668"/>
               </a:lnSpc>
               <a:spcBef>
                 <a:spcPts val="300"/>
@@ -17413,14 +17413,14 @@
               <a:buClr>
                 <a:schemeClr val="dk2"/>
               </a:buClr>
-              <a:buSzPts val="1100"/>
+              <a:buSzPts val="275"/>
               <a:buFont typeface="Arial"/>
               <a:buNone/>
             </a:pPr>
             <a:r>
               <a:t/>
             </a:r>
-            <a:endParaRPr sz="1650">
+            <a:endParaRPr sz="1612">
               <a:latin typeface="Arial"/>
               <a:ea typeface="Arial"/>
               <a:cs typeface="Arial"/>
@@ -17429,21 +17429,53 @@
           </a:p>
           <a:p>
             <a:pPr indent="0" lvl="0" marL="0" rtl="0" algn="l">
+              <a:lnSpc>
+                <a:spcPct val="95000"/>
+              </a:lnSpc>
               <a:spcBef>
                 <a:spcPts val="300"/>
               </a:spcBef>
               <a:spcAft>
                 <a:spcPts val="1200"/>
               </a:spcAft>
+              <a:buSzPts val="275"/>
               <a:buNone/>
             </a:pPr>
             <a:r>
               <a:t/>
             </a:r>
-            <a:endParaRPr sz="2300"/>
+            <a:endParaRPr sz="1775"/>
           </a:p>
         </p:txBody>
       </p:sp>
+      <p:pic>
+        <p:nvPicPr>
+          <p:cNvPr id="218" name="Google Shape;218;p43"/>
+          <p:cNvPicPr preferRelativeResize="0"/>
+          <p:nvPr/>
+        </p:nvPicPr>
+        <p:blipFill>
+          <a:blip r:embed="rId4">
+            <a:alphaModFix/>
+          </a:blip>
+          <a:stretch>
+            <a:fillRect/>
+          </a:stretch>
+        </p:blipFill>
+        <p:spPr>
+          <a:xfrm>
+            <a:off x="2122449" y="236101"/>
+            <a:ext cx="4899100" cy="4025949"/>
+          </a:xfrm>
+          <a:prstGeom prst="rect">
+            <a:avLst/>
+          </a:prstGeom>
+          <a:noFill/>
+          <a:ln>
+            <a:noFill/>
+          </a:ln>
+        </p:spPr>
+      </p:pic>
     </p:spTree>
   </p:cSld>
   <p:clrMapOvr>
@@ -17522,7 +17554,7 @@
   <p:cSld>
     <p:spTree>
       <p:nvGrpSpPr>
-        <p:cNvPr id="221" name="Shape 221"/>
+        <p:cNvPr id="222" name="Shape 222"/>
         <p:cNvGrpSpPr/>
         <p:nvPr/>
       </p:nvGrpSpPr>
@@ -17536,7 +17568,7 @@
       </p:grpSpPr>
       <p:sp>
         <p:nvSpPr>
-          <p:cNvPr id="222" name="Google Shape;222;p44"/>
+          <p:cNvPr id="223" name="Google Shape;223;p44"/>
           <p:cNvSpPr txBox="1"/>
           <p:nvPr>
             <p:ph type="title"/>
@@ -17587,7 +17619,7 @@
   <p:cSld>
     <p:spTree>
       <p:nvGrpSpPr>
-        <p:cNvPr id="226" name="Shape 226"/>
+        <p:cNvPr id="227" name="Shape 227"/>
         <p:cNvGrpSpPr/>
         <p:nvPr/>
       </p:nvGrpSpPr>
@@ -17601,7 +17633,7 @@
       </p:grpSpPr>
       <p:sp>
         <p:nvSpPr>
-          <p:cNvPr id="227" name="Google Shape;227;p45"/>
+          <p:cNvPr id="228" name="Google Shape;228;p45"/>
           <p:cNvSpPr txBox="1"/>
           <p:nvPr>
             <p:ph type="title"/>
@@ -17678,7 +17710,7 @@
       </p:sp>
       <p:sp>
         <p:nvSpPr>
-          <p:cNvPr id="228" name="Google Shape;228;p45"/>
+          <p:cNvPr id="229" name="Google Shape;229;p45"/>
           <p:cNvSpPr txBox="1"/>
           <p:nvPr>
             <p:ph idx="1" type="body"/>
@@ -18078,7 +18110,7 @@
   <p:cSld>
     <p:spTree>
       <p:nvGrpSpPr>
-        <p:cNvPr id="232" name="Shape 232"/>
+        <p:cNvPr id="233" name="Shape 233"/>
         <p:cNvGrpSpPr/>
         <p:nvPr/>
       </p:nvGrpSpPr>
@@ -18092,7 +18124,7 @@
       </p:grpSpPr>
       <p:sp>
         <p:nvSpPr>
-          <p:cNvPr id="233" name="Google Shape;233;p46"/>
+          <p:cNvPr id="234" name="Google Shape;234;p46"/>
           <p:cNvSpPr txBox="1"/>
           <p:nvPr>
             <p:ph type="title"/>
@@ -18163,7 +18195,7 @@
       </p:sp>
       <p:sp>
         <p:nvSpPr>
-          <p:cNvPr id="234" name="Google Shape;234;p46"/>
+          <p:cNvPr id="235" name="Google Shape;235;p46"/>
           <p:cNvSpPr txBox="1"/>
           <p:nvPr>
             <p:ph idx="1" type="body"/>
@@ -18634,7 +18666,7 @@
   <p:cSld>
     <p:spTree>
       <p:nvGrpSpPr>
-        <p:cNvPr id="238" name="Shape 238"/>
+        <p:cNvPr id="239" name="Shape 239"/>
         <p:cNvGrpSpPr/>
         <p:nvPr/>
       </p:nvGrpSpPr>
@@ -18648,7 +18680,7 @@
       </p:grpSpPr>
       <p:sp>
         <p:nvSpPr>
-          <p:cNvPr id="239" name="Google Shape;239;p47"/>
+          <p:cNvPr id="240" name="Google Shape;240;p47"/>
           <p:cNvSpPr txBox="1"/>
           <p:nvPr>
             <p:ph type="title"/>
@@ -18704,7 +18736,7 @@
       </p:sp>
       <p:sp>
         <p:nvSpPr>
-          <p:cNvPr id="240" name="Google Shape;240;p47"/>
+          <p:cNvPr id="241" name="Google Shape;241;p47"/>
           <p:cNvSpPr txBox="1"/>
           <p:nvPr>
             <p:ph idx="1" type="body"/>
@@ -18865,7 +18897,7 @@
       </p:sp>
       <p:pic>
         <p:nvPicPr>
-          <p:cNvPr id="241" name="Google Shape;241;p47"/>
+          <p:cNvPr id="242" name="Google Shape;242;p47"/>
           <p:cNvPicPr preferRelativeResize="0"/>
           <p:nvPr/>
         </p:nvPicPr>
@@ -18904,7 +18936,7 @@
   <p:cSld>
     <p:spTree>
       <p:nvGrpSpPr>
-        <p:cNvPr id="245" name="Shape 245"/>
+        <p:cNvPr id="246" name="Shape 246"/>
         <p:cNvGrpSpPr/>
         <p:nvPr/>
       </p:nvGrpSpPr>
@@ -18918,7 +18950,7 @@
       </p:grpSpPr>
       <p:sp>
         <p:nvSpPr>
-          <p:cNvPr id="246" name="Google Shape;246;p48"/>
+          <p:cNvPr id="247" name="Google Shape;247;p48"/>
           <p:cNvSpPr txBox="1"/>
           <p:nvPr>
             <p:ph type="title"/>
@@ -18962,7 +18994,7 @@
       </p:sp>
       <p:sp>
         <p:nvSpPr>
-          <p:cNvPr id="247" name="Google Shape;247;p48"/>
+          <p:cNvPr id="248" name="Google Shape;248;p48"/>
           <p:cNvSpPr txBox="1"/>
           <p:nvPr>
             <p:ph idx="1" type="body"/>
@@ -19001,7 +19033,7 @@
                   <a:srgbClr val="FFFFFF"/>
                 </a:highlight>
               </a:rPr>
-              <a:t>PostgresSQL database instance  was created and hosted  on AWS and was connected to  </a:t>
+              <a:t>Postgres database  was set up and hosted  on AWS RDS services and then connected to  local </a:t>
             </a:r>
             <a:r>
               <a:rPr lang="en" sz="1600">
@@ -19082,7 +19114,7 @@
       </p:sp>
       <p:pic>
         <p:nvPicPr>
-          <p:cNvPr id="248" name="Google Shape;248;p48"/>
+          <p:cNvPr id="249" name="Google Shape;249;p48"/>
           <p:cNvPicPr preferRelativeResize="0"/>
           <p:nvPr/>
         </p:nvPicPr>
@@ -19121,7 +19153,7 @@
   <p:cSld>
     <p:spTree>
       <p:nvGrpSpPr>
-        <p:cNvPr id="252" name="Shape 252"/>
+        <p:cNvPr id="253" name="Shape 253"/>
         <p:cNvGrpSpPr/>
         <p:nvPr/>
       </p:nvGrpSpPr>
@@ -19135,7 +19167,7 @@
       </p:grpSpPr>
       <p:sp>
         <p:nvSpPr>
-          <p:cNvPr id="253" name="Google Shape;253;p49"/>
+          <p:cNvPr id="254" name="Google Shape;254;p49"/>
           <p:cNvSpPr txBox="1"/>
           <p:nvPr>
             <p:ph type="title"/>
@@ -19186,7 +19218,7 @@
   <p:cSld>
     <p:spTree>
       <p:nvGrpSpPr>
-        <p:cNvPr id="257" name="Shape 257"/>
+        <p:cNvPr id="258" name="Shape 258"/>
         <p:cNvGrpSpPr/>
         <p:nvPr/>
       </p:nvGrpSpPr>
@@ -19200,7 +19232,7 @@
       </p:grpSpPr>
       <p:sp>
         <p:nvSpPr>
-          <p:cNvPr id="258" name="Google Shape;258;p50"/>
+          <p:cNvPr id="259" name="Google Shape;259;p50"/>
           <p:cNvSpPr txBox="1"/>
           <p:nvPr>
             <p:ph type="title"/>
@@ -19240,7 +19272,7 @@
       </p:sp>
       <p:sp>
         <p:nvSpPr>
-          <p:cNvPr id="259" name="Google Shape;259;p50"/>
+          <p:cNvPr id="260" name="Google Shape;260;p50"/>
           <p:cNvSpPr txBox="1"/>
           <p:nvPr>
             <p:ph idx="1" type="body"/>
@@ -19272,8 +19304,12 @@
               <a:buAutoNum type="arabicPeriod"/>
             </a:pPr>
             <a:r>
+              <a:rPr b="1" lang="en" sz="2000"/>
+              <a:t>Logistic Regression Model:</a:t>
+            </a:r>
+            <a:r>
               <a:rPr lang="en" sz="2000"/>
-              <a:t>Logistic Regression Model</a:t>
+              <a:t> predicts binary outcomes, meaning that there are only two possible outcomes.</a:t>
             </a:r>
             <a:endParaRPr sz="2000"/>
           </a:p>
@@ -19289,8 +19325,12 @@
               <a:buAutoNum type="arabicPeriod"/>
             </a:pPr>
             <a:r>
+              <a:rPr b="1" lang="en" sz="2000"/>
+              <a:t>Support Vector Machine Model:</a:t>
+            </a:r>
+            <a:r>
               <a:rPr lang="en" sz="2000"/>
-              <a:t>Support Vector Machine Model</a:t>
+              <a:t> like logistic regression, is a binary classifier: It can categorize samples into one of two categories</a:t>
             </a:r>
             <a:endParaRPr sz="2000"/>
           </a:p>
@@ -19306,8 +19346,12 @@
               <a:buAutoNum type="arabicPeriod"/>
             </a:pPr>
             <a:r>
+              <a:rPr b="1" lang="en" sz="2000"/>
+              <a:t>Decision Tree:</a:t>
+            </a:r>
+            <a:r>
               <a:rPr lang="en" sz="2000"/>
-              <a:t>Decision Tree</a:t>
+              <a:t> encodes a series of true/false questions that are represented by a series of if/else statements</a:t>
             </a:r>
             <a:endParaRPr sz="2000"/>
           </a:p>
@@ -19323,8 +19367,12 @@
               <a:buAutoNum type="arabicPeriod"/>
             </a:pPr>
             <a:r>
+              <a:rPr b="1" lang="en" sz="2000"/>
+              <a:t>Random Forest:</a:t>
+            </a:r>
+            <a:r>
               <a:rPr lang="en" sz="2000"/>
-              <a:t>Random Forest</a:t>
+              <a:t> sample the data and build several smaller, simpler decision trees</a:t>
             </a:r>
             <a:endParaRPr sz="2000"/>
           </a:p>
@@ -19343,7 +19391,7 @@
   <p:cSld>
     <p:spTree>
       <p:nvGrpSpPr>
-        <p:cNvPr id="263" name="Shape 263"/>
+        <p:cNvPr id="264" name="Shape 264"/>
         <p:cNvGrpSpPr/>
         <p:nvPr/>
       </p:nvGrpSpPr>
@@ -19357,7 +19405,7 @@
       </p:grpSpPr>
       <p:sp>
         <p:nvSpPr>
-          <p:cNvPr id="264" name="Google Shape;264;p51"/>
+          <p:cNvPr id="265" name="Google Shape;265;p51"/>
           <p:cNvSpPr txBox="1"/>
           <p:nvPr>
             <p:ph type="title"/>
@@ -19397,7 +19445,7 @@
       </p:sp>
       <p:sp>
         <p:nvSpPr>
-          <p:cNvPr id="265" name="Google Shape;265;p51"/>
+          <p:cNvPr id="266" name="Google Shape;266;p51"/>
           <p:cNvSpPr txBox="1"/>
           <p:nvPr>
             <p:ph idx="1" type="body"/>
@@ -19580,7 +19628,7 @@
   <p:cSld>
     <p:spTree>
       <p:nvGrpSpPr>
-        <p:cNvPr id="269" name="Shape 269"/>
+        <p:cNvPr id="270" name="Shape 270"/>
         <p:cNvGrpSpPr/>
         <p:nvPr/>
       </p:nvGrpSpPr>
@@ -19594,7 +19642,7 @@
       </p:grpSpPr>
       <p:sp>
         <p:nvSpPr>
-          <p:cNvPr id="270" name="Google Shape;270;p52"/>
+          <p:cNvPr id="271" name="Google Shape;271;p52"/>
           <p:cNvSpPr txBox="1"/>
           <p:nvPr>
             <p:ph type="title"/>
@@ -19634,7 +19682,7 @@
       </p:sp>
       <p:sp>
         <p:nvSpPr>
-          <p:cNvPr id="271" name="Google Shape;271;p52"/>
+          <p:cNvPr id="272" name="Google Shape;272;p52"/>
           <p:cNvSpPr txBox="1"/>
           <p:nvPr>
             <p:ph idx="1" type="body"/>
@@ -19825,7 +19873,7 @@
   <p:cSld>
     <p:spTree>
       <p:nvGrpSpPr>
-        <p:cNvPr id="275" name="Shape 275"/>
+        <p:cNvPr id="276" name="Shape 276"/>
         <p:cNvGrpSpPr/>
         <p:nvPr/>
       </p:nvGrpSpPr>
@@ -19839,7 +19887,7 @@
       </p:grpSpPr>
       <p:sp>
         <p:nvSpPr>
-          <p:cNvPr id="276" name="Google Shape;276;p53"/>
+          <p:cNvPr id="277" name="Google Shape;277;p53"/>
           <p:cNvSpPr txBox="1"/>
           <p:nvPr>
             <p:ph idx="1" type="body"/>
@@ -20014,7 +20062,7 @@
       </p:sp>
       <p:pic>
         <p:nvPicPr>
-          <p:cNvPr id="277" name="Google Shape;277;p53"/>
+          <p:cNvPr id="278" name="Google Shape;278;p53"/>
           <p:cNvPicPr preferRelativeResize="0"/>
           <p:nvPr/>
         </p:nvPicPr>
@@ -20042,7 +20090,7 @@
       </p:pic>
       <p:sp>
         <p:nvSpPr>
-          <p:cNvPr id="278" name="Google Shape;278;p53"/>
+          <p:cNvPr id="279" name="Google Shape;279;p53"/>
           <p:cNvSpPr txBox="1"/>
           <p:nvPr>
             <p:ph type="title"/>
@@ -20349,7 +20397,7 @@
   <p:cSld>
     <p:spTree>
       <p:nvGrpSpPr>
-        <p:cNvPr id="282" name="Shape 282"/>
+        <p:cNvPr id="283" name="Shape 283"/>
         <p:cNvGrpSpPr/>
         <p:nvPr/>
       </p:nvGrpSpPr>
@@ -20363,7 +20411,7 @@
       </p:grpSpPr>
       <p:sp>
         <p:nvSpPr>
-          <p:cNvPr id="283" name="Google Shape;283;p54"/>
+          <p:cNvPr id="284" name="Google Shape;284;p54"/>
           <p:cNvSpPr txBox="1"/>
           <p:nvPr>
             <p:ph type="title"/>
@@ -20403,7 +20451,7 @@
       </p:sp>
       <p:sp>
         <p:nvSpPr>
-          <p:cNvPr id="284" name="Google Shape;284;p54"/>
+          <p:cNvPr id="285" name="Google Shape;285;p54"/>
           <p:cNvSpPr txBox="1"/>
           <p:nvPr>
             <p:ph idx="1" type="body"/>
@@ -20502,7 +20550,7 @@
   <p:cSld>
     <p:spTree>
       <p:nvGrpSpPr>
-        <p:cNvPr id="288" name="Shape 288"/>
+        <p:cNvPr id="289" name="Shape 289"/>
         <p:cNvGrpSpPr/>
         <p:nvPr/>
       </p:nvGrpSpPr>
@@ -20516,7 +20564,7 @@
       </p:grpSpPr>
       <p:sp>
         <p:nvSpPr>
-          <p:cNvPr id="289" name="Google Shape;289;p55"/>
+          <p:cNvPr id="290" name="Google Shape;290;p55"/>
           <p:cNvSpPr txBox="1"/>
           <p:nvPr>
             <p:ph type="title"/>
@@ -20576,7 +20624,7 @@
       </p:sp>
       <p:sp>
         <p:nvSpPr>
-          <p:cNvPr id="290" name="Google Shape;290;p55"/>
+          <p:cNvPr id="291" name="Google Shape;291;p55"/>
           <p:cNvSpPr txBox="1"/>
           <p:nvPr>
             <p:ph idx="1" type="body"/>
@@ -20699,7 +20747,7 @@
   <p:cSld>
     <p:spTree>
       <p:nvGrpSpPr>
-        <p:cNvPr id="294" name="Shape 294"/>
+        <p:cNvPr id="295" name="Shape 295"/>
         <p:cNvGrpSpPr/>
         <p:nvPr/>
       </p:nvGrpSpPr>
@@ -20713,7 +20761,7 @@
       </p:grpSpPr>
       <p:sp>
         <p:nvSpPr>
-          <p:cNvPr id="295" name="Google Shape;295;p56"/>
+          <p:cNvPr id="296" name="Google Shape;296;p56"/>
           <p:cNvSpPr txBox="1"/>
           <p:nvPr>
             <p:ph type="title"/>
@@ -20773,7 +20821,7 @@
       </p:sp>
       <p:sp>
         <p:nvSpPr>
-          <p:cNvPr id="296" name="Google Shape;296;p56"/>
+          <p:cNvPr id="297" name="Google Shape;297;p56"/>
           <p:cNvSpPr txBox="1"/>
           <p:nvPr>
             <p:ph idx="1" type="body"/>
@@ -20838,7 +20886,7 @@
       </p:sp>
       <p:pic>
         <p:nvPicPr>
-          <p:cNvPr id="297" name="Google Shape;297;p56"/>
+          <p:cNvPr id="298" name="Google Shape;298;p56"/>
           <p:cNvPicPr preferRelativeResize="0"/>
           <p:nvPr/>
         </p:nvPicPr>
@@ -20866,7 +20914,7 @@
       </p:pic>
       <p:pic>
         <p:nvPicPr>
-          <p:cNvPr id="298" name="Google Shape;298;p56"/>
+          <p:cNvPr id="299" name="Google Shape;299;p56"/>
           <p:cNvPicPr preferRelativeResize="0"/>
           <p:nvPr/>
         </p:nvPicPr>
@@ -20905,7 +20953,7 @@
   <p:cSld>
     <p:spTree>
       <p:nvGrpSpPr>
-        <p:cNvPr id="302" name="Shape 302"/>
+        <p:cNvPr id="303" name="Shape 303"/>
         <p:cNvGrpSpPr/>
         <p:nvPr/>
       </p:nvGrpSpPr>
@@ -20919,7 +20967,7 @@
       </p:grpSpPr>
       <p:sp>
         <p:nvSpPr>
-          <p:cNvPr id="303" name="Google Shape;303;p57"/>
+          <p:cNvPr id="304" name="Google Shape;304;p57"/>
           <p:cNvSpPr txBox="1"/>
           <p:nvPr>
             <p:ph type="title"/>
@@ -20959,7 +21007,7 @@
       </p:sp>
       <p:sp>
         <p:nvSpPr>
-          <p:cNvPr id="304" name="Google Shape;304;p57"/>
+          <p:cNvPr id="305" name="Google Shape;305;p57"/>
           <p:cNvSpPr txBox="1"/>
           <p:nvPr>
             <p:ph idx="1" type="body"/>
@@ -21274,7 +21322,7 @@
   <p:cSld>
     <p:spTree>
       <p:nvGrpSpPr>
-        <p:cNvPr id="308" name="Shape 308"/>
+        <p:cNvPr id="309" name="Shape 309"/>
         <p:cNvGrpSpPr/>
         <p:nvPr/>
       </p:nvGrpSpPr>
@@ -21288,7 +21336,7 @@
       </p:grpSpPr>
       <p:sp>
         <p:nvSpPr>
-          <p:cNvPr id="309" name="Google Shape;309;p58"/>
+          <p:cNvPr id="310" name="Google Shape;310;p58"/>
           <p:cNvSpPr txBox="1"/>
           <p:nvPr>
             <p:ph idx="1" type="body"/>
@@ -21327,7 +21375,7 @@
       </p:sp>
       <p:pic>
         <p:nvPicPr>
-          <p:cNvPr id="310" name="Google Shape;310;p58"/>
+          <p:cNvPr id="311" name="Google Shape;311;p58"/>
           <p:cNvPicPr preferRelativeResize="0"/>
           <p:nvPr/>
         </p:nvPicPr>
@@ -21366,7 +21414,7 @@
   <p:cSld>
     <p:spTree>
       <p:nvGrpSpPr>
-        <p:cNvPr id="314" name="Shape 314"/>
+        <p:cNvPr id="315" name="Shape 315"/>
         <p:cNvGrpSpPr/>
         <p:nvPr/>
       </p:nvGrpSpPr>
@@ -21380,7 +21428,7 @@
       </p:grpSpPr>
       <p:sp>
         <p:nvSpPr>
-          <p:cNvPr id="315" name="Google Shape;315;p59"/>
+          <p:cNvPr id="316" name="Google Shape;316;p59"/>
           <p:cNvSpPr txBox="1"/>
           <p:nvPr>
             <p:ph type="title"/>
@@ -21420,7 +21468,7 @@
       </p:sp>
       <p:sp>
         <p:nvSpPr>
-          <p:cNvPr id="316" name="Google Shape;316;p59"/>
+          <p:cNvPr id="317" name="Google Shape;317;p59"/>
           <p:cNvSpPr txBox="1"/>
           <p:nvPr>
             <p:ph idx="1" type="body"/>
@@ -21578,7 +21626,7 @@
   <p:cSld>
     <p:spTree>
       <p:nvGrpSpPr>
-        <p:cNvPr id="320" name="Shape 320"/>
+        <p:cNvPr id="321" name="Shape 321"/>
         <p:cNvGrpSpPr/>
         <p:nvPr/>
       </p:nvGrpSpPr>
@@ -21592,7 +21640,7 @@
       </p:grpSpPr>
       <p:sp>
         <p:nvSpPr>
-          <p:cNvPr id="321" name="Google Shape;321;p60"/>
+          <p:cNvPr id="322" name="Google Shape;322;p60"/>
           <p:cNvSpPr txBox="1"/>
           <p:nvPr>
             <p:ph type="title"/>
@@ -21632,7 +21680,7 @@
       </p:sp>
       <p:sp>
         <p:nvSpPr>
-          <p:cNvPr id="322" name="Google Shape;322;p60"/>
+          <p:cNvPr id="323" name="Google Shape;323;p60"/>
           <p:cNvSpPr txBox="1"/>
           <p:nvPr>
             <p:ph idx="1" type="body"/>
@@ -21737,7 +21785,7 @@
   <p:cSld>
     <p:spTree>
       <p:nvGrpSpPr>
-        <p:cNvPr id="326" name="Shape 326"/>
+        <p:cNvPr id="327" name="Shape 327"/>
         <p:cNvGrpSpPr/>
         <p:nvPr/>
       </p:nvGrpSpPr>
@@ -21751,7 +21799,7 @@
       </p:grpSpPr>
       <p:sp>
         <p:nvSpPr>
-          <p:cNvPr id="327" name="Google Shape;327;p61"/>
+          <p:cNvPr id="328" name="Google Shape;328;p61"/>
           <p:cNvSpPr txBox="1"/>
           <p:nvPr>
             <p:ph type="title"/>
@@ -21791,7 +21839,7 @@
       </p:sp>
       <p:sp>
         <p:nvSpPr>
-          <p:cNvPr id="328" name="Google Shape;328;p61"/>
+          <p:cNvPr id="329" name="Google Shape;329;p61"/>
           <p:cNvSpPr txBox="1"/>
           <p:nvPr>
             <p:ph idx="1" type="body"/>
@@ -22092,7 +22140,7 @@
   <p:cSld>
     <p:spTree>
       <p:nvGrpSpPr>
-        <p:cNvPr id="332" name="Shape 332"/>
+        <p:cNvPr id="333" name="Shape 333"/>
         <p:cNvGrpSpPr/>
         <p:nvPr/>
       </p:nvGrpSpPr>
@@ -22106,7 +22154,7 @@
       </p:grpSpPr>
       <p:sp>
         <p:nvSpPr>
-          <p:cNvPr id="333" name="Google Shape;333;p62"/>
+          <p:cNvPr id="334" name="Google Shape;334;p62"/>
           <p:cNvSpPr txBox="1"/>
           <p:nvPr>
             <p:ph type="title"/>
@@ -22166,7 +22214,7 @@
       </p:sp>
       <p:sp>
         <p:nvSpPr>
-          <p:cNvPr id="334" name="Google Shape;334;p62"/>
+          <p:cNvPr id="335" name="Google Shape;335;p62"/>
           <p:cNvSpPr txBox="1"/>
           <p:nvPr>
             <p:ph idx="1" type="body"/>
@@ -22311,7 +22359,7 @@
       </p:sp>
       <p:pic>
         <p:nvPicPr>
-          <p:cNvPr id="335" name="Google Shape;335;p62"/>
+          <p:cNvPr id="336" name="Google Shape;336;p62"/>
           <p:cNvPicPr preferRelativeResize="0"/>
           <p:nvPr/>
         </p:nvPicPr>
@@ -22350,7 +22398,7 @@
   <p:cSld>
     <p:spTree>
       <p:nvGrpSpPr>
-        <p:cNvPr id="339" name="Shape 339"/>
+        <p:cNvPr id="340" name="Shape 340"/>
         <p:cNvGrpSpPr/>
         <p:nvPr/>
       </p:nvGrpSpPr>
@@ -22364,7 +22412,7 @@
       </p:grpSpPr>
       <p:sp>
         <p:nvSpPr>
-          <p:cNvPr id="340" name="Google Shape;340;p63"/>
+          <p:cNvPr id="341" name="Google Shape;341;p63"/>
           <p:cNvSpPr txBox="1"/>
           <p:nvPr>
             <p:ph type="title"/>
@@ -22404,7 +22452,7 @@
       </p:sp>
       <p:graphicFrame>
         <p:nvGraphicFramePr>
-          <p:cNvPr id="341" name="Google Shape;341;p63"/>
+          <p:cNvPr id="342" name="Google Shape;342;p63"/>
           <p:cNvGraphicFramePr/>
           <p:nvPr/>
         </p:nvGraphicFramePr>
@@ -22417,7 +22465,7 @@
             <a:tbl>
               <a:tblPr>
                 <a:noFill/>
-                <a:tableStyleId>{696CDAB8-2245-4565-8A8B-02C417A9D88F}</a:tableStyleId>
+                <a:tableStyleId>{8DF2AF30-C3C5-4F2B-B7C4-85791AFBC8D6}</a:tableStyleId>
               </a:tblPr>
               <a:tblGrid>
                 <a:gridCol w="1567750"/>
@@ -23108,7 +23156,7 @@
   <p:cSld>
     <p:spTree>
       <p:nvGrpSpPr>
-        <p:cNvPr id="345" name="Shape 345"/>
+        <p:cNvPr id="346" name="Shape 346"/>
         <p:cNvGrpSpPr/>
         <p:nvPr/>
       </p:nvGrpSpPr>
@@ -23122,7 +23170,7 @@
       </p:grpSpPr>
       <p:sp>
         <p:nvSpPr>
-          <p:cNvPr id="346" name="Google Shape;346;p64"/>
+          <p:cNvPr id="347" name="Google Shape;347;p64"/>
           <p:cNvSpPr txBox="1"/>
           <p:nvPr>
             <p:ph type="title"/>
@@ -23173,7 +23221,7 @@
   <p:cSld>
     <p:spTree>
       <p:nvGrpSpPr>
-        <p:cNvPr id="350" name="Shape 350"/>
+        <p:cNvPr id="351" name="Shape 351"/>
         <p:cNvGrpSpPr/>
         <p:nvPr/>
       </p:nvGrpSpPr>
@@ -23187,7 +23235,7 @@
       </p:grpSpPr>
       <p:sp>
         <p:nvSpPr>
-          <p:cNvPr id="351" name="Google Shape;351;p65"/>
+          <p:cNvPr id="352" name="Google Shape;352;p65"/>
           <p:cNvSpPr txBox="1"/>
           <p:nvPr>
             <p:ph idx="1" type="body"/>
@@ -23319,7 +23367,7 @@
   <p:cSld>
     <p:spTree>
       <p:nvGrpSpPr>
-        <p:cNvPr id="355" name="Shape 355"/>
+        <p:cNvPr id="356" name="Shape 356"/>
         <p:cNvGrpSpPr/>
         <p:nvPr/>
       </p:nvGrpSpPr>
@@ -23333,7 +23381,7 @@
       </p:grpSpPr>
       <p:sp>
         <p:nvSpPr>
-          <p:cNvPr id="356" name="Google Shape;356;p66"/>
+          <p:cNvPr id="357" name="Google Shape;357;p66"/>
           <p:cNvSpPr txBox="1"/>
           <p:nvPr>
             <p:ph type="title"/>
@@ -23373,7 +23421,7 @@
       </p:sp>
       <p:sp>
         <p:nvSpPr>
-          <p:cNvPr id="357" name="Google Shape;357;p66"/>
+          <p:cNvPr id="358" name="Google Shape;358;p66"/>
           <p:cNvSpPr txBox="1"/>
           <p:nvPr>
             <p:ph idx="1" type="body"/>
@@ -23664,7 +23712,7 @@
   <p:cSld>
     <p:spTree>
       <p:nvGrpSpPr>
-        <p:cNvPr id="361" name="Shape 361"/>
+        <p:cNvPr id="362" name="Shape 362"/>
         <p:cNvGrpSpPr/>
         <p:nvPr/>
       </p:nvGrpSpPr>
@@ -23678,7 +23726,7 @@
       </p:grpSpPr>
       <p:sp>
         <p:nvSpPr>
-          <p:cNvPr id="362" name="Google Shape;362;p67"/>
+          <p:cNvPr id="363" name="Google Shape;363;p67"/>
           <p:cNvSpPr txBox="1"/>
           <p:nvPr>
             <p:ph type="title"/>
@@ -23718,7 +23766,7 @@
       </p:sp>
       <p:sp>
         <p:nvSpPr>
-          <p:cNvPr id="363" name="Google Shape;363;p67"/>
+          <p:cNvPr id="364" name="Google Shape;364;p67"/>
           <p:cNvSpPr txBox="1"/>
           <p:nvPr>
             <p:ph idx="1" type="body"/>
@@ -23759,12 +23807,30 @@
             <a:endParaRPr/>
           </a:p>
           <a:p>
+            <a:pPr indent="0" lvl="0" marL="0" rtl="0" algn="just">
+              <a:lnSpc>
+                <a:spcPct val="90000"/>
+              </a:lnSpc>
+              <a:spcBef>
+                <a:spcPts val="1000"/>
+              </a:spcBef>
+              <a:spcAft>
+                <a:spcPts val="0"/>
+              </a:spcAft>
+              <a:buNone/>
+            </a:pPr>
+            <a:r>
+              <a:t/>
+            </a:r>
+            <a:endParaRPr/>
+          </a:p>
+          <a:p>
             <a:pPr indent="-355600" lvl="0" marL="457200" rtl="0" algn="just">
               <a:lnSpc>
                 <a:spcPct val="90000"/>
               </a:lnSpc>
               <a:spcBef>
-                <a:spcPts val="0"/>
+                <a:spcPts val="1000"/>
               </a:spcBef>
               <a:spcAft>
                 <a:spcPts val="0"/>
@@ -23788,12 +23854,34 @@
             </a:endParaRPr>
           </a:p>
           <a:p>
+            <a:pPr indent="0" lvl="0" marL="0" rtl="0" algn="just">
+              <a:lnSpc>
+                <a:spcPct val="90000"/>
+              </a:lnSpc>
+              <a:spcBef>
+                <a:spcPts val="1000"/>
+              </a:spcBef>
+              <a:spcAft>
+                <a:spcPts val="0"/>
+              </a:spcAft>
+              <a:buNone/>
+            </a:pPr>
+            <a:r>
+              <a:t/>
+            </a:r>
+            <a:endParaRPr sz="2000" u="sng">
+              <a:solidFill>
+                <a:schemeClr val="hlink"/>
+              </a:solidFill>
+            </a:endParaRPr>
+          </a:p>
+          <a:p>
             <a:pPr indent="-355600" lvl="0" marL="457200" rtl="0" algn="just">
               <a:lnSpc>
                 <a:spcPct val="90000"/>
               </a:lnSpc>
               <a:spcBef>
-                <a:spcPts val="0"/>
+                <a:spcPts val="1000"/>
               </a:spcBef>
               <a:spcAft>
                 <a:spcPts val="0"/>
@@ -23827,7 +23915,7 @@
   <p:cSld>
     <p:spTree>
       <p:nvGrpSpPr>
-        <p:cNvPr id="367" name="Shape 367"/>
+        <p:cNvPr id="368" name="Shape 368"/>
         <p:cNvGrpSpPr/>
         <p:nvPr/>
       </p:nvGrpSpPr>
@@ -23841,7 +23929,7 @@
       </p:grpSpPr>
       <p:sp>
         <p:nvSpPr>
-          <p:cNvPr id="368" name="Google Shape;368;p68"/>
+          <p:cNvPr id="369" name="Google Shape;369;p68"/>
           <p:cNvSpPr txBox="1"/>
           <p:nvPr>
             <p:ph type="title"/>
@@ -23881,7 +23969,7 @@
       </p:sp>
       <p:sp>
         <p:nvSpPr>
-          <p:cNvPr id="369" name="Google Shape;369;p68"/>
+          <p:cNvPr id="370" name="Google Shape;370;p68"/>
           <p:cNvSpPr txBox="1"/>
           <p:nvPr>
             <p:ph idx="1" type="body"/>
@@ -25281,6 +25369,285 @@
 </file>
 
 <file path=ppt/theme/theme2.xml><?xml version="1.0" encoding="utf-8"?>
+<a:theme xmlns:a="http://schemas.openxmlformats.org/drawingml/2006/main" xmlns:r="http://schemas.openxmlformats.org/officeDocument/2006/relationships" name="Pop">
+  <a:themeElements>
+    <a:clrScheme name="Pop">
+      <a:dk1>
+        <a:srgbClr val="F8E71C"/>
+      </a:dk1>
+      <a:lt1>
+        <a:srgbClr val="FFFFFF"/>
+      </a:lt1>
+      <a:dk2>
+        <a:srgbClr val="000000"/>
+      </a:dk2>
+      <a:lt2>
+        <a:srgbClr val="D9D9D9"/>
+      </a:lt2>
+      <a:accent1>
+        <a:srgbClr val="666666"/>
+      </a:accent1>
+      <a:accent2>
+        <a:srgbClr val="483165"/>
+      </a:accent2>
+      <a:accent3>
+        <a:srgbClr val="EB1E95"/>
+      </a:accent3>
+      <a:accent4>
+        <a:srgbClr val="01AFD1"/>
+      </a:accent4>
+      <a:accent5>
+        <a:srgbClr val="0F9D58"/>
+      </a:accent5>
+      <a:accent6>
+        <a:srgbClr val="9C27B0"/>
+      </a:accent6>
+      <a:hlink>
+        <a:srgbClr val="0F9D58"/>
+      </a:hlink>
+      <a:folHlink>
+        <a:srgbClr val="0F9D58"/>
+      </a:folHlink>
+    </a:clrScheme>
+    <a:fontScheme name="Office">
+      <a:majorFont>
+        <a:latin typeface="Arial"/>
+        <a:ea typeface=""/>
+        <a:cs typeface=""/>
+        <a:font script="Jpan" typeface="ＭＳ Ｐゴシック"/>
+        <a:font script="Hang" typeface="맑은 고딕"/>
+        <a:font script="Hans" typeface="宋体"/>
+        <a:font script="Hant" typeface="新細明體"/>
+        <a:font script="Arab" typeface="Times New Roman"/>
+        <a:font script="Hebr" typeface="Times New Roman"/>
+        <a:font script="Thai" typeface="Angsana New"/>
+        <a:font script="Ethi" typeface="Nyala"/>
+        <a:font script="Beng" typeface="Vrinda"/>
+        <a:font script="Gujr" typeface="Shruti"/>
+        <a:font script="Khmr" typeface="MoolBoran"/>
+        <a:font script="Knda" typeface="Tunga"/>
+        <a:font script="Guru" typeface="Raavi"/>
+        <a:font script="Cans" typeface="Euphemia"/>
+        <a:font script="Cher" typeface="Plantagenet Cherokee"/>
+        <a:font script="Yiii" typeface="Microsoft Yi Baiti"/>
+        <a:font script="Tibt" typeface="Microsoft Himalaya"/>
+        <a:font script="Thaa" typeface="MV Boli"/>
+        <a:font script="Deva" typeface="Mangal"/>
+        <a:font script="Telu" typeface="Gautami"/>
+        <a:font script="Taml" typeface="Latha"/>
+        <a:font script="Syrc" typeface="Estrangelo Edessa"/>
+        <a:font script="Orya" typeface="Kalinga"/>
+        <a:font script="Mlym" typeface="Kartika"/>
+        <a:font script="Laoo" typeface="DokChampa"/>
+        <a:font script="Sinh" typeface="Iskoola Pota"/>
+        <a:font script="Mong" typeface="Mongolian Baiti"/>
+        <a:font script="Viet" typeface="Times New Roman"/>
+        <a:font script="Uigh" typeface="Microsoft Uighur"/>
+        <a:font script="Geor" typeface="Sylfaen"/>
+      </a:majorFont>
+      <a:minorFont>
+        <a:latin typeface="Arial"/>
+        <a:ea typeface=""/>
+        <a:cs typeface=""/>
+        <a:font script="Jpan" typeface="ＭＳ Ｐゴシック"/>
+        <a:font script="Hang" typeface="맑은 고딕"/>
+        <a:font script="Hans" typeface="宋体"/>
+        <a:font script="Hant" typeface="新細明體"/>
+        <a:font script="Arab" typeface="Arial"/>
+        <a:font script="Hebr" typeface="Arial"/>
+        <a:font script="Thai" typeface="Cordia New"/>
+        <a:font script="Ethi" typeface="Nyala"/>
+        <a:font script="Beng" typeface="Vrinda"/>
+        <a:font script="Gujr" typeface="Shruti"/>
+        <a:font script="Khmr" typeface="DaunPenh"/>
+        <a:font script="Knda" typeface="Tunga"/>
+        <a:font script="Guru" typeface="Raavi"/>
+        <a:font script="Cans" typeface="Euphemia"/>
+        <a:font script="Cher" typeface="Plantagenet Cherokee"/>
+        <a:font script="Yiii" typeface="Microsoft Yi Baiti"/>
+        <a:font script="Tibt" typeface="Microsoft Himalaya"/>
+        <a:font script="Thaa" typeface="MV Boli"/>
+        <a:font script="Deva" typeface="Mangal"/>
+        <a:font script="Telu" typeface="Gautami"/>
+        <a:font script="Taml" typeface="Latha"/>
+        <a:font script="Syrc" typeface="Estrangelo Edessa"/>
+        <a:font script="Orya" typeface="Kalinga"/>
+        <a:font script="Mlym" typeface="Kartika"/>
+        <a:font script="Laoo" typeface="DokChampa"/>
+        <a:font script="Sinh" typeface="Iskoola Pota"/>
+        <a:font script="Mong" typeface="Mongolian Baiti"/>
+        <a:font script="Viet" typeface="Arial"/>
+        <a:font script="Uigh" typeface="Microsoft Uighur"/>
+        <a:font script="Geor" typeface="Sylfaen"/>
+      </a:minorFont>
+    </a:fontScheme>
+    <a:fmtScheme name="Office">
+      <a:fillStyleLst>
+        <a:solidFill>
+          <a:schemeClr val="phClr"/>
+        </a:solidFill>
+        <a:gradFill rotWithShape="1">
+          <a:gsLst>
+            <a:gs pos="0">
+              <a:schemeClr val="phClr">
+                <a:tint val="50000"/>
+                <a:satMod val="300000"/>
+              </a:schemeClr>
+            </a:gs>
+            <a:gs pos="35000">
+              <a:schemeClr val="phClr">
+                <a:tint val="37000"/>
+                <a:satMod val="300000"/>
+              </a:schemeClr>
+            </a:gs>
+            <a:gs pos="100000">
+              <a:schemeClr val="phClr">
+                <a:tint val="15000"/>
+                <a:satMod val="350000"/>
+              </a:schemeClr>
+            </a:gs>
+          </a:gsLst>
+          <a:lin ang="16200000" scaled="1"/>
+        </a:gradFill>
+        <a:gradFill rotWithShape="1">
+          <a:gsLst>
+            <a:gs pos="0">
+              <a:schemeClr val="phClr">
+                <a:tint val="100000"/>
+                <a:shade val="100000"/>
+                <a:satMod val="130000"/>
+              </a:schemeClr>
+            </a:gs>
+            <a:gs pos="100000">
+              <a:schemeClr val="phClr">
+                <a:tint val="50000"/>
+                <a:shade val="100000"/>
+                <a:satMod val="350000"/>
+              </a:schemeClr>
+            </a:gs>
+          </a:gsLst>
+          <a:lin ang="16200000" scaled="0"/>
+        </a:gradFill>
+      </a:fillStyleLst>
+      <a:lnStyleLst>
+        <a:ln w="9525" cap="flat" cmpd="sng" algn="ctr">
+          <a:solidFill>
+            <a:schemeClr val="phClr">
+              <a:shade val="95000"/>
+              <a:satMod val="105000"/>
+            </a:schemeClr>
+          </a:solidFill>
+          <a:prstDash val="solid"/>
+        </a:ln>
+        <a:ln w="25400" cap="flat" cmpd="sng" algn="ctr">
+          <a:solidFill>
+            <a:schemeClr val="phClr"/>
+          </a:solidFill>
+          <a:prstDash val="solid"/>
+        </a:ln>
+        <a:ln w="38100" cap="flat" cmpd="sng" algn="ctr">
+          <a:solidFill>
+            <a:schemeClr val="phClr"/>
+          </a:solidFill>
+          <a:prstDash val="solid"/>
+        </a:ln>
+      </a:lnStyleLst>
+      <a:effectStyleLst>
+        <a:effectStyle>
+          <a:effectLst>
+            <a:outerShdw blurRad="40000" dist="20000" dir="5400000" rotWithShape="0">
+              <a:srgbClr val="000000">
+                <a:alpha val="38000"/>
+              </a:srgbClr>
+            </a:outerShdw>
+          </a:effectLst>
+        </a:effectStyle>
+        <a:effectStyle>
+          <a:effectLst>
+            <a:outerShdw blurRad="40000" dist="23000" dir="5400000" rotWithShape="0">
+              <a:srgbClr val="000000">
+                <a:alpha val="35000"/>
+              </a:srgbClr>
+            </a:outerShdw>
+          </a:effectLst>
+        </a:effectStyle>
+        <a:effectStyle>
+          <a:effectLst>
+            <a:outerShdw blurRad="40000" dist="23000" dir="5400000" rotWithShape="0">
+              <a:srgbClr val="000000">
+                <a:alpha val="35000"/>
+              </a:srgbClr>
+            </a:outerShdw>
+          </a:effectLst>
+          <a:scene3d>
+            <a:camera prst="orthographicFront">
+              <a:rot lat="0" lon="0" rev="0"/>
+            </a:camera>
+            <a:lightRig rig="threePt" dir="t">
+              <a:rot lat="0" lon="0" rev="1200000"/>
+            </a:lightRig>
+          </a:scene3d>
+          <a:sp3d>
+            <a:bevelT w="63500" h="25400"/>
+          </a:sp3d>
+        </a:effectStyle>
+      </a:effectStyleLst>
+      <a:bgFillStyleLst>
+        <a:solidFill>
+          <a:schemeClr val="phClr"/>
+        </a:solidFill>
+        <a:gradFill rotWithShape="1">
+          <a:gsLst>
+            <a:gs pos="0">
+              <a:schemeClr val="phClr">
+                <a:tint val="40000"/>
+                <a:satMod val="350000"/>
+              </a:schemeClr>
+            </a:gs>
+            <a:gs pos="40000">
+              <a:schemeClr val="phClr">
+                <a:tint val="45000"/>
+                <a:shade val="99000"/>
+                <a:satMod val="350000"/>
+              </a:schemeClr>
+            </a:gs>
+            <a:gs pos="100000">
+              <a:schemeClr val="phClr">
+                <a:shade val="20000"/>
+                <a:satMod val="255000"/>
+              </a:schemeClr>
+            </a:gs>
+          </a:gsLst>
+          <a:path path="circle">
+            <a:fillToRect l="50000" t="-80000" r="50000" b="180000"/>
+          </a:path>
+        </a:gradFill>
+        <a:gradFill rotWithShape="1">
+          <a:gsLst>
+            <a:gs pos="0">
+              <a:schemeClr val="phClr">
+                <a:tint val="80000"/>
+                <a:satMod val="300000"/>
+              </a:schemeClr>
+            </a:gs>
+            <a:gs pos="100000">
+              <a:schemeClr val="phClr">
+                <a:shade val="30000"/>
+                <a:satMod val="200000"/>
+              </a:schemeClr>
+            </a:gs>
+          </a:gsLst>
+          <a:path path="circle">
+            <a:fillToRect l="50000" t="50000" r="50000" b="50000"/>
+          </a:path>
+        </a:gradFill>
+      </a:bgFillStyleLst>
+    </a:fmtScheme>
+  </a:themeElements>
+</a:theme>
+</file>
+
+<file path=ppt/theme/theme3.xml><?xml version="1.0" encoding="utf-8"?>
 <a:theme xmlns:a="http://schemas.openxmlformats.org/drawingml/2006/main" xmlns:r="http://schemas.openxmlformats.org/officeDocument/2006/relationships">
   <a:themeElements>
     <a:clrScheme name="Default">
@@ -25557,283 +25924,4 @@
     </a:fmtScheme>
   </a:themeElements>
 </a:theme>
-</file>
-
-<file path=ppt/theme/theme3.xml><?xml version="1.0" encoding="utf-8"?>
-<a:theme xmlns:a="http://schemas.openxmlformats.org/drawingml/2006/main" xmlns:r="http://schemas.openxmlformats.org/officeDocument/2006/relationships" name="Pop">
-  <a:themeElements>
-    <a:clrScheme name="Pop">
-      <a:dk1>
-        <a:srgbClr val="F8E71C"/>
-      </a:dk1>
-      <a:lt1>
-        <a:srgbClr val="FFFFFF"/>
-      </a:lt1>
-      <a:dk2>
-        <a:srgbClr val="000000"/>
-      </a:dk2>
-      <a:lt2>
-        <a:srgbClr val="D9D9D9"/>
-      </a:lt2>
-      <a:accent1>
-        <a:srgbClr val="666666"/>
-      </a:accent1>
-      <a:accent2>
-        <a:srgbClr val="483165"/>
-      </a:accent2>
-      <a:accent3>
-        <a:srgbClr val="EB1E95"/>
-      </a:accent3>
-      <a:accent4>
-        <a:srgbClr val="01AFD1"/>
-      </a:accent4>
-      <a:accent5>
-        <a:srgbClr val="0F9D58"/>
-      </a:accent5>
-      <a:accent6>
-        <a:srgbClr val="9C27B0"/>
-      </a:accent6>
-      <a:hlink>
-        <a:srgbClr val="0F9D58"/>
-      </a:hlink>
-      <a:folHlink>
-        <a:srgbClr val="0F9D58"/>
-      </a:folHlink>
-    </a:clrScheme>
-    <a:fontScheme name="Office">
-      <a:majorFont>
-        <a:latin typeface="Arial"/>
-        <a:ea typeface=""/>
-        <a:cs typeface=""/>
-        <a:font script="Jpan" typeface="ＭＳ Ｐゴシック"/>
-        <a:font script="Hang" typeface="맑은 고딕"/>
-        <a:font script="Hans" typeface="宋体"/>
-        <a:font script="Hant" typeface="新細明體"/>
-        <a:font script="Arab" typeface="Times New Roman"/>
-        <a:font script="Hebr" typeface="Times New Roman"/>
-        <a:font script="Thai" typeface="Angsana New"/>
-        <a:font script="Ethi" typeface="Nyala"/>
-        <a:font script="Beng" typeface="Vrinda"/>
-        <a:font script="Gujr" typeface="Shruti"/>
-        <a:font script="Khmr" typeface="MoolBoran"/>
-        <a:font script="Knda" typeface="Tunga"/>
-        <a:font script="Guru" typeface="Raavi"/>
-        <a:font script="Cans" typeface="Euphemia"/>
-        <a:font script="Cher" typeface="Plantagenet Cherokee"/>
-        <a:font script="Yiii" typeface="Microsoft Yi Baiti"/>
-        <a:font script="Tibt" typeface="Microsoft Himalaya"/>
-        <a:font script="Thaa" typeface="MV Boli"/>
-        <a:font script="Deva" typeface="Mangal"/>
-        <a:font script="Telu" typeface="Gautami"/>
-        <a:font script="Taml" typeface="Latha"/>
-        <a:font script="Syrc" typeface="Estrangelo Edessa"/>
-        <a:font script="Orya" typeface="Kalinga"/>
-        <a:font script="Mlym" typeface="Kartika"/>
-        <a:font script="Laoo" typeface="DokChampa"/>
-        <a:font script="Sinh" typeface="Iskoola Pota"/>
-        <a:font script="Mong" typeface="Mongolian Baiti"/>
-        <a:font script="Viet" typeface="Times New Roman"/>
-        <a:font script="Uigh" typeface="Microsoft Uighur"/>
-        <a:font script="Geor" typeface="Sylfaen"/>
-      </a:majorFont>
-      <a:minorFont>
-        <a:latin typeface="Arial"/>
-        <a:ea typeface=""/>
-        <a:cs typeface=""/>
-        <a:font script="Jpan" typeface="ＭＳ Ｐゴシック"/>
-        <a:font script="Hang" typeface="맑은 고딕"/>
-        <a:font script="Hans" typeface="宋体"/>
-        <a:font script="Hant" typeface="新細明體"/>
-        <a:font script="Arab" typeface="Arial"/>
-        <a:font script="Hebr" typeface="Arial"/>
-        <a:font script="Thai" typeface="Cordia New"/>
-        <a:font script="Ethi" typeface="Nyala"/>
-        <a:font script="Beng" typeface="Vrinda"/>
-        <a:font script="Gujr" typeface="Shruti"/>
-        <a:font script="Khmr" typeface="DaunPenh"/>
-        <a:font script="Knda" typeface="Tunga"/>
-        <a:font script="Guru" typeface="Raavi"/>
-        <a:font script="Cans" typeface="Euphemia"/>
-        <a:font script="Cher" typeface="Plantagenet Cherokee"/>
-        <a:font script="Yiii" typeface="Microsoft Yi Baiti"/>
-        <a:font script="Tibt" typeface="Microsoft Himalaya"/>
-        <a:font script="Thaa" typeface="MV Boli"/>
-        <a:font script="Deva" typeface="Mangal"/>
-        <a:font script="Telu" typeface="Gautami"/>
-        <a:font script="Taml" typeface="Latha"/>
-        <a:font script="Syrc" typeface="Estrangelo Edessa"/>
-        <a:font script="Orya" typeface="Kalinga"/>
-        <a:font script="Mlym" typeface="Kartika"/>
-        <a:font script="Laoo" typeface="DokChampa"/>
-        <a:font script="Sinh" typeface="Iskoola Pota"/>
-        <a:font script="Mong" typeface="Mongolian Baiti"/>
-        <a:font script="Viet" typeface="Arial"/>
-        <a:font script="Uigh" typeface="Microsoft Uighur"/>
-        <a:font script="Geor" typeface="Sylfaen"/>
-      </a:minorFont>
-    </a:fontScheme>
-    <a:fmtScheme name="Office">
-      <a:fillStyleLst>
-        <a:solidFill>
-          <a:schemeClr val="phClr"/>
-        </a:solidFill>
-        <a:gradFill rotWithShape="1">
-          <a:gsLst>
-            <a:gs pos="0">
-              <a:schemeClr val="phClr">
-                <a:tint val="50000"/>
-                <a:satMod val="300000"/>
-              </a:schemeClr>
-            </a:gs>
-            <a:gs pos="35000">
-              <a:schemeClr val="phClr">
-                <a:tint val="37000"/>
-                <a:satMod val="300000"/>
-              </a:schemeClr>
-            </a:gs>
-            <a:gs pos="100000">
-              <a:schemeClr val="phClr">
-                <a:tint val="15000"/>
-                <a:satMod val="350000"/>
-              </a:schemeClr>
-            </a:gs>
-          </a:gsLst>
-          <a:lin ang="16200000" scaled="1"/>
-        </a:gradFill>
-        <a:gradFill rotWithShape="1">
-          <a:gsLst>
-            <a:gs pos="0">
-              <a:schemeClr val="phClr">
-                <a:tint val="100000"/>
-                <a:shade val="100000"/>
-                <a:satMod val="130000"/>
-              </a:schemeClr>
-            </a:gs>
-            <a:gs pos="100000">
-              <a:schemeClr val="phClr">
-                <a:tint val="50000"/>
-                <a:shade val="100000"/>
-                <a:satMod val="350000"/>
-              </a:schemeClr>
-            </a:gs>
-          </a:gsLst>
-          <a:lin ang="16200000" scaled="0"/>
-        </a:gradFill>
-      </a:fillStyleLst>
-      <a:lnStyleLst>
-        <a:ln w="9525" cap="flat" cmpd="sng" algn="ctr">
-          <a:solidFill>
-            <a:schemeClr val="phClr">
-              <a:shade val="95000"/>
-              <a:satMod val="105000"/>
-            </a:schemeClr>
-          </a:solidFill>
-          <a:prstDash val="solid"/>
-        </a:ln>
-        <a:ln w="25400" cap="flat" cmpd="sng" algn="ctr">
-          <a:solidFill>
-            <a:schemeClr val="phClr"/>
-          </a:solidFill>
-          <a:prstDash val="solid"/>
-        </a:ln>
-        <a:ln w="38100" cap="flat" cmpd="sng" algn="ctr">
-          <a:solidFill>
-            <a:schemeClr val="phClr"/>
-          </a:solidFill>
-          <a:prstDash val="solid"/>
-        </a:ln>
-      </a:lnStyleLst>
-      <a:effectStyleLst>
-        <a:effectStyle>
-          <a:effectLst>
-            <a:outerShdw blurRad="40000" dist="20000" dir="5400000" rotWithShape="0">
-              <a:srgbClr val="000000">
-                <a:alpha val="38000"/>
-              </a:srgbClr>
-            </a:outerShdw>
-          </a:effectLst>
-        </a:effectStyle>
-        <a:effectStyle>
-          <a:effectLst>
-            <a:outerShdw blurRad="40000" dist="23000" dir="5400000" rotWithShape="0">
-              <a:srgbClr val="000000">
-                <a:alpha val="35000"/>
-              </a:srgbClr>
-            </a:outerShdw>
-          </a:effectLst>
-        </a:effectStyle>
-        <a:effectStyle>
-          <a:effectLst>
-            <a:outerShdw blurRad="40000" dist="23000" dir="5400000" rotWithShape="0">
-              <a:srgbClr val="000000">
-                <a:alpha val="35000"/>
-              </a:srgbClr>
-            </a:outerShdw>
-          </a:effectLst>
-          <a:scene3d>
-            <a:camera prst="orthographicFront">
-              <a:rot lat="0" lon="0" rev="0"/>
-            </a:camera>
-            <a:lightRig rig="threePt" dir="t">
-              <a:rot lat="0" lon="0" rev="1200000"/>
-            </a:lightRig>
-          </a:scene3d>
-          <a:sp3d>
-            <a:bevelT w="63500" h="25400"/>
-          </a:sp3d>
-        </a:effectStyle>
-      </a:effectStyleLst>
-      <a:bgFillStyleLst>
-        <a:solidFill>
-          <a:schemeClr val="phClr"/>
-        </a:solidFill>
-        <a:gradFill rotWithShape="1">
-          <a:gsLst>
-            <a:gs pos="0">
-              <a:schemeClr val="phClr">
-                <a:tint val="40000"/>
-                <a:satMod val="350000"/>
-              </a:schemeClr>
-            </a:gs>
-            <a:gs pos="40000">
-              <a:schemeClr val="phClr">
-                <a:tint val="45000"/>
-                <a:shade val="99000"/>
-                <a:satMod val="350000"/>
-              </a:schemeClr>
-            </a:gs>
-            <a:gs pos="100000">
-              <a:schemeClr val="phClr">
-                <a:shade val="20000"/>
-                <a:satMod val="255000"/>
-              </a:schemeClr>
-            </a:gs>
-          </a:gsLst>
-          <a:path path="circle">
-            <a:fillToRect l="50000" t="-80000" r="50000" b="180000"/>
-          </a:path>
-        </a:gradFill>
-        <a:gradFill rotWithShape="1">
-          <a:gsLst>
-            <a:gs pos="0">
-              <a:schemeClr val="phClr">
-                <a:tint val="80000"/>
-                <a:satMod val="300000"/>
-              </a:schemeClr>
-            </a:gs>
-            <a:gs pos="100000">
-              <a:schemeClr val="phClr">
-                <a:shade val="30000"/>
-                <a:satMod val="200000"/>
-              </a:schemeClr>
-            </a:gs>
-          </a:gsLst>
-          <a:path path="circle">
-            <a:fillToRect l="50000" t="50000" r="50000" b="50000"/>
-          </a:path>
-        </a:gradFill>
-      </a:bgFillStyleLst>
-    </a:fmtScheme>
-  </a:themeElements>
-</a:theme>
 </file>